--- a/dotnetcoredockerk8s.pptx
+++ b/dotnetcoredockerk8s.pptx
@@ -24675,18 +24675,15 @@
                 <a:cs typeface="Segoe UI Light" panose="020B0502040204020203" pitchFamily="34" charset="0"/>
                 <a:hlinkClick r:id="rId2"/>
               </a:rPr>
-              <a:t>geffzhang@</a:t>
-            </a:r>
-            <a:r>
-              <a:rPr lang="en-US" sz="3200" b="1" dirty="0">
-                <a:solidFill>
-                  <a:srgbClr val="541764"/>
-                </a:solidFill>
-                <a:latin typeface="Segoe UI Light" panose="020B0502040204020203" pitchFamily="34" charset="0"/>
-                <a:cs typeface="Segoe UI Light" panose="020B0502040204020203" pitchFamily="34" charset="0"/>
-              </a:rPr>
-              <a:t>weyhd.com</a:t>
-            </a:r>
+              <a:t>geffzhang@weyhd.com</a:t>
+            </a:r>
+            <a:endParaRPr lang="en-US" sz="3200" b="1" dirty="0">
+              <a:solidFill>
+                <a:srgbClr val="541764"/>
+              </a:solidFill>
+              <a:latin typeface="Segoe UI Light" panose="020B0502040204020203" pitchFamily="34" charset="0"/>
+              <a:cs typeface="Segoe UI Light" panose="020B0502040204020203" pitchFamily="34" charset="0"/>
+            </a:endParaRPr>
           </a:p>
           <a:p>
             <a:endParaRPr lang="en-US" sz="3200" b="1" dirty="0">
@@ -24717,7 +24714,29 @@
                 <a:cs typeface="Segoe UI Light" panose="020B0502040204020203" pitchFamily="34" charset="0"/>
                 <a:hlinkClick r:id="rId3"/>
               </a:rPr>
-              <a:t>https://github.com/cradle77/DockerGettingStarted</a:t>
+              <a:t>https://github.com/</a:t>
+            </a:r>
+            <a:r>
+              <a:rPr lang="en-US" altLang="zh-CN" sz="3200" b="1" dirty="0">
+                <a:solidFill>
+                  <a:srgbClr val="541764"/>
+                </a:solidFill>
+                <a:latin typeface="Segoe UI Light" panose="020B0502040204020203" pitchFamily="34" charset="0"/>
+                <a:cs typeface="Segoe UI Light" panose="020B0502040204020203" pitchFamily="34" charset="0"/>
+                <a:hlinkClick r:id="rId3"/>
+              </a:rPr>
+              <a:t>geffzhang</a:t>
+            </a:r>
+            <a:r>
+              <a:rPr lang="en-US" sz="3200" b="1" dirty="0">
+                <a:solidFill>
+                  <a:srgbClr val="541764"/>
+                </a:solidFill>
+                <a:latin typeface="Segoe UI Light" panose="020B0502040204020203" pitchFamily="34" charset="0"/>
+                <a:cs typeface="Segoe UI Light" panose="020B0502040204020203" pitchFamily="34" charset="0"/>
+                <a:hlinkClick r:id="rId3"/>
+              </a:rPr>
+              <a:t>/DockerStarted</a:t>
             </a:r>
             <a:endParaRPr lang="en-US" sz="3200" b="1" dirty="0">
               <a:solidFill>

--- a/dotnetcoredockerk8s.pptx
+++ b/dotnetcoredockerk8s.pptx
@@ -614,6 +614,301 @@
 </p:notes>
 </file>
 
+<file path=ppt/notesSlides/notesSlide10.xml><?xml version="1.0" encoding="utf-8"?>
+<p:notes xmlns:a="http://schemas.openxmlformats.org/drawingml/2006/main" xmlns:r="http://schemas.openxmlformats.org/officeDocument/2006/relationships" xmlns:p="http://schemas.openxmlformats.org/presentationml/2006/main">
+  <p:cSld>
+    <p:spTree>
+      <p:nvGrpSpPr>
+        <p:cNvPr id="1" name=""/>
+        <p:cNvGrpSpPr/>
+        <p:nvPr/>
+      </p:nvGrpSpPr>
+      <p:grpSpPr>
+        <a:xfrm>
+          <a:off x="0" y="0"/>
+          <a:ext cx="0" cy="0"/>
+          <a:chOff x="0" y="0"/>
+          <a:chExt cx="0" cy="0"/>
+        </a:xfrm>
+      </p:grpSpPr>
+      <p:sp>
+        <p:nvSpPr>
+          <p:cNvPr id="2" name="Slide Image Placeholder 1"/>
+          <p:cNvSpPr>
+            <a:spLocks noGrp="1" noRot="1" noChangeAspect="1"/>
+          </p:cNvSpPr>
+          <p:nvPr>
+            <p:ph type="sldImg"/>
+          </p:nvPr>
+        </p:nvSpPr>
+        <p:spPr/>
+      </p:sp>
+      <p:sp>
+        <p:nvSpPr>
+          <p:cNvPr id="3" name="Notes Placeholder 2"/>
+          <p:cNvSpPr>
+            <a:spLocks noGrp="1"/>
+          </p:cNvSpPr>
+          <p:nvPr>
+            <p:ph type="body" idx="1"/>
+          </p:nvPr>
+        </p:nvSpPr>
+        <p:spPr/>
+        <p:txBody>
+          <a:bodyPr/>
+          <a:lstStyle/>
+          <a:p>
+            <a:pPr marL="171450" indent="-171450">
+              <a:buFont typeface="Arial" panose="020B0604020202020204" pitchFamily="34" charset="0"/>
+              <a:buChar char="•"/>
+            </a:pPr>
+            <a:r>
+              <a:rPr lang="en-US" sz="1200" dirty="0">
+                <a:effectLst/>
+              </a:rPr>
+              <a:t>Automatic </a:t>
+            </a:r>
+            <a:r>
+              <a:rPr lang="en-US" sz="1200" dirty="0" err="1">
+                <a:effectLst/>
+              </a:rPr>
+              <a:t>binpacking</a:t>
+            </a:r>
+            <a:endParaRPr lang="en-US" sz="1200" dirty="0">
+              <a:effectLst/>
+            </a:endParaRPr>
+          </a:p>
+          <a:p>
+            <a:pPr marL="171450" indent="-171450">
+              <a:buFont typeface="Arial" panose="020B0604020202020204" pitchFamily="34" charset="0"/>
+              <a:buChar char="•"/>
+            </a:pPr>
+            <a:r>
+              <a:rPr lang="en-US" sz="1200" dirty="0">
+                <a:effectLst/>
+              </a:rPr>
+              <a:t>Self-healing</a:t>
+            </a:r>
+          </a:p>
+          <a:p>
+            <a:pPr marL="171450" indent="-171450">
+              <a:buFont typeface="Arial" panose="020B0604020202020204" pitchFamily="34" charset="0"/>
+              <a:buChar char="•"/>
+            </a:pPr>
+            <a:r>
+              <a:rPr lang="en-US" sz="1200" dirty="0">
+                <a:effectLst/>
+              </a:rPr>
+              <a:t>Horizontal scaling</a:t>
+            </a:r>
+          </a:p>
+          <a:p>
+            <a:pPr marL="171450" indent="-171450">
+              <a:buFont typeface="Arial" panose="020B0604020202020204" pitchFamily="34" charset="0"/>
+              <a:buChar char="•"/>
+            </a:pPr>
+            <a:r>
+              <a:rPr lang="en-US" sz="1200" dirty="0">
+                <a:effectLst/>
+              </a:rPr>
+              <a:t>Service discovery and load balancing</a:t>
+            </a:r>
+          </a:p>
+          <a:p>
+            <a:pPr marL="171450" indent="-171450">
+              <a:buFont typeface="Arial" panose="020B0604020202020204" pitchFamily="34" charset="0"/>
+              <a:buChar char="•"/>
+            </a:pPr>
+            <a:r>
+              <a:rPr lang="en-US" sz="1200" dirty="0">
+                <a:effectLst/>
+              </a:rPr>
+              <a:t>Automated rollouts and rollbacks</a:t>
+            </a:r>
+          </a:p>
+          <a:p>
+            <a:pPr marL="171450" indent="-171450">
+              <a:buFont typeface="Arial" panose="020B0604020202020204" pitchFamily="34" charset="0"/>
+              <a:buChar char="•"/>
+            </a:pPr>
+            <a:r>
+              <a:rPr lang="en-US" sz="1200" dirty="0">
+                <a:effectLst/>
+              </a:rPr>
+              <a:t>Secret and configuration management</a:t>
+            </a:r>
+          </a:p>
+          <a:p>
+            <a:pPr marL="171450" indent="-171450">
+              <a:buFont typeface="Arial" panose="020B0604020202020204" pitchFamily="34" charset="0"/>
+              <a:buChar char="•"/>
+            </a:pPr>
+            <a:r>
+              <a:rPr lang="en-US" sz="1200" dirty="0">
+                <a:effectLst/>
+              </a:rPr>
+              <a:t>Storage orchestration</a:t>
+            </a:r>
+          </a:p>
+          <a:p>
+            <a:pPr marL="171450" indent="-171450">
+              <a:buFont typeface="Arial" panose="020B0604020202020204" pitchFamily="34" charset="0"/>
+              <a:buChar char="•"/>
+            </a:pPr>
+            <a:r>
+              <a:rPr lang="en-US" sz="1200" dirty="0">
+                <a:effectLst/>
+              </a:rPr>
+              <a:t>Batch execution</a:t>
+            </a:r>
+          </a:p>
+          <a:p>
+            <a:endParaRPr lang="en-GB" dirty="0"/>
+          </a:p>
+        </p:txBody>
+      </p:sp>
+      <p:sp>
+        <p:nvSpPr>
+          <p:cNvPr id="4" name="Header Placeholder 3"/>
+          <p:cNvSpPr>
+            <a:spLocks noGrp="1"/>
+          </p:cNvSpPr>
+          <p:nvPr>
+            <p:ph type="hdr" sz="quarter" idx="10"/>
+          </p:nvPr>
+        </p:nvSpPr>
+        <p:spPr/>
+        <p:txBody>
+          <a:bodyPr/>
+          <a:lstStyle/>
+          <a:p>
+            <a:r>
+              <a:rPr lang="en-GB"/>
+              <a:t>Microsoft and Container - Marcus Robinson @techdiction</a:t>
+            </a:r>
+          </a:p>
+        </p:txBody>
+      </p:sp>
+      <p:sp>
+        <p:nvSpPr>
+          <p:cNvPr id="5" name="Slide Number Placeholder 4"/>
+          <p:cNvSpPr>
+            <a:spLocks noGrp="1"/>
+          </p:cNvSpPr>
+          <p:nvPr>
+            <p:ph type="sldNum" sz="quarter" idx="11"/>
+          </p:nvPr>
+        </p:nvSpPr>
+        <p:spPr/>
+        <p:txBody>
+          <a:bodyPr/>
+          <a:lstStyle/>
+          <a:p>
+            <a:fld id="{4BDF79CD-0966-4EE4-BEF0-FA2E43C70310}" type="slidenum">
+              <a:rPr lang="en-GB" smtClean="0"/>
+              <a:t>17</a:t>
+            </a:fld>
+            <a:endParaRPr lang="en-GB"/>
+          </a:p>
+        </p:txBody>
+      </p:sp>
+    </p:spTree>
+    <p:extLst>
+      <p:ext uri="{BB962C8B-B14F-4D97-AF65-F5344CB8AC3E}">
+        <p14:creationId xmlns:p14="http://schemas.microsoft.com/office/powerpoint/2010/main" val="3301043435"/>
+      </p:ext>
+    </p:extLst>
+  </p:cSld>
+  <p:clrMapOvr>
+    <a:masterClrMapping/>
+  </p:clrMapOvr>
+</p:notes>
+</file>
+
+<file path=ppt/notesSlides/notesSlide11.xml><?xml version="1.0" encoding="utf-8"?>
+<p:notes xmlns:a="http://schemas.openxmlformats.org/drawingml/2006/main" xmlns:r="http://schemas.openxmlformats.org/officeDocument/2006/relationships" xmlns:p="http://schemas.openxmlformats.org/presentationml/2006/main">
+  <p:cSld>
+    <p:spTree>
+      <p:nvGrpSpPr>
+        <p:cNvPr id="1" name=""/>
+        <p:cNvGrpSpPr/>
+        <p:nvPr/>
+      </p:nvGrpSpPr>
+      <p:grpSpPr>
+        <a:xfrm>
+          <a:off x="0" y="0"/>
+          <a:ext cx="0" cy="0"/>
+          <a:chOff x="0" y="0"/>
+          <a:chExt cx="0" cy="0"/>
+        </a:xfrm>
+      </p:grpSpPr>
+      <p:sp>
+        <p:nvSpPr>
+          <p:cNvPr id="2" name="幻灯片图像占位符 1"/>
+          <p:cNvSpPr>
+            <a:spLocks noGrp="1" noRot="1" noChangeAspect="1"/>
+          </p:cNvSpPr>
+          <p:nvPr>
+            <p:ph type="sldImg"/>
+          </p:nvPr>
+        </p:nvSpPr>
+        <p:spPr/>
+      </p:sp>
+      <p:sp>
+        <p:nvSpPr>
+          <p:cNvPr id="3" name="备注占位符 2"/>
+          <p:cNvSpPr>
+            <a:spLocks noGrp="1"/>
+          </p:cNvSpPr>
+          <p:nvPr>
+            <p:ph type="body" idx="1"/>
+          </p:nvPr>
+        </p:nvSpPr>
+        <p:spPr/>
+        <p:txBody>
+          <a:bodyPr/>
+          <a:lstStyle/>
+          <a:p>
+            <a:endParaRPr lang="zh-CN" altLang="en-US" dirty="0"/>
+          </a:p>
+        </p:txBody>
+      </p:sp>
+      <p:sp>
+        <p:nvSpPr>
+          <p:cNvPr id="4" name="灯片编号占位符 3"/>
+          <p:cNvSpPr>
+            <a:spLocks noGrp="1"/>
+          </p:cNvSpPr>
+          <p:nvPr>
+            <p:ph type="sldNum" sz="quarter" idx="5"/>
+          </p:nvPr>
+        </p:nvSpPr>
+        <p:spPr/>
+        <p:txBody>
+          <a:bodyPr/>
+          <a:lstStyle/>
+          <a:p>
+            <a:fld id="{7A3A8D60-CBF8-4442-AF5D-1F60FE5FB7A8}" type="slidenum">
+              <a:rPr lang="it-IT" smtClean="0"/>
+              <a:t>19</a:t>
+            </a:fld>
+            <a:endParaRPr lang="it-IT"/>
+          </a:p>
+        </p:txBody>
+      </p:sp>
+    </p:spTree>
+    <p:extLst>
+      <p:ext uri="{BB962C8B-B14F-4D97-AF65-F5344CB8AC3E}">
+        <p14:creationId xmlns:p14="http://schemas.microsoft.com/office/powerpoint/2010/main" val="3763938222"/>
+      </p:ext>
+    </p:extLst>
+  </p:cSld>
+  <p:clrMapOvr>
+    <a:masterClrMapping/>
+  </p:clrMapOvr>
+</p:notes>
+</file>
+
 <file path=ppt/notesSlides/notesSlide2.xml><?xml version="1.0" encoding="utf-8"?>
 <p:notes xmlns:a="http://schemas.openxmlformats.org/drawingml/2006/main" xmlns:r="http://schemas.openxmlformats.org/officeDocument/2006/relationships" xmlns:p="http://schemas.openxmlformats.org/presentationml/2006/main">
   <p:cSld>
@@ -1664,7 +1959,7 @@
       </p:grpSpPr>
       <p:sp>
         <p:nvSpPr>
-          <p:cNvPr id="2" name="Slide Image Placeholder 1"/>
+          <p:cNvPr id="2" name="幻灯片图像占位符 1"/>
           <p:cNvSpPr>
             <a:spLocks noGrp="1" noRot="1" noChangeAspect="1"/>
           </p:cNvSpPr>
@@ -1676,7 +1971,7 @@
       </p:sp>
       <p:sp>
         <p:nvSpPr>
-          <p:cNvPr id="3" name="Notes Placeholder 2"/>
+          <p:cNvPr id="3" name="备注占位符 2"/>
           <p:cNvSpPr>
             <a:spLocks noGrp="1"/>
           </p:cNvSpPr>
@@ -1689,123 +1984,22 @@
           <a:bodyPr/>
           <a:lstStyle/>
           <a:p>
-            <a:pPr marL="171450" indent="-171450">
-              <a:buFont typeface="Arial" panose="020B0604020202020204" pitchFamily="34" charset="0"/>
-              <a:buChar char="•"/>
-            </a:pPr>
-            <a:r>
-              <a:rPr lang="en-US" sz="1200" dirty="0">
-                <a:effectLst/>
-              </a:rPr>
-              <a:t>Automatic </a:t>
-            </a:r>
-            <a:r>
-              <a:rPr lang="en-US" sz="1200" dirty="0" err="1">
-                <a:effectLst/>
-              </a:rPr>
-              <a:t>binpacking</a:t>
-            </a:r>
-            <a:endParaRPr lang="en-US" sz="1200" dirty="0">
-              <a:effectLst/>
-            </a:endParaRPr>
-          </a:p>
-          <a:p>
-            <a:pPr marL="171450" indent="-171450">
-              <a:buFont typeface="Arial" panose="020B0604020202020204" pitchFamily="34" charset="0"/>
-              <a:buChar char="•"/>
-            </a:pPr>
-            <a:r>
-              <a:rPr lang="en-US" sz="1200" dirty="0">
-                <a:effectLst/>
-              </a:rPr>
-              <a:t>Self-healing</a:t>
-            </a:r>
-          </a:p>
-          <a:p>
-            <a:pPr marL="171450" indent="-171450">
-              <a:buFont typeface="Arial" panose="020B0604020202020204" pitchFamily="34" charset="0"/>
-              <a:buChar char="•"/>
-            </a:pPr>
-            <a:r>
-              <a:rPr lang="en-US" sz="1200" dirty="0">
-                <a:effectLst/>
-              </a:rPr>
-              <a:t>Horizontal scaling</a:t>
-            </a:r>
-          </a:p>
-          <a:p>
-            <a:pPr marL="171450" indent="-171450">
-              <a:buFont typeface="Arial" panose="020B0604020202020204" pitchFamily="34" charset="0"/>
-              <a:buChar char="•"/>
-            </a:pPr>
-            <a:r>
-              <a:rPr lang="en-US" sz="1200" dirty="0">
-                <a:effectLst/>
-              </a:rPr>
-              <a:t>Service discovery and load balancing</a:t>
-            </a:r>
-          </a:p>
-          <a:p>
-            <a:pPr marL="171450" indent="-171450">
-              <a:buFont typeface="Arial" panose="020B0604020202020204" pitchFamily="34" charset="0"/>
-              <a:buChar char="•"/>
-            </a:pPr>
-            <a:r>
-              <a:rPr lang="en-US" sz="1200" dirty="0">
-                <a:effectLst/>
-              </a:rPr>
-              <a:t>Automated rollouts and rollbacks</a:t>
-            </a:r>
-          </a:p>
-          <a:p>
-            <a:pPr marL="171450" indent="-171450">
-              <a:buFont typeface="Arial" panose="020B0604020202020204" pitchFamily="34" charset="0"/>
-              <a:buChar char="•"/>
-            </a:pPr>
-            <a:r>
-              <a:rPr lang="en-US" sz="1200" dirty="0">
-                <a:effectLst/>
-              </a:rPr>
-              <a:t>Secret and configuration management</a:t>
-            </a:r>
-          </a:p>
-          <a:p>
-            <a:pPr marL="171450" indent="-171450">
-              <a:buFont typeface="Arial" panose="020B0604020202020204" pitchFamily="34" charset="0"/>
-              <a:buChar char="•"/>
-            </a:pPr>
-            <a:r>
-              <a:rPr lang="en-US" sz="1200" dirty="0">
-                <a:effectLst/>
-              </a:rPr>
-              <a:t>Storage orchestration</a:t>
-            </a:r>
-          </a:p>
-          <a:p>
-            <a:pPr marL="171450" indent="-171450">
-              <a:buFont typeface="Arial" panose="020B0604020202020204" pitchFamily="34" charset="0"/>
-              <a:buChar char="•"/>
-            </a:pPr>
-            <a:r>
-              <a:rPr lang="en-US" sz="1200" dirty="0">
-                <a:effectLst/>
-              </a:rPr>
-              <a:t>Batch execution</a:t>
-            </a:r>
-          </a:p>
-          <a:p>
-            <a:endParaRPr lang="en-GB" dirty="0"/>
+            <a:r>
+              <a:rPr lang="en-US" altLang="zh-CN"/>
+              <a:t>https://docs.microsoft.com/zh-cn/dotnet/standard/containerized-lifecycle-architecture/design-develop-containerized-apps/visual-studio-tools-for-docker</a:t>
+            </a:r>
+            <a:endParaRPr lang="zh-CN" altLang="en-US"/>
           </a:p>
         </p:txBody>
       </p:sp>
       <p:sp>
         <p:nvSpPr>
-          <p:cNvPr id="4" name="Header Placeholder 3"/>
+          <p:cNvPr id="4" name="灯片编号占位符 3"/>
           <p:cNvSpPr>
             <a:spLocks noGrp="1"/>
           </p:cNvSpPr>
           <p:nvPr>
-            <p:ph type="hdr" sz="quarter" idx="10"/>
+            <p:ph type="sldNum" sz="quarter" idx="5"/>
           </p:nvPr>
         </p:nvSpPr>
         <p:spPr/>
@@ -1813,40 +2007,18 @@
           <a:bodyPr/>
           <a:lstStyle/>
           <a:p>
-            <a:r>
-              <a:rPr lang="en-GB"/>
-              <a:t>Microsoft and Container - Marcus Robinson @techdiction</a:t>
-            </a:r>
-          </a:p>
-        </p:txBody>
-      </p:sp>
-      <p:sp>
-        <p:nvSpPr>
-          <p:cNvPr id="5" name="Slide Number Placeholder 4"/>
-          <p:cNvSpPr>
-            <a:spLocks noGrp="1"/>
-          </p:cNvSpPr>
-          <p:nvPr>
-            <p:ph type="sldNum" sz="quarter" idx="11"/>
-          </p:nvPr>
-        </p:nvSpPr>
-        <p:spPr/>
-        <p:txBody>
-          <a:bodyPr/>
-          <a:lstStyle/>
-          <a:p>
-            <a:fld id="{4BDF79CD-0966-4EE4-BEF0-FA2E43C70310}" type="slidenum">
-              <a:rPr lang="en-GB" smtClean="0"/>
-              <a:t>17</a:t>
+            <a:fld id="{7A3A8D60-CBF8-4442-AF5D-1F60FE5FB7A8}" type="slidenum">
+              <a:rPr lang="it-IT" smtClean="0"/>
+              <a:t>13</a:t>
             </a:fld>
-            <a:endParaRPr lang="en-GB"/>
+            <a:endParaRPr lang="it-IT"/>
           </a:p>
         </p:txBody>
       </p:sp>
     </p:spTree>
     <p:extLst>
       <p:ext uri="{BB962C8B-B14F-4D97-AF65-F5344CB8AC3E}">
-        <p14:creationId xmlns:p14="http://schemas.microsoft.com/office/powerpoint/2010/main" val="3301043435"/>
+        <p14:creationId xmlns:p14="http://schemas.microsoft.com/office/powerpoint/2010/main" val="2207910391"/>
       </p:ext>
     </p:extLst>
   </p:cSld>
@@ -8260,7 +8432,7 @@
             <p:nvPr/>
           </p:nvPicPr>
           <p:blipFill>
-            <a:blip r:embed="rId2">
+            <a:blip r:embed="rId3">
               <a:extLst>
                 <a:ext uri="{28A0092B-C50C-407E-A947-70E740481C1C}">
                   <a14:useLocalDpi xmlns:a14="http://schemas.microsoft.com/office/drawing/2010/main" val="0"/>
@@ -8372,7 +8544,7 @@
             <p:nvPr/>
           </p:nvPicPr>
           <p:blipFill>
-            <a:blip r:embed="rId3">
+            <a:blip r:embed="rId4">
               <a:extLst>
                 <a:ext uri="{28A0092B-C50C-407E-A947-70E740481C1C}">
                   <a14:useLocalDpi xmlns:a14="http://schemas.microsoft.com/office/drawing/2010/main" val="0"/>
@@ -8497,7 +8669,7 @@
             <p:nvPr/>
           </p:nvPicPr>
           <p:blipFill>
-            <a:blip r:embed="rId4">
+            <a:blip r:embed="rId5">
               <a:extLst>
                 <a:ext uri="{28A0092B-C50C-407E-A947-70E740481C1C}">
                   <a14:useLocalDpi xmlns:a14="http://schemas.microsoft.com/office/drawing/2010/main" val="0"/>
@@ -8753,11 +8925,11 @@
           <p:nvPr/>
         </p:nvPicPr>
         <p:blipFill>
-          <a:blip r:embed="rId5">
+          <a:blip r:embed="rId6">
             <a:extLst>
               <a:ext uri="{BEBA8EAE-BF5A-486C-A8C5-ECC9F3942E4B}">
                 <a14:imgProps xmlns:a14="http://schemas.microsoft.com/office/drawing/2010/main">
-                  <a14:imgLayer r:embed="rId6">
+                  <a14:imgLayer r:embed="rId7">
                     <a14:imgEffect>
                       <a14:backgroundRemoval t="1292" b="95866" l="4624" r="96724">
                         <a14:foregroundMark x1="16763" y1="77003" x2="33911" y2="40310"/>
@@ -8942,7 +9114,7 @@
         <p:spPr>
           <a:xfrm>
             <a:off x="516835" y="1235985"/>
-            <a:ext cx="4552122" cy="4832092"/>
+            <a:ext cx="5024232" cy="4893647"/>
           </a:xfrm>
           <a:prstGeom prst="rect">
             <a:avLst/>
@@ -8988,8 +9160,18 @@
                 </a:solidFill>
                 <a:latin typeface="Consolas" panose="020B0609020204030204" pitchFamily="49" charset="0"/>
               </a:rPr>
-              <a:t>/aspnetcore:2.0 AS base</a:t>
-            </a:r>
+              <a:t>/</a:t>
+            </a:r>
+            <a:r>
+              <a:rPr lang="en-US" altLang="zh-CN" sz="1400" dirty="0"/>
+              <a:t>dotnet:2.1-aspnetcore-runtime AS base</a:t>
+            </a:r>
+            <a:endParaRPr lang="en-GB" sz="1400" dirty="0">
+              <a:solidFill>
+                <a:srgbClr val="000000"/>
+              </a:solidFill>
+              <a:latin typeface="Consolas" panose="020B0609020204030204" pitchFamily="49" charset="0"/>
+            </a:endParaRPr>
           </a:p>
           <a:p>
             <a:r>
@@ -9032,13 +9214,12 @@
               <a:t>FROM </a:t>
             </a:r>
             <a:r>
-              <a:rPr lang="en-GB" sz="1400" dirty="0" err="1">
-                <a:solidFill>
-                  <a:srgbClr val="000000"/>
-                </a:solidFill>
-                <a:latin typeface="Consolas" panose="020B0609020204030204" pitchFamily="49" charset="0"/>
-              </a:rPr>
+              <a:rPr lang="en-US" altLang="zh-CN" sz="1400" dirty="0" err="1"/>
               <a:t>microsoft</a:t>
+            </a:r>
+            <a:r>
+              <a:rPr lang="en-US" altLang="zh-CN" sz="1400" dirty="0"/>
+              <a:t>/dotnet:2.1-sdk  </a:t>
             </a:r>
             <a:r>
               <a:rPr lang="en-GB" sz="1400" dirty="0">
@@ -9047,7 +9228,7 @@
                 </a:solidFill>
                 <a:latin typeface="Consolas" panose="020B0609020204030204" pitchFamily="49" charset="0"/>
               </a:rPr>
-              <a:t>/aspnetcore-build:2.0 AS build</a:t>
+              <a:t>AS build</a:t>
             </a:r>
           </a:p>
           <a:p>
@@ -9449,9 +9630,18 @@
           <a:lstStyle/>
           <a:p>
             <a:r>
+              <a:rPr lang="en-US" altLang="zh-CN" dirty="0"/>
+              <a:t>dot</a:t>
+            </a:r>
+            <a:r>
               <a:rPr lang="en-GB" dirty="0"/>
-              <a:t>aspnetcore-build:2.0</a:t>
-            </a:r>
+              <a:t>net-build:2.</a:t>
+            </a:r>
+            <a:r>
+              <a:rPr lang="en-US" altLang="zh-CN" dirty="0"/>
+              <a:t>1</a:t>
+            </a:r>
+            <a:endParaRPr lang="en-GB" dirty="0"/>
           </a:p>
           <a:p>
             <a:endParaRPr lang="en-GB" dirty="0"/>
@@ -9501,8 +9691,13 @@
           <a:p>
             <a:r>
               <a:rPr lang="en-GB" dirty="0"/>
-              <a:t>aspnetcore:2.0</a:t>
-            </a:r>
+              <a:t>aspnetcore:2.</a:t>
+            </a:r>
+            <a:r>
+              <a:rPr lang="en-US" altLang="zh-CN" dirty="0"/>
+              <a:t>1</a:t>
+            </a:r>
+            <a:endParaRPr lang="en-GB" dirty="0"/>
           </a:p>
         </p:txBody>
       </p:sp>
@@ -9657,7 +9852,7 @@
           <a:p>
             <a:r>
               <a:rPr lang="en-GB" sz="1200" dirty="0"/>
-              <a:t>Demo.sln</a:t>
+              <a:t>Compose.sln</a:t>
             </a:r>
           </a:p>
           <a:p>
@@ -9758,7 +9953,7 @@
           <a:p>
             <a:r>
               <a:rPr lang="en-GB" sz="1200" dirty="0"/>
-              <a:t>Demo.sln</a:t>
+              <a:t>Compose.sln</a:t>
             </a:r>
           </a:p>
           <a:p>
@@ -10126,8 +10321,13 @@
           <a:p>
             <a:r>
               <a:rPr lang="en-GB" dirty="0"/>
-              <a:t>aspnetcore:2.0</a:t>
-            </a:r>
+              <a:t>aspnetcore:2.</a:t>
+            </a:r>
+            <a:r>
+              <a:rPr lang="en-US" altLang="zh-CN" dirty="0"/>
+              <a:t>1</a:t>
+            </a:r>
+            <a:endParaRPr lang="en-GB" dirty="0"/>
           </a:p>
         </p:txBody>
       </p:sp>
@@ -10438,9 +10638,18 @@
           <a:lstStyle/>
           <a:p>
             <a:r>
+              <a:rPr lang="en-US" altLang="zh-CN" dirty="0"/>
+              <a:t>dot</a:t>
+            </a:r>
+            <a:r>
               <a:rPr lang="en-GB" dirty="0"/>
-              <a:t>aspnetcore-build:2.0</a:t>
-            </a:r>
+              <a:t>net-build:2.</a:t>
+            </a:r>
+            <a:r>
+              <a:rPr lang="en-US" altLang="zh-CN" dirty="0"/>
+              <a:t>1</a:t>
+            </a:r>
+            <a:endParaRPr lang="en-GB" dirty="0"/>
           </a:p>
           <a:p>
             <a:endParaRPr lang="en-GB" dirty="0"/>
@@ -14597,7 +14806,7 @@
         <p:spPr>
           <a:xfrm>
             <a:off x="516835" y="1235985"/>
-            <a:ext cx="4552122" cy="4832092"/>
+            <a:ext cx="4552122" cy="5047536"/>
           </a:xfrm>
           <a:prstGeom prst="rect">
             <a:avLst/>
@@ -14610,7 +14819,7 @@
           <a:lstStyle/>
           <a:p>
             <a:r>
-              <a:rPr lang="en-GB" sz="1400" dirty="0">
+              <a:rPr lang="en-GB" altLang="zh-CN" sz="1400" dirty="0">
                 <a:solidFill>
                   <a:srgbClr val="0000FF"/>
                 </a:solidFill>
@@ -14619,7 +14828,7 @@
               <a:t>FROM</a:t>
             </a:r>
             <a:r>
-              <a:rPr lang="en-GB" sz="1400" dirty="0">
+              <a:rPr lang="en-GB" altLang="zh-CN" sz="1400" dirty="0">
                 <a:solidFill>
                   <a:srgbClr val="000000"/>
                 </a:solidFill>
@@ -14628,7 +14837,7 @@
               <a:t> </a:t>
             </a:r>
             <a:r>
-              <a:rPr lang="en-GB" sz="1400" dirty="0" err="1">
+              <a:rPr lang="en-GB" altLang="zh-CN" sz="1400" dirty="0" err="1">
                 <a:solidFill>
                   <a:srgbClr val="000000"/>
                 </a:solidFill>
@@ -14637,18 +14846,28 @@
               <a:t>microsoft</a:t>
             </a:r>
             <a:r>
-              <a:rPr lang="en-GB" sz="1400" dirty="0">
+              <a:rPr lang="en-GB" altLang="zh-CN" sz="1400" dirty="0">
                 <a:solidFill>
                   <a:srgbClr val="000000"/>
                 </a:solidFill>
                 <a:latin typeface="Consolas" panose="020B0609020204030204" pitchFamily="49" charset="0"/>
               </a:rPr>
-              <a:t>/aspnetcore:2.0 AS base</a:t>
-            </a:r>
-          </a:p>
-          <a:p>
-            <a:r>
-              <a:rPr lang="en-GB" sz="1400" dirty="0">
+              <a:t>/</a:t>
+            </a:r>
+            <a:r>
+              <a:rPr lang="en-US" altLang="zh-CN" sz="1400" dirty="0"/>
+              <a:t>dotnet:2.1-aspnetcore-runtime AS base</a:t>
+            </a:r>
+            <a:endParaRPr lang="en-GB" altLang="zh-CN" sz="1400" dirty="0">
+              <a:solidFill>
+                <a:srgbClr val="000000"/>
+              </a:solidFill>
+              <a:latin typeface="Consolas" panose="020B0609020204030204" pitchFamily="49" charset="0"/>
+            </a:endParaRPr>
+          </a:p>
+          <a:p>
+            <a:r>
+              <a:rPr lang="en-GB" altLang="zh-CN" sz="1400" dirty="0">
                 <a:solidFill>
                   <a:srgbClr val="000000"/>
                 </a:solidFill>
@@ -14659,7 +14878,7 @@
           </a:p>
           <a:p>
             <a:r>
-              <a:rPr lang="en-GB" sz="1400" dirty="0">
+              <a:rPr lang="en-GB" altLang="zh-CN" sz="1400" dirty="0">
                 <a:solidFill>
                   <a:srgbClr val="000000"/>
                 </a:solidFill>
@@ -14669,7 +14888,7 @@
             </a:r>
           </a:p>
           <a:p>
-            <a:endParaRPr lang="en-GB" sz="1400" dirty="0">
+            <a:endParaRPr lang="en-GB" altLang="zh-CN" sz="1400" dirty="0">
               <a:solidFill>
                 <a:srgbClr val="000000"/>
               </a:solidFill>
@@ -14678,7 +14897,7 @@
           </a:p>
           <a:p>
             <a:r>
-              <a:rPr lang="en-GB" sz="1400" dirty="0">
+              <a:rPr lang="en-GB" altLang="zh-CN" sz="1400" dirty="0">
                 <a:solidFill>
                   <a:srgbClr val="000000"/>
                 </a:solidFill>
@@ -14687,27 +14906,26 @@
               <a:t>FROM </a:t>
             </a:r>
             <a:r>
-              <a:rPr lang="en-GB" sz="1400" dirty="0" err="1">
+              <a:rPr lang="en-US" altLang="zh-CN" sz="1400" dirty="0" err="1"/>
+              <a:t>microsoft</a:t>
+            </a:r>
+            <a:r>
+              <a:rPr lang="en-US" altLang="zh-CN" sz="1400" dirty="0"/>
+              <a:t>/dotnet:2.1-sdk  </a:t>
+            </a:r>
+            <a:r>
+              <a:rPr lang="en-GB" altLang="zh-CN" sz="1400" dirty="0">
                 <a:solidFill>
                   <a:srgbClr val="000000"/>
                 </a:solidFill>
                 <a:latin typeface="Consolas" panose="020B0609020204030204" pitchFamily="49" charset="0"/>
               </a:rPr>
-              <a:t>microsoft</a:t>
-            </a:r>
-            <a:r>
-              <a:rPr lang="en-GB" sz="1400" dirty="0">
-                <a:solidFill>
-                  <a:srgbClr val="000000"/>
-                </a:solidFill>
-                <a:latin typeface="Consolas" panose="020B0609020204030204" pitchFamily="49" charset="0"/>
-              </a:rPr>
-              <a:t>/aspnetcore-build:2.0 AS build</a:t>
-            </a:r>
-          </a:p>
-          <a:p>
-            <a:r>
-              <a:rPr lang="en-GB" sz="1400" dirty="0">
+              <a:t>AS build</a:t>
+            </a:r>
+          </a:p>
+          <a:p>
+            <a:r>
+              <a:rPr lang="en-GB" altLang="zh-CN" sz="1400" dirty="0">
                 <a:solidFill>
                   <a:srgbClr val="000000"/>
                 </a:solidFill>
@@ -14716,7 +14934,7 @@
               <a:t>WORKDIR /</a:t>
             </a:r>
             <a:r>
-              <a:rPr lang="en-GB" sz="1400" dirty="0" err="1">
+              <a:rPr lang="en-GB" altLang="zh-CN" sz="1400" dirty="0" err="1">
                 <a:solidFill>
                   <a:srgbClr val="000000"/>
                 </a:solidFill>
@@ -14724,7 +14942,7 @@
               </a:rPr>
               <a:t>src</a:t>
             </a:r>
-            <a:endParaRPr lang="en-GB" sz="1400" dirty="0">
+            <a:endParaRPr lang="en-GB" altLang="zh-CN" sz="1400" dirty="0">
               <a:solidFill>
                 <a:srgbClr val="000000"/>
               </a:solidFill>
@@ -14733,7 +14951,7 @@
           </a:p>
           <a:p>
             <a:r>
-              <a:rPr lang="en-GB" sz="1400" dirty="0">
+              <a:rPr lang="en-GB" altLang="zh-CN" sz="1400" dirty="0">
                 <a:solidFill>
                   <a:srgbClr val="000000"/>
                 </a:solidFill>
@@ -14742,7 +14960,7 @@
               <a:t>COPY *.</a:t>
             </a:r>
             <a:r>
-              <a:rPr lang="en-GB" sz="1400" dirty="0" err="1">
+              <a:rPr lang="en-GB" altLang="zh-CN" sz="1400" dirty="0" err="1">
                 <a:solidFill>
                   <a:srgbClr val="000000"/>
                 </a:solidFill>
@@ -14751,7 +14969,7 @@
               <a:t>sln</a:t>
             </a:r>
             <a:r>
-              <a:rPr lang="en-GB" sz="1400" dirty="0">
+              <a:rPr lang="en-GB" altLang="zh-CN" sz="1400" dirty="0">
                 <a:solidFill>
                   <a:srgbClr val="000000"/>
                 </a:solidFill>
@@ -14762,7 +14980,7 @@
           </a:p>
           <a:p>
             <a:r>
-              <a:rPr lang="en-GB" sz="1400" dirty="0">
+              <a:rPr lang="en-GB" altLang="zh-CN" sz="1400" dirty="0">
                 <a:solidFill>
                   <a:srgbClr val="000000"/>
                 </a:solidFill>
@@ -14771,7 +14989,7 @@
               <a:t>COPY backend/</a:t>
             </a:r>
             <a:r>
-              <a:rPr lang="en-GB" sz="1400" dirty="0" err="1">
+              <a:rPr lang="en-GB" altLang="zh-CN" sz="1400" dirty="0" err="1">
                 <a:solidFill>
                   <a:srgbClr val="000000"/>
                 </a:solidFill>
@@ -14780,7 +14998,7 @@
               <a:t>backend.csproj</a:t>
             </a:r>
             <a:r>
-              <a:rPr lang="en-GB" sz="1400" dirty="0">
+              <a:rPr lang="en-GB" altLang="zh-CN" sz="1400" dirty="0">
                 <a:solidFill>
                   <a:srgbClr val="000000"/>
                 </a:solidFill>
@@ -14791,35 +15009,17 @@
           </a:p>
           <a:p>
             <a:r>
-              <a:rPr lang="en-GB" sz="1400" dirty="0">
+              <a:rPr lang="en-GB" altLang="zh-CN" sz="1400" dirty="0">
                 <a:solidFill>
                   <a:srgbClr val="000000"/>
                 </a:solidFill>
                 <a:latin typeface="Consolas" panose="020B0609020204030204" pitchFamily="49" charset="0"/>
               </a:rPr>
-              <a:t>RUN </a:t>
-            </a:r>
-            <a:r>
-              <a:rPr lang="en-GB" sz="1400" dirty="0" err="1">
-                <a:solidFill>
-                  <a:srgbClr val="000000"/>
-                </a:solidFill>
-                <a:latin typeface="Consolas" panose="020B0609020204030204" pitchFamily="49" charset="0"/>
-              </a:rPr>
-              <a:t>dotnet</a:t>
-            </a:r>
-            <a:r>
-              <a:rPr lang="en-GB" sz="1400" dirty="0">
-                <a:solidFill>
-                  <a:srgbClr val="000000"/>
-                </a:solidFill>
-                <a:latin typeface="Consolas" panose="020B0609020204030204" pitchFamily="49" charset="0"/>
-              </a:rPr>
-              <a:t> restore</a:t>
-            </a:r>
-          </a:p>
-          <a:p>
-            <a:endParaRPr lang="en-GB" sz="1400" dirty="0">
+              <a:t>RUN dotnet restore</a:t>
+            </a:r>
+          </a:p>
+          <a:p>
+            <a:endParaRPr lang="en-GB" altLang="zh-CN" sz="1400" dirty="0">
               <a:solidFill>
                 <a:srgbClr val="000000"/>
               </a:solidFill>
@@ -14828,7 +15028,7 @@
           </a:p>
           <a:p>
             <a:r>
-              <a:rPr lang="en-GB" sz="1400" dirty="0">
+              <a:rPr lang="en-GB" altLang="zh-CN" sz="1400" dirty="0">
                 <a:solidFill>
                   <a:srgbClr val="000000"/>
                 </a:solidFill>
@@ -14839,7 +15039,7 @@
           </a:p>
           <a:p>
             <a:r>
-              <a:rPr lang="en-GB" sz="1400" dirty="0">
+              <a:rPr lang="en-GB" altLang="zh-CN" sz="1400" dirty="0">
                 <a:solidFill>
                   <a:srgbClr val="000000"/>
                 </a:solidFill>
@@ -14848,7 +15048,7 @@
               <a:t>WORKDIR /</a:t>
             </a:r>
             <a:r>
-              <a:rPr lang="en-GB" sz="1400" dirty="0" err="1">
+              <a:rPr lang="en-GB" altLang="zh-CN" sz="1400" dirty="0" err="1">
                 <a:solidFill>
                   <a:srgbClr val="000000"/>
                 </a:solidFill>
@@ -14857,7 +15057,7 @@
               <a:t>src</a:t>
             </a:r>
             <a:r>
-              <a:rPr lang="en-GB" sz="1400" dirty="0">
+              <a:rPr lang="en-GB" altLang="zh-CN" sz="1400" dirty="0">
                 <a:solidFill>
                   <a:srgbClr val="000000"/>
                 </a:solidFill>
@@ -14868,35 +15068,17 @@
           </a:p>
           <a:p>
             <a:r>
-              <a:rPr lang="en-GB" sz="1400" dirty="0">
+              <a:rPr lang="en-GB" altLang="zh-CN" sz="1400" dirty="0">
                 <a:solidFill>
                   <a:srgbClr val="000000"/>
                 </a:solidFill>
                 <a:latin typeface="Consolas" panose="020B0609020204030204" pitchFamily="49" charset="0"/>
               </a:rPr>
-              <a:t>RUN </a:t>
-            </a:r>
-            <a:r>
-              <a:rPr lang="en-GB" sz="1400" dirty="0" err="1">
-                <a:solidFill>
-                  <a:srgbClr val="000000"/>
-                </a:solidFill>
-                <a:latin typeface="Consolas" panose="020B0609020204030204" pitchFamily="49" charset="0"/>
-              </a:rPr>
-              <a:t>dotnet</a:t>
-            </a:r>
-            <a:r>
-              <a:rPr lang="en-GB" sz="1400" dirty="0">
-                <a:solidFill>
-                  <a:srgbClr val="000000"/>
-                </a:solidFill>
-                <a:latin typeface="Consolas" panose="020B0609020204030204" pitchFamily="49" charset="0"/>
-              </a:rPr>
-              <a:t> build -c Release -o /app</a:t>
-            </a:r>
-          </a:p>
-          <a:p>
-            <a:endParaRPr lang="en-GB" sz="1400" dirty="0">
+              <a:t>RUN dotnet build -c Release -o /app</a:t>
+            </a:r>
+          </a:p>
+          <a:p>
+            <a:endParaRPr lang="en-GB" altLang="zh-CN" sz="1400" dirty="0">
               <a:solidFill>
                 <a:srgbClr val="000000"/>
               </a:solidFill>
@@ -14905,7 +15087,7 @@
           </a:p>
           <a:p>
             <a:r>
-              <a:rPr lang="en-GB" sz="1400" dirty="0">
+              <a:rPr lang="en-GB" altLang="zh-CN" sz="1400" dirty="0">
                 <a:solidFill>
                   <a:srgbClr val="000000"/>
                 </a:solidFill>
@@ -14916,35 +15098,17 @@
           </a:p>
           <a:p>
             <a:r>
-              <a:rPr lang="en-GB" sz="1400" dirty="0">
+              <a:rPr lang="en-GB" altLang="zh-CN" sz="1400" dirty="0">
                 <a:solidFill>
                   <a:srgbClr val="000000"/>
                 </a:solidFill>
                 <a:latin typeface="Consolas" panose="020B0609020204030204" pitchFamily="49" charset="0"/>
               </a:rPr>
-              <a:t>RUN </a:t>
-            </a:r>
-            <a:r>
-              <a:rPr lang="en-GB" sz="1400" dirty="0" err="1">
-                <a:solidFill>
-                  <a:srgbClr val="000000"/>
-                </a:solidFill>
-                <a:latin typeface="Consolas" panose="020B0609020204030204" pitchFamily="49" charset="0"/>
-              </a:rPr>
-              <a:t>dotnet</a:t>
-            </a:r>
-            <a:r>
-              <a:rPr lang="en-GB" sz="1400" dirty="0">
-                <a:solidFill>
-                  <a:srgbClr val="000000"/>
-                </a:solidFill>
-                <a:latin typeface="Consolas" panose="020B0609020204030204" pitchFamily="49" charset="0"/>
-              </a:rPr>
-              <a:t> publish -c Release -o /app</a:t>
-            </a:r>
-          </a:p>
-          <a:p>
-            <a:endParaRPr lang="en-GB" sz="1400" dirty="0">
+              <a:t>RUN dotnet publish -c Release -o /app</a:t>
+            </a:r>
+          </a:p>
+          <a:p>
+            <a:endParaRPr lang="en-GB" altLang="zh-CN" sz="1400" dirty="0">
               <a:solidFill>
                 <a:srgbClr val="000000"/>
               </a:solidFill>
@@ -14952,7 +15116,7 @@
             </a:endParaRPr>
           </a:p>
           <a:p>
-            <a:endParaRPr lang="en-GB" sz="1400" dirty="0">
+            <a:endParaRPr lang="en-GB" altLang="zh-CN" sz="1400" dirty="0">
               <a:solidFill>
                 <a:srgbClr val="000000"/>
               </a:solidFill>
@@ -14961,7 +15125,7 @@
           </a:p>
           <a:p>
             <a:r>
-              <a:rPr lang="en-GB" sz="1400" dirty="0">
+              <a:rPr lang="en-GB" altLang="zh-CN" sz="1400" dirty="0">
                 <a:solidFill>
                   <a:srgbClr val="000000"/>
                 </a:solidFill>
@@ -14972,7 +15136,7 @@
           </a:p>
           <a:p>
             <a:r>
-              <a:rPr lang="en-GB" sz="1400" dirty="0">
+              <a:rPr lang="en-GB" altLang="zh-CN" sz="1400" dirty="0">
                 <a:solidFill>
                   <a:srgbClr val="000000"/>
                 </a:solidFill>
@@ -14983,7 +15147,7 @@
           </a:p>
           <a:p>
             <a:r>
-              <a:rPr lang="en-GB" sz="1400" dirty="0">
+              <a:rPr lang="en-GB" altLang="zh-CN" sz="1400" dirty="0">
                 <a:solidFill>
                   <a:srgbClr val="000000"/>
                 </a:solidFill>
@@ -14994,7 +15158,7 @@
           </a:p>
           <a:p>
             <a:r>
-              <a:rPr lang="en-GB" sz="1400" dirty="0">
+              <a:rPr lang="en-GB" altLang="zh-CN" sz="1400" dirty="0">
                 <a:solidFill>
                   <a:srgbClr val="000000"/>
                 </a:solidFill>
@@ -15003,34 +15167,16 @@
               <a:t>ENTRYPOINT [</a:t>
             </a:r>
             <a:r>
-              <a:rPr lang="en-GB" sz="1400" dirty="0">
+              <a:rPr lang="en-GB" altLang="zh-CN" sz="1400" dirty="0">
                 <a:solidFill>
                   <a:srgbClr val="A31515"/>
                 </a:solidFill>
                 <a:latin typeface="Consolas" panose="020B0609020204030204" pitchFamily="49" charset="0"/>
               </a:rPr>
-              <a:t>"</a:t>
-            </a:r>
-            <a:r>
-              <a:rPr lang="en-GB" sz="1400" dirty="0" err="1">
-                <a:solidFill>
-                  <a:srgbClr val="A31515"/>
-                </a:solidFill>
-                <a:latin typeface="Consolas" panose="020B0609020204030204" pitchFamily="49" charset="0"/>
-              </a:rPr>
-              <a:t>dotnet</a:t>
-            </a:r>
-            <a:r>
-              <a:rPr lang="en-GB" sz="1400" dirty="0">
-                <a:solidFill>
-                  <a:srgbClr val="A31515"/>
-                </a:solidFill>
-                <a:latin typeface="Consolas" panose="020B0609020204030204" pitchFamily="49" charset="0"/>
-              </a:rPr>
-              <a:t>"</a:t>
-            </a:r>
-            <a:r>
-              <a:rPr lang="en-GB" sz="1400" dirty="0">
+              <a:t>"dotnet"</a:t>
+            </a:r>
+            <a:r>
+              <a:rPr lang="en-GB" altLang="zh-CN" sz="1400" dirty="0">
                 <a:solidFill>
                   <a:srgbClr val="000000"/>
                 </a:solidFill>
@@ -15039,7 +15185,7 @@
               <a:t>, </a:t>
             </a:r>
             <a:r>
-              <a:rPr lang="en-GB" sz="1400" dirty="0">
+              <a:rPr lang="en-GB" altLang="zh-CN" sz="1400" dirty="0">
                 <a:solidFill>
                   <a:srgbClr val="A31515"/>
                 </a:solidFill>
@@ -15048,7 +15194,7 @@
               <a:t>"backend.dll"</a:t>
             </a:r>
             <a:r>
-              <a:rPr lang="en-GB" sz="1400" dirty="0">
+              <a:rPr lang="en-GB" altLang="zh-CN" sz="1400" dirty="0">
                 <a:solidFill>
                   <a:srgbClr val="000000"/>
                 </a:solidFill>
@@ -15104,9 +15250,18 @@
           <a:lstStyle/>
           <a:p>
             <a:r>
+              <a:rPr lang="en-US" altLang="zh-CN" dirty="0"/>
+              <a:t>dot</a:t>
+            </a:r>
+            <a:r>
               <a:rPr lang="en-GB" dirty="0"/>
-              <a:t>aspnetcore-build:2.0</a:t>
-            </a:r>
+              <a:t>net-build:2.</a:t>
+            </a:r>
+            <a:r>
+              <a:rPr lang="en-US" altLang="zh-CN" dirty="0"/>
+              <a:t>1</a:t>
+            </a:r>
+            <a:endParaRPr lang="en-GB" dirty="0"/>
           </a:p>
           <a:p>
             <a:endParaRPr lang="en-GB" dirty="0"/>
@@ -15156,8 +15311,13 @@
           <a:p>
             <a:r>
               <a:rPr lang="en-GB" dirty="0"/>
-              <a:t>aspnetcore:2.0</a:t>
-            </a:r>
+              <a:t>aspnetcore:2.</a:t>
+            </a:r>
+            <a:r>
+              <a:rPr lang="en-US" altLang="zh-CN" dirty="0"/>
+              <a:t>1</a:t>
+            </a:r>
+            <a:endParaRPr lang="en-GB" dirty="0"/>
           </a:p>
         </p:txBody>
       </p:sp>
@@ -15311,8 +15471,12 @@
           <a:lstStyle/>
           <a:p>
             <a:r>
+              <a:rPr lang="en-GB" altLang="zh-CN" sz="1200" dirty="0"/>
+              <a:t>Compose</a:t>
+            </a:r>
+            <a:r>
               <a:rPr lang="en-GB" sz="1200" dirty="0"/>
-              <a:t>Demo.sln</a:t>
+              <a:t>.sln</a:t>
             </a:r>
           </a:p>
           <a:p>
@@ -15412,8 +15576,12 @@
           <a:lstStyle/>
           <a:p>
             <a:r>
+              <a:rPr lang="en-GB" altLang="zh-CN" sz="1200" dirty="0"/>
+              <a:t>Compose</a:t>
+            </a:r>
+            <a:r>
               <a:rPr lang="en-GB" sz="1200" dirty="0"/>
-              <a:t>Demo.sln</a:t>
+              <a:t>.sln</a:t>
             </a:r>
           </a:p>
           <a:p>
@@ -15781,8 +15949,13 @@
           <a:p>
             <a:r>
               <a:rPr lang="en-GB" dirty="0"/>
-              <a:t>aspnetcore:2.0</a:t>
-            </a:r>
+              <a:t>aspnetcore:2.</a:t>
+            </a:r>
+            <a:r>
+              <a:rPr lang="en-US" altLang="zh-CN" dirty="0"/>
+              <a:t>1</a:t>
+            </a:r>
+            <a:endParaRPr lang="en-GB" dirty="0"/>
           </a:p>
         </p:txBody>
       </p:sp>
@@ -16093,9 +16266,18 @@
           <a:lstStyle/>
           <a:p>
             <a:r>
+              <a:rPr lang="en-US" altLang="zh-CN" dirty="0"/>
+              <a:t>dotnet</a:t>
+            </a:r>
+            <a:r>
               <a:rPr lang="en-GB" dirty="0"/>
-              <a:t>aspnetcore-build:2.0</a:t>
-            </a:r>
+              <a:t>-build:2.</a:t>
+            </a:r>
+            <a:r>
+              <a:rPr lang="en-US" altLang="zh-CN" dirty="0"/>
+              <a:t>1</a:t>
+            </a:r>
+            <a:endParaRPr lang="en-GB" dirty="0"/>
           </a:p>
           <a:p>
             <a:endParaRPr lang="en-GB" dirty="0"/>
@@ -18326,7 +18508,11 @@
               <a:buChar char="•"/>
             </a:pPr>
             <a:r>
-              <a:rPr lang="en-GB" sz="2800" dirty="0"/>
+              <a:rPr lang="en-GB" sz="2800" dirty="0">
+                <a:solidFill>
+                  <a:schemeClr val="tx1"/>
+                </a:solidFill>
+              </a:rPr>
               <a:t>Azure-hosted control plane</a:t>
             </a:r>
           </a:p>
@@ -18346,7 +18532,11 @@
               <a:buChar char="•"/>
             </a:pPr>
             <a:r>
-              <a:rPr lang="en-GB" sz="2800" dirty="0"/>
+              <a:rPr lang="en-GB" sz="2800" dirty="0">
+                <a:solidFill>
+                  <a:schemeClr val="tx1"/>
+                </a:solidFill>
+              </a:rPr>
               <a:t>Automated upgrades and patching</a:t>
             </a:r>
           </a:p>
@@ -18366,13 +18556,21 @@
               <a:buChar char="•"/>
             </a:pPr>
             <a:r>
-              <a:rPr lang="en-GB" sz="2800" dirty="0"/>
+              <a:rPr lang="en-GB" sz="2800" dirty="0">
+                <a:solidFill>
+                  <a:schemeClr val="tx1"/>
+                </a:solidFill>
+              </a:rPr>
               <a:t>Scale agent pool to increase or decrease capacity</a:t>
             </a:r>
           </a:p>
           <a:p>
             <a:pPr algn="l"/>
-            <a:endParaRPr lang="en-GB" sz="2800" dirty="0"/>
+            <a:endParaRPr lang="en-GB" sz="2800" dirty="0">
+              <a:solidFill>
+                <a:schemeClr val="tx1"/>
+              </a:solidFill>
+            </a:endParaRPr>
           </a:p>
         </p:txBody>
       </p:sp>
@@ -20104,7 +20302,7 @@
           <p:nvPr/>
         </p:nvPicPr>
         <p:blipFill>
-          <a:blip r:embed="rId2">
+          <a:blip r:embed="rId3">
             <a:extLst>
               <a:ext uri="{28A0092B-C50C-407E-A947-70E740481C1C}">
                 <a14:useLocalDpi xmlns:a14="http://schemas.microsoft.com/office/drawing/2010/main" val="0"/>
@@ -20494,7 +20692,7 @@
               <p:nvPr/>
             </p:nvPicPr>
             <p:blipFill>
-              <a:blip r:embed="rId3">
+              <a:blip r:embed="rId4">
                 <a:extLst>
                   <a:ext uri="{28A0092B-C50C-407E-A947-70E740481C1C}">
                     <a14:useLocalDpi xmlns:a14="http://schemas.microsoft.com/office/drawing/2010/main" val="0"/>
@@ -20736,7 +20934,7 @@
               <p:nvPr/>
             </p:nvPicPr>
             <p:blipFill>
-              <a:blip r:embed="rId3">
+              <a:blip r:embed="rId4">
                 <a:extLst>
                   <a:ext uri="{28A0092B-C50C-407E-A947-70E740481C1C}">
                     <a14:useLocalDpi xmlns:a14="http://schemas.microsoft.com/office/drawing/2010/main" val="0"/>
@@ -20978,7 +21176,7 @@
               <p:nvPr/>
             </p:nvPicPr>
             <p:blipFill>
-              <a:blip r:embed="rId3">
+              <a:blip r:embed="rId4">
                 <a:extLst>
                   <a:ext uri="{28A0092B-C50C-407E-A947-70E740481C1C}">
                     <a14:useLocalDpi xmlns:a14="http://schemas.microsoft.com/office/drawing/2010/main" val="0"/>
@@ -23233,7 +23431,15 @@
             </a:r>
             <a:r>
               <a:rPr lang="en-GB" b="1" dirty="0"/>
-              <a:t>Azure Container Service (AKS)</a:t>
+              <a:t>Azure </a:t>
+            </a:r>
+            <a:r>
+              <a:rPr lang="en-US" altLang="zh-CN" b="1" dirty="0"/>
+              <a:t>Kubernetes Service</a:t>
+            </a:r>
+            <a:r>
+              <a:rPr lang="en-GB" b="1" dirty="0"/>
+              <a:t> (AKS)</a:t>
             </a:r>
           </a:p>
           <a:p>
@@ -23330,14 +23536,14 @@
             <p:ph idx="1"/>
             <p:extLst>
               <p:ext uri="{D42A27DB-BD31-4B8C-83A1-F6EECF244321}">
-                <p14:modId xmlns:p14="http://schemas.microsoft.com/office/powerpoint/2010/main" val="1927723390"/>
+                <p14:modId xmlns:p14="http://schemas.microsoft.com/office/powerpoint/2010/main" val="520282408"/>
               </p:ext>
             </p:extLst>
           </p:nvPr>
         </p:nvGraphicFramePr>
         <p:xfrm>
-          <a:off x="424721" y="1825625"/>
-          <a:ext cx="11397875" cy="4450080"/>
+          <a:off x="424721" y="1488332"/>
+          <a:ext cx="11397875" cy="4787376"/>
         </p:xfrm>
         <a:graphic>
           <a:graphicData uri="http://schemas.openxmlformats.org/drawingml/2006/table">
@@ -23361,7 +23567,7 @@
                   </a:extLst>
                 </a:gridCol>
               </a:tblGrid>
-              <a:tr h="370840">
+              <a:tr h="398948">
                 <a:tc>
                   <a:txBody>
                     <a:bodyPr/>
@@ -23433,7 +23639,7 @@
                   </a:ext>
                 </a:extLst>
               </a:tr>
-              <a:tr h="370840">
+              <a:tr h="398948">
                 <a:tc>
                   <a:txBody>
                     <a:bodyPr/>
@@ -23491,7 +23697,7 @@
                   </a:ext>
                 </a:extLst>
               </a:tr>
-              <a:tr h="370840">
+              <a:tr h="398948">
                 <a:tc>
                   <a:txBody>
                     <a:bodyPr/>
@@ -23549,7 +23755,7 @@
                   </a:ext>
                 </a:extLst>
               </a:tr>
-              <a:tr h="370840">
+              <a:tr h="398948">
                 <a:tc>
                   <a:txBody>
                     <a:bodyPr/>
@@ -23607,7 +23813,7 @@
                   </a:ext>
                 </a:extLst>
               </a:tr>
-              <a:tr h="370840">
+              <a:tr h="398948">
                 <a:tc>
                   <a:txBody>
                     <a:bodyPr/>
@@ -23665,7 +23871,7 @@
                   </a:ext>
                 </a:extLst>
               </a:tr>
-              <a:tr h="370840">
+              <a:tr h="398948">
                 <a:tc>
                   <a:txBody>
                     <a:bodyPr/>
@@ -23723,7 +23929,7 @@
                   </a:ext>
                 </a:extLst>
               </a:tr>
-              <a:tr h="370840">
+              <a:tr h="398948">
                 <a:tc>
                   <a:txBody>
                     <a:bodyPr/>
@@ -23781,7 +23987,7 @@
                   </a:ext>
                 </a:extLst>
               </a:tr>
-              <a:tr h="370840">
+              <a:tr h="398948">
                 <a:tc>
                   <a:txBody>
                     <a:bodyPr/>
@@ -23839,7 +24045,7 @@
                   </a:ext>
                 </a:extLst>
               </a:tr>
-              <a:tr h="370840">
+              <a:tr h="398948">
                 <a:tc>
                   <a:txBody>
                     <a:bodyPr/>
@@ -23897,7 +24103,7 @@
                   </a:ext>
                 </a:extLst>
               </a:tr>
-              <a:tr h="370840">
+              <a:tr h="398948">
                 <a:tc>
                   <a:txBody>
                     <a:bodyPr/>
@@ -23955,7 +24161,7 @@
                   </a:ext>
                 </a:extLst>
               </a:tr>
-              <a:tr h="370840">
+              <a:tr h="398948">
                 <a:tc>
                   <a:txBody>
                     <a:bodyPr/>
@@ -24013,7 +24219,7 @@
                   </a:ext>
                 </a:extLst>
               </a:tr>
-              <a:tr h="370840">
+              <a:tr h="398948">
                 <a:tc>
                   <a:txBody>
                     <a:bodyPr/>

--- a/dotnetcoredockerk8s.pptx
+++ b/dotnetcoredockerk8s.pptx
@@ -5,7 +5,7 @@
     <p:sldMasterId id="2147483660" r:id="rId1"/>
   </p:sldMasterIdLst>
   <p:notesMasterIdLst>
-    <p:notesMasterId r:id="rId25"/>
+    <p:notesMasterId r:id="rId26"/>
   </p:notesMasterIdLst>
   <p:sldIdLst>
     <p:sldId id="257" r:id="rId2"/>
@@ -19,18 +19,19 @@
     <p:sldId id="261" r:id="rId10"/>
     <p:sldId id="274" r:id="rId11"/>
     <p:sldId id="275" r:id="rId12"/>
-    <p:sldId id="273" r:id="rId13"/>
-    <p:sldId id="276" r:id="rId14"/>
-    <p:sldId id="282" r:id="rId15"/>
-    <p:sldId id="284" r:id="rId16"/>
-    <p:sldId id="278" r:id="rId17"/>
-    <p:sldId id="308" r:id="rId18"/>
-    <p:sldId id="285" r:id="rId19"/>
-    <p:sldId id="283" r:id="rId20"/>
-    <p:sldId id="279" r:id="rId21"/>
-    <p:sldId id="281" r:id="rId22"/>
-    <p:sldId id="280" r:id="rId23"/>
-    <p:sldId id="271" r:id="rId24"/>
+    <p:sldId id="321" r:id="rId13"/>
+    <p:sldId id="273" r:id="rId14"/>
+    <p:sldId id="276" r:id="rId15"/>
+    <p:sldId id="282" r:id="rId16"/>
+    <p:sldId id="284" r:id="rId17"/>
+    <p:sldId id="278" r:id="rId18"/>
+    <p:sldId id="308" r:id="rId19"/>
+    <p:sldId id="285" r:id="rId20"/>
+    <p:sldId id="283" r:id="rId21"/>
+    <p:sldId id="279" r:id="rId22"/>
+    <p:sldId id="281" r:id="rId23"/>
+    <p:sldId id="280" r:id="rId24"/>
+    <p:sldId id="271" r:id="rId25"/>
   </p:sldIdLst>
   <p:sldSz cx="12192000" cy="6858000"/>
   <p:notesSz cx="6858000" cy="9144000"/>
@@ -633,6 +634,94 @@
       </p:grpSpPr>
       <p:sp>
         <p:nvSpPr>
+          <p:cNvPr id="2" name="幻灯片图像占位符 1"/>
+          <p:cNvSpPr>
+            <a:spLocks noGrp="1" noRot="1" noChangeAspect="1"/>
+          </p:cNvSpPr>
+          <p:nvPr>
+            <p:ph type="sldImg"/>
+          </p:nvPr>
+        </p:nvSpPr>
+        <p:spPr/>
+      </p:sp>
+      <p:sp>
+        <p:nvSpPr>
+          <p:cNvPr id="3" name="备注占位符 2"/>
+          <p:cNvSpPr>
+            <a:spLocks noGrp="1"/>
+          </p:cNvSpPr>
+          <p:nvPr>
+            <p:ph type="body" idx="1"/>
+          </p:nvPr>
+        </p:nvSpPr>
+        <p:spPr/>
+        <p:txBody>
+          <a:bodyPr/>
+          <a:lstStyle/>
+          <a:p>
+            <a:r>
+              <a:rPr lang="en-US" altLang="zh-CN" dirty="0"/>
+              <a:t>https://docs.microsoft.com/zh-cn/dotnet/standard/containerized-lifecycle-architecture/design-develop-containerized-apps/visual-studio-tools-for-docker</a:t>
+            </a:r>
+            <a:endParaRPr lang="zh-CN" altLang="en-US" dirty="0"/>
+          </a:p>
+        </p:txBody>
+      </p:sp>
+      <p:sp>
+        <p:nvSpPr>
+          <p:cNvPr id="4" name="灯片编号占位符 3"/>
+          <p:cNvSpPr>
+            <a:spLocks noGrp="1"/>
+          </p:cNvSpPr>
+          <p:nvPr>
+            <p:ph type="sldNum" sz="quarter" idx="5"/>
+          </p:nvPr>
+        </p:nvSpPr>
+        <p:spPr/>
+        <p:txBody>
+          <a:bodyPr/>
+          <a:lstStyle/>
+          <a:p>
+            <a:fld id="{7A3A8D60-CBF8-4442-AF5D-1F60FE5FB7A8}" type="slidenum">
+              <a:rPr lang="it-IT" smtClean="0"/>
+              <a:t>14</a:t>
+            </a:fld>
+            <a:endParaRPr lang="it-IT"/>
+          </a:p>
+        </p:txBody>
+      </p:sp>
+    </p:spTree>
+    <p:extLst>
+      <p:ext uri="{BB962C8B-B14F-4D97-AF65-F5344CB8AC3E}">
+        <p14:creationId xmlns:p14="http://schemas.microsoft.com/office/powerpoint/2010/main" val="2207910391"/>
+      </p:ext>
+    </p:extLst>
+  </p:cSld>
+  <p:clrMapOvr>
+    <a:masterClrMapping/>
+  </p:clrMapOvr>
+</p:notes>
+</file>
+
+<file path=ppt/notesSlides/notesSlide11.xml><?xml version="1.0" encoding="utf-8"?>
+<p:notes xmlns:a="http://schemas.openxmlformats.org/drawingml/2006/main" xmlns:r="http://schemas.openxmlformats.org/officeDocument/2006/relationships" xmlns:p="http://schemas.openxmlformats.org/presentationml/2006/main">
+  <p:cSld>
+    <p:spTree>
+      <p:nvGrpSpPr>
+        <p:cNvPr id="1" name=""/>
+        <p:cNvGrpSpPr/>
+        <p:nvPr/>
+      </p:nvGrpSpPr>
+      <p:grpSpPr>
+        <a:xfrm>
+          <a:off x="0" y="0"/>
+          <a:ext cx="0" cy="0"/>
+          <a:chOff x="0" y="0"/>
+          <a:chExt cx="0" cy="0"/>
+        </a:xfrm>
+      </p:grpSpPr>
+      <p:sp>
+        <p:nvSpPr>
           <p:cNvPr id="2" name="Slide Image Placeholder 1"/>
           <p:cNvSpPr>
             <a:spLocks noGrp="1" noRot="1" noChangeAspect="1"/>
@@ -806,7 +895,7 @@
           <a:p>
             <a:fld id="{4BDF79CD-0966-4EE4-BEF0-FA2E43C70310}" type="slidenum">
               <a:rPr lang="en-GB" smtClean="0"/>
-              <a:t>17</a:t>
+              <a:t>18</a:t>
             </a:fld>
             <a:endParaRPr lang="en-GB"/>
           </a:p>
@@ -825,7 +914,7 @@
 </p:notes>
 </file>
 
-<file path=ppt/notesSlides/notesSlide11.xml><?xml version="1.0" encoding="utf-8"?>
+<file path=ppt/notesSlides/notesSlide12.xml><?xml version="1.0" encoding="utf-8"?>
 <p:notes xmlns:a="http://schemas.openxmlformats.org/drawingml/2006/main" xmlns:r="http://schemas.openxmlformats.org/officeDocument/2006/relationships" xmlns:p="http://schemas.openxmlformats.org/presentationml/2006/main">
   <p:cSld>
     <p:spTree>
@@ -890,7 +979,7 @@
           <a:p>
             <a:fld id="{7A3A8D60-CBF8-4442-AF5D-1F60FE5FB7A8}" type="slidenum">
               <a:rPr lang="it-IT" smtClean="0"/>
-              <a:t>19</a:t>
+              <a:t>20</a:t>
             </a:fld>
             <a:endParaRPr lang="it-IT"/>
           </a:p>
@@ -1897,10 +1986,10 @@
           <a:lstStyle/>
           <a:p>
             <a:r>
-              <a:rPr lang="en-US" altLang="zh-CN" dirty="0"/>
-              <a:t>https://github.com/cradle77/DockerGettingStarted</a:t>
-            </a:r>
-            <a:endParaRPr lang="zh-CN" altLang="en-US" dirty="0"/>
+              <a:rPr lang="en-US" altLang="zh-CN"/>
+              <a:t>https://github.com/whmzsu/helm-doc-zh-cn </a:t>
+            </a:r>
+            <a:endParaRPr lang="zh-CN" altLang="en-US"/>
           </a:p>
         </p:txBody>
       </p:sp>
@@ -1930,7 +2019,7 @@
     </p:spTree>
     <p:extLst>
       <p:ext uri="{BB962C8B-B14F-4D97-AF65-F5344CB8AC3E}">
-        <p14:creationId xmlns:p14="http://schemas.microsoft.com/office/powerpoint/2010/main" val="235706001"/>
+        <p14:creationId xmlns:p14="http://schemas.microsoft.com/office/powerpoint/2010/main" val="3942822167"/>
       </p:ext>
     </p:extLst>
   </p:cSld>
@@ -1985,10 +2074,10 @@
           <a:lstStyle/>
           <a:p>
             <a:r>
-              <a:rPr lang="en-US" altLang="zh-CN"/>
-              <a:t>https://docs.microsoft.com/zh-cn/dotnet/standard/containerized-lifecycle-architecture/design-develop-containerized-apps/visual-studio-tools-for-docker</a:t>
-            </a:r>
-            <a:endParaRPr lang="zh-CN" altLang="en-US"/>
+              <a:rPr lang="en-US" altLang="zh-CN" dirty="0"/>
+              <a:t>https://github.com/cradle77/DockerGettingStarted</a:t>
+            </a:r>
+            <a:endParaRPr lang="zh-CN" altLang="en-US" dirty="0"/>
           </a:p>
         </p:txBody>
       </p:sp>
@@ -2018,7 +2107,7 @@
     </p:spTree>
     <p:extLst>
       <p:ext uri="{BB962C8B-B14F-4D97-AF65-F5344CB8AC3E}">
-        <p14:creationId xmlns:p14="http://schemas.microsoft.com/office/powerpoint/2010/main" val="2207910391"/>
+        <p14:creationId xmlns:p14="http://schemas.microsoft.com/office/powerpoint/2010/main" val="235706001"/>
       </p:ext>
     </p:extLst>
   </p:cSld>
@@ -7789,6 +7878,113 @@
       </p:grpSpPr>
       <p:sp>
         <p:nvSpPr>
+          <p:cNvPr id="2" name="标题 1">
+            <a:extLst>
+              <a:ext uri="{FF2B5EF4-FFF2-40B4-BE49-F238E27FC236}">
+                <a16:creationId xmlns:a16="http://schemas.microsoft.com/office/drawing/2014/main" id="{2C4883FF-A8AC-41C9-87B0-DF204280C4D6}"/>
+              </a:ext>
+            </a:extLst>
+          </p:cNvPr>
+          <p:cNvSpPr>
+            <a:spLocks noGrp="1"/>
+          </p:cNvSpPr>
+          <p:nvPr>
+            <p:ph type="title"/>
+          </p:nvPr>
+        </p:nvSpPr>
+        <p:spPr>
+          <a:xfrm>
+            <a:off x="1524000" y="1143000"/>
+            <a:ext cx="9144000" cy="5325894"/>
+          </a:xfrm>
+        </p:spPr>
+        <p:txBody>
+          <a:bodyPr/>
+          <a:lstStyle/>
+          <a:p>
+            <a:endParaRPr lang="zh-CN" altLang="en-US" dirty="0"/>
+          </a:p>
+        </p:txBody>
+      </p:sp>
+      <p:sp>
+        <p:nvSpPr>
+          <p:cNvPr id="3" name="文本占位符 2">
+            <a:extLst>
+              <a:ext uri="{FF2B5EF4-FFF2-40B4-BE49-F238E27FC236}">
+                <a16:creationId xmlns:a16="http://schemas.microsoft.com/office/drawing/2014/main" id="{F472A562-D34D-4F16-A8EB-CC50E10C075A}"/>
+              </a:ext>
+            </a:extLst>
+          </p:cNvPr>
+          <p:cNvSpPr>
+            <a:spLocks noGrp="1"/>
+          </p:cNvSpPr>
+          <p:nvPr>
+            <p:ph type="body" idx="1"/>
+          </p:nvPr>
+        </p:nvSpPr>
+        <p:spPr>
+          <a:xfrm>
+            <a:off x="1524000" y="468550"/>
+            <a:ext cx="9144000" cy="1143000"/>
+          </a:xfrm>
+        </p:spPr>
+        <p:txBody>
+          <a:bodyPr/>
+          <a:lstStyle/>
+          <a:p>
+            <a:pPr algn="l"/>
+            <a:r>
+              <a:rPr lang="en-US" altLang="zh-CN" b="1" dirty="0"/>
+              <a:t>Visual Studio Tools for Kubernetes</a:t>
+            </a:r>
+            <a:endParaRPr lang="zh-CN" altLang="en-US" dirty="0"/>
+          </a:p>
+        </p:txBody>
+      </p:sp>
+    </p:spTree>
+    <p:extLst>
+      <p:ext uri="{BB962C8B-B14F-4D97-AF65-F5344CB8AC3E}">
+        <p14:creationId xmlns:p14="http://schemas.microsoft.com/office/powerpoint/2010/main" val="576649704"/>
+      </p:ext>
+    </p:extLst>
+  </p:cSld>
+  <p:clrMapOvr>
+    <a:masterClrMapping/>
+  </p:clrMapOvr>
+  <mc:AlternateContent xmlns:mc="http://schemas.openxmlformats.org/markup-compatibility/2006" xmlns:p14="http://schemas.microsoft.com/office/powerpoint/2010/main">
+    <mc:Choice Requires="p14">
+      <p:transition spd="med" p14:dur="700">
+        <p:fade/>
+      </p:transition>
+    </mc:Choice>
+    <mc:Fallback xmlns="">
+      <p:transition spd="med">
+        <p:fade/>
+      </p:transition>
+    </mc:Fallback>
+  </mc:AlternateContent>
+</p:sld>
+</file>
+
+<file path=ppt/slides/slide13.xml><?xml version="1.0" encoding="utf-8"?>
+<p:sld xmlns:a="http://schemas.openxmlformats.org/drawingml/2006/main" xmlns:r="http://schemas.openxmlformats.org/officeDocument/2006/relationships" xmlns:p="http://schemas.openxmlformats.org/presentationml/2006/main">
+  <p:cSld>
+    <p:spTree>
+      <p:nvGrpSpPr>
+        <p:cNvPr id="1" name=""/>
+        <p:cNvGrpSpPr/>
+        <p:nvPr/>
+      </p:nvGrpSpPr>
+      <p:grpSpPr>
+        <a:xfrm>
+          <a:off x="0" y="0"/>
+          <a:ext cx="0" cy="0"/>
+          <a:chOff x="0" y="0"/>
+          <a:chExt cx="0" cy="0"/>
+        </a:xfrm>
+      </p:grpSpPr>
+      <p:sp>
+        <p:nvSpPr>
           <p:cNvPr id="3" name="Title 1"/>
           <p:cNvSpPr>
             <a:spLocks noGrp="1"/>
@@ -8137,7 +8333,7 @@
 </p:sld>
 </file>
 
-<file path=ppt/slides/slide13.xml><?xml version="1.0" encoding="utf-8"?>
+<file path=ppt/slides/slide14.xml><?xml version="1.0" encoding="utf-8"?>
 <p:sld xmlns:a="http://schemas.openxmlformats.org/drawingml/2006/main" xmlns:r="http://schemas.openxmlformats.org/officeDocument/2006/relationships" xmlns:p="http://schemas.openxmlformats.org/presentationml/2006/main">
   <p:cSld>
     <p:spTree>
@@ -8989,7 +9185,7 @@
 </p:sld>
 </file>
 
-<file path=ppt/slides/slide14.xml><?xml version="1.0" encoding="utf-8"?>
+<file path=ppt/slides/slide15.xml><?xml version="1.0" encoding="utf-8"?>
 <p:sld xmlns:a="http://schemas.openxmlformats.org/drawingml/2006/main" xmlns:r="http://schemas.openxmlformats.org/officeDocument/2006/relationships" xmlns:p="http://schemas.openxmlformats.org/presentationml/2006/main">
   <p:cSld>
     <p:spTree>
@@ -14681,7 +14877,7 @@
 </p:sld>
 </file>
 
-<file path=ppt/slides/slide15.xml><?xml version="1.0" encoding="utf-8"?>
+<file path=ppt/slides/slide16.xml><?xml version="1.0" encoding="utf-8"?>
 <p:sld xmlns:a="http://schemas.openxmlformats.org/drawingml/2006/main" xmlns:r="http://schemas.openxmlformats.org/officeDocument/2006/relationships" xmlns:p="http://schemas.openxmlformats.org/presentationml/2006/main">
   <p:cSld>
     <p:spTree>
@@ -17041,7 +17237,7 @@
 </p:sld>
 </file>
 
-<file path=ppt/slides/slide16.xml><?xml version="1.0" encoding="utf-8"?>
+<file path=ppt/slides/slide17.xml><?xml version="1.0" encoding="utf-8"?>
 <p:sld xmlns:a="http://schemas.openxmlformats.org/drawingml/2006/main" xmlns:r="http://schemas.openxmlformats.org/officeDocument/2006/relationships" xmlns:p="http://schemas.openxmlformats.org/presentationml/2006/main">
   <p:cSld>
     <p:spTree>
@@ -18350,7 +18546,7 @@
 </p:sld>
 </file>
 
-<file path=ppt/slides/slide17.xml><?xml version="1.0" encoding="utf-8"?>
+<file path=ppt/slides/slide18.xml><?xml version="1.0" encoding="utf-8"?>
 <p:sld xmlns:a="http://schemas.openxmlformats.org/drawingml/2006/main" xmlns:r="http://schemas.openxmlformats.org/officeDocument/2006/relationships" xmlns:p="http://schemas.openxmlformats.org/presentationml/2006/main">
   <p:cSld>
     <p:spTree>
@@ -18678,7 +18874,7 @@
 </p:sld>
 </file>
 
-<file path=ppt/slides/slide18.xml><?xml version="1.0" encoding="utf-8"?>
+<file path=ppt/slides/slide19.xml><?xml version="1.0" encoding="utf-8"?>
 <p:sld xmlns:a="http://schemas.openxmlformats.org/drawingml/2006/main" xmlns:r="http://schemas.openxmlformats.org/officeDocument/2006/relationships" xmlns:p="http://schemas.openxmlformats.org/presentationml/2006/main">
   <p:cSld>
     <p:spTree>
@@ -19905,7 +20101,469 @@
 </p:sld>
 </file>
 
-<file path=ppt/slides/slide19.xml><?xml version="1.0" encoding="utf-8"?>
+<file path=ppt/slides/slide2.xml><?xml version="1.0" encoding="utf-8"?>
+<p:sld xmlns:a="http://schemas.openxmlformats.org/drawingml/2006/main" xmlns:r="http://schemas.openxmlformats.org/officeDocument/2006/relationships" xmlns:p="http://schemas.openxmlformats.org/presentationml/2006/main">
+  <p:cSld>
+    <p:spTree>
+      <p:nvGrpSpPr>
+        <p:cNvPr id="1" name=""/>
+        <p:cNvGrpSpPr/>
+        <p:nvPr/>
+      </p:nvGrpSpPr>
+      <p:grpSpPr>
+        <a:xfrm>
+          <a:off x="0" y="0"/>
+          <a:ext cx="0" cy="0"/>
+          <a:chOff x="0" y="0"/>
+          <a:chExt cx="0" cy="0"/>
+        </a:xfrm>
+      </p:grpSpPr>
+      <p:sp>
+        <p:nvSpPr>
+          <p:cNvPr id="3" name="Title 1"/>
+          <p:cNvSpPr>
+            <a:spLocks noGrp="1"/>
+          </p:cNvSpPr>
+          <p:nvPr/>
+        </p:nvSpPr>
+        <p:spPr>
+          <a:xfrm>
+            <a:off x="535552" y="1064144"/>
+            <a:ext cx="3979297" cy="1355206"/>
+          </a:xfrm>
+          <a:prstGeom prst="rect">
+            <a:avLst/>
+          </a:prstGeom>
+          <a:noFill/>
+        </p:spPr>
+        <p:txBody>
+          <a:bodyPr vert="horz" wrap="square" lIns="146304" tIns="91440" rIns="146304" bIns="91440" rtlCol="0" anchor="t" anchorCtr="0">
+            <a:normAutofit/>
+          </a:bodyPr>
+          <a:lstStyle>
+            <a:lvl1pPr algn="l" defTabSz="914367" rtl="0" eaLnBrk="1" latinLnBrk="0" hangingPunct="1">
+              <a:lnSpc>
+                <a:spcPct val="90000"/>
+              </a:lnSpc>
+              <a:spcBef>
+                <a:spcPct val="0"/>
+              </a:spcBef>
+              <a:buNone/>
+              <a:defRPr lang="en-US" sz="5294" b="0" kern="1200" cap="none" spc="-98" baseline="0">
+                <a:ln w="3175">
+                  <a:noFill/>
+                </a:ln>
+                <a:gradFill>
+                  <a:gsLst>
+                    <a:gs pos="100000">
+                      <a:schemeClr val="tx2"/>
+                    </a:gs>
+                    <a:gs pos="0">
+                      <a:schemeClr val="tx2"/>
+                    </a:gs>
+                  </a:gsLst>
+                  <a:lin ang="5400000" scaled="0"/>
+                </a:gradFill>
+                <a:effectLst/>
+                <a:latin typeface="+mj-lt"/>
+                <a:ea typeface="+mn-ea"/>
+                <a:cs typeface="Segoe UI" pitchFamily="34" charset="0"/>
+              </a:defRPr>
+            </a:lvl1pPr>
+          </a:lstStyle>
+          <a:p>
+            <a:r>
+              <a:rPr lang="it-IT" sz="8000" b="1" dirty="0">
+                <a:solidFill>
+                  <a:srgbClr val="541764"/>
+                </a:solidFill>
+                <a:latin typeface="Segoe UI Light" panose="020B0502040204020203" pitchFamily="34" charset="0"/>
+                <a:cs typeface="Segoe UI Light" panose="020B0502040204020203" pitchFamily="34" charset="0"/>
+              </a:rPr>
+              <a:t>Agenda</a:t>
+            </a:r>
+            <a:endParaRPr lang="en-US" sz="8000" b="1" dirty="0">
+              <a:solidFill>
+                <a:srgbClr val="541764"/>
+              </a:solidFill>
+              <a:latin typeface="Segoe UI Light" panose="020B0502040204020203" pitchFamily="34" charset="0"/>
+              <a:cs typeface="Segoe UI Light" panose="020B0502040204020203" pitchFamily="34" charset="0"/>
+            </a:endParaRPr>
+          </a:p>
+        </p:txBody>
+      </p:sp>
+      <p:sp>
+        <p:nvSpPr>
+          <p:cNvPr id="4" name="Subtitle 2"/>
+          <p:cNvSpPr>
+            <a:spLocks noGrp="1"/>
+          </p:cNvSpPr>
+          <p:nvPr/>
+        </p:nvSpPr>
+        <p:spPr>
+          <a:xfrm>
+            <a:off x="1003835" y="2584720"/>
+            <a:ext cx="10184329" cy="2755765"/>
+          </a:xfrm>
+          <a:prstGeom prst="rect">
+            <a:avLst/>
+          </a:prstGeom>
+          <a:noFill/>
+        </p:spPr>
+        <p:txBody>
+          <a:bodyPr vert="horz" wrap="square" lIns="146304" tIns="109728" rIns="146304" bIns="109728" rtlCol="0">
+            <a:noAutofit/>
+          </a:bodyPr>
+          <a:lstStyle>
+            <a:lvl1pPr marL="0" marR="0" indent="0" algn="l" defTabSz="914367" rtl="0" eaLnBrk="1" fontAlgn="auto" latinLnBrk="0" hangingPunct="1">
+              <a:lnSpc>
+                <a:spcPct val="90000"/>
+              </a:lnSpc>
+              <a:spcBef>
+                <a:spcPts val="0"/>
+              </a:spcBef>
+              <a:spcAft>
+                <a:spcPts val="0"/>
+              </a:spcAft>
+              <a:buClrTx/>
+              <a:buSzPct val="90000"/>
+              <a:buFont typeface="Arial" pitchFamily="34" charset="0"/>
+              <a:buNone/>
+              <a:tabLst/>
+              <a:defRPr sz="3137" kern="1200" spc="0" baseline="0">
+                <a:gradFill>
+                  <a:gsLst>
+                    <a:gs pos="91000">
+                      <a:schemeClr val="tx1"/>
+                    </a:gs>
+                    <a:gs pos="0">
+                      <a:schemeClr val="tx1"/>
+                    </a:gs>
+                  </a:gsLst>
+                  <a:lin ang="5400000" scaled="0"/>
+                </a:gradFill>
+                <a:latin typeface="+mj-lt"/>
+                <a:ea typeface="+mn-ea"/>
+                <a:cs typeface="+mn-cs"/>
+              </a:defRPr>
+            </a:lvl1pPr>
+            <a:lvl2pPr marL="572691" marR="0" indent="-236546" algn="l" defTabSz="914367" rtl="0" eaLnBrk="1" fontAlgn="auto" latinLnBrk="0" hangingPunct="1">
+              <a:lnSpc>
+                <a:spcPct val="90000"/>
+              </a:lnSpc>
+              <a:spcBef>
+                <a:spcPct val="20000"/>
+              </a:spcBef>
+              <a:spcAft>
+                <a:spcPts val="0"/>
+              </a:spcAft>
+              <a:buClrTx/>
+              <a:buSzPct val="90000"/>
+              <a:buFont typeface="Arial" pitchFamily="34" charset="0"/>
+              <a:buChar char="•"/>
+              <a:tabLst/>
+              <a:defRPr sz="2353" kern="1200" spc="0" baseline="0">
+                <a:gradFill>
+                  <a:gsLst>
+                    <a:gs pos="1250">
+                      <a:schemeClr val="tx1"/>
+                    </a:gs>
+                    <a:gs pos="100000">
+                      <a:schemeClr val="tx1"/>
+                    </a:gs>
+                  </a:gsLst>
+                  <a:lin ang="5400000" scaled="0"/>
+                </a:gradFill>
+                <a:latin typeface="+mn-lt"/>
+                <a:ea typeface="+mn-ea"/>
+                <a:cs typeface="+mn-cs"/>
+              </a:defRPr>
+            </a:lvl2pPr>
+            <a:lvl3pPr marL="784338" marR="0" indent="-224097" algn="l" defTabSz="914367" rtl="0" eaLnBrk="1" fontAlgn="auto" latinLnBrk="0" hangingPunct="1">
+              <a:lnSpc>
+                <a:spcPct val="90000"/>
+              </a:lnSpc>
+              <a:spcBef>
+                <a:spcPct val="20000"/>
+              </a:spcBef>
+              <a:spcAft>
+                <a:spcPts val="0"/>
+              </a:spcAft>
+              <a:buClrTx/>
+              <a:buSzPct val="90000"/>
+              <a:buFont typeface="Arial" pitchFamily="34" charset="0"/>
+              <a:buChar char="•"/>
+              <a:tabLst/>
+              <a:defRPr sz="1961" kern="1200" spc="0" baseline="0">
+                <a:gradFill>
+                  <a:gsLst>
+                    <a:gs pos="1250">
+                      <a:schemeClr val="tx1"/>
+                    </a:gs>
+                    <a:gs pos="100000">
+                      <a:schemeClr val="tx1"/>
+                    </a:gs>
+                  </a:gsLst>
+                  <a:lin ang="5400000" scaled="0"/>
+                </a:gradFill>
+                <a:latin typeface="+mn-lt"/>
+                <a:ea typeface="+mn-ea"/>
+                <a:cs typeface="+mn-cs"/>
+              </a:defRPr>
+            </a:lvl3pPr>
+            <a:lvl4pPr marL="1008435" marR="0" indent="-224097" algn="l" defTabSz="914367" rtl="0" eaLnBrk="1" fontAlgn="auto" latinLnBrk="0" hangingPunct="1">
+              <a:lnSpc>
+                <a:spcPct val="90000"/>
+              </a:lnSpc>
+              <a:spcBef>
+                <a:spcPct val="20000"/>
+              </a:spcBef>
+              <a:spcAft>
+                <a:spcPts val="0"/>
+              </a:spcAft>
+              <a:buClrTx/>
+              <a:buSzPct val="90000"/>
+              <a:buFont typeface="Arial" pitchFamily="34" charset="0"/>
+              <a:buChar char="•"/>
+              <a:tabLst/>
+              <a:defRPr sz="1765" kern="1200" spc="0" baseline="0">
+                <a:gradFill>
+                  <a:gsLst>
+                    <a:gs pos="1250">
+                      <a:schemeClr val="tx1"/>
+                    </a:gs>
+                    <a:gs pos="100000">
+                      <a:schemeClr val="tx1"/>
+                    </a:gs>
+                  </a:gsLst>
+                  <a:lin ang="5400000" scaled="0"/>
+                </a:gradFill>
+                <a:latin typeface="+mn-lt"/>
+                <a:ea typeface="+mn-ea"/>
+                <a:cs typeface="+mn-cs"/>
+              </a:defRPr>
+            </a:lvl4pPr>
+            <a:lvl5pPr marL="1232531" marR="0" indent="-224097" algn="l" defTabSz="914367" rtl="0" eaLnBrk="1" fontAlgn="auto" latinLnBrk="0" hangingPunct="1">
+              <a:lnSpc>
+                <a:spcPct val="90000"/>
+              </a:lnSpc>
+              <a:spcBef>
+                <a:spcPct val="20000"/>
+              </a:spcBef>
+              <a:spcAft>
+                <a:spcPts val="0"/>
+              </a:spcAft>
+              <a:buClrTx/>
+              <a:buSzPct val="90000"/>
+              <a:buFont typeface="Arial" pitchFamily="34" charset="0"/>
+              <a:buChar char="•"/>
+              <a:tabLst/>
+              <a:defRPr sz="1765" kern="1200" spc="0" baseline="0">
+                <a:gradFill>
+                  <a:gsLst>
+                    <a:gs pos="1250">
+                      <a:schemeClr val="tx1"/>
+                    </a:gs>
+                    <a:gs pos="100000">
+                      <a:schemeClr val="tx1"/>
+                    </a:gs>
+                  </a:gsLst>
+                  <a:lin ang="5400000" scaled="0"/>
+                </a:gradFill>
+                <a:latin typeface="+mn-lt"/>
+                <a:ea typeface="+mn-ea"/>
+                <a:cs typeface="+mn-cs"/>
+              </a:defRPr>
+            </a:lvl5pPr>
+            <a:lvl6pPr marL="2514509" indent="-228592" algn="l" defTabSz="914367" rtl="0" eaLnBrk="1" latinLnBrk="0" hangingPunct="1">
+              <a:spcBef>
+                <a:spcPct val="20000"/>
+              </a:spcBef>
+              <a:buFont typeface="Arial" pitchFamily="34" charset="0"/>
+              <a:buChar char="•"/>
+              <a:defRPr sz="1961" kern="1200">
+                <a:solidFill>
+                  <a:schemeClr val="tx1"/>
+                </a:solidFill>
+                <a:latin typeface="+mn-lt"/>
+                <a:ea typeface="+mn-ea"/>
+                <a:cs typeface="+mn-cs"/>
+              </a:defRPr>
+            </a:lvl6pPr>
+            <a:lvl7pPr marL="2971693" indent="-228592" algn="l" defTabSz="914367" rtl="0" eaLnBrk="1" latinLnBrk="0" hangingPunct="1">
+              <a:spcBef>
+                <a:spcPct val="20000"/>
+              </a:spcBef>
+              <a:buFont typeface="Arial" pitchFamily="34" charset="0"/>
+              <a:buChar char="•"/>
+              <a:defRPr sz="1961" kern="1200">
+                <a:solidFill>
+                  <a:schemeClr val="tx1"/>
+                </a:solidFill>
+                <a:latin typeface="+mn-lt"/>
+                <a:ea typeface="+mn-ea"/>
+                <a:cs typeface="+mn-cs"/>
+              </a:defRPr>
+            </a:lvl7pPr>
+            <a:lvl8pPr marL="3428877" indent="-228592" algn="l" defTabSz="914367" rtl="0" eaLnBrk="1" latinLnBrk="0" hangingPunct="1">
+              <a:spcBef>
+                <a:spcPct val="20000"/>
+              </a:spcBef>
+              <a:buFont typeface="Arial" pitchFamily="34" charset="0"/>
+              <a:buChar char="•"/>
+              <a:defRPr sz="1961" kern="1200">
+                <a:solidFill>
+                  <a:schemeClr val="tx1"/>
+                </a:solidFill>
+                <a:latin typeface="+mn-lt"/>
+                <a:ea typeface="+mn-ea"/>
+                <a:cs typeface="+mn-cs"/>
+              </a:defRPr>
+            </a:lvl8pPr>
+            <a:lvl9pPr marL="3886061" indent="-228592" algn="l" defTabSz="914367" rtl="0" eaLnBrk="1" latinLnBrk="0" hangingPunct="1">
+              <a:spcBef>
+                <a:spcPct val="20000"/>
+              </a:spcBef>
+              <a:buFont typeface="Arial" pitchFamily="34" charset="0"/>
+              <a:buChar char="•"/>
+              <a:defRPr sz="1961" kern="1200">
+                <a:solidFill>
+                  <a:schemeClr val="tx1"/>
+                </a:solidFill>
+                <a:latin typeface="+mn-lt"/>
+                <a:ea typeface="+mn-ea"/>
+                <a:cs typeface="+mn-cs"/>
+              </a:defRPr>
+            </a:lvl9pPr>
+          </a:lstStyle>
+          <a:p>
+            <a:pPr marL="457200" indent="-457200">
+              <a:buFontTx/>
+              <a:buChar char="-"/>
+            </a:pPr>
+            <a:r>
+              <a:rPr lang="en-GB" sz="3200" dirty="0">
+                <a:solidFill>
+                  <a:srgbClr val="541764"/>
+                </a:solidFill>
+                <a:latin typeface="Segoe UI Light" panose="020B0502040204020203" pitchFamily="34" charset="0"/>
+                <a:cs typeface="Segoe UI Light" panose="020B0502040204020203" pitchFamily="34" charset="0"/>
+              </a:rPr>
+              <a:t>Principles of Microservices</a:t>
+            </a:r>
+          </a:p>
+          <a:p>
+            <a:pPr marL="457200" indent="-457200">
+              <a:buFontTx/>
+              <a:buChar char="-"/>
+            </a:pPr>
+            <a:r>
+              <a:rPr lang="en-GB" altLang="zh-CN" sz="3200" dirty="0">
+                <a:solidFill>
+                  <a:srgbClr val="541764"/>
+                </a:solidFill>
+                <a:latin typeface="Segoe UI Light" panose="020B0502040204020203" pitchFamily="34" charset="0"/>
+                <a:cs typeface="Segoe UI Light" panose="020B0502040204020203" pitchFamily="34" charset="0"/>
+              </a:rPr>
+              <a:t>.NET Core</a:t>
+            </a:r>
+            <a:endParaRPr lang="en-GB" sz="3200" dirty="0">
+              <a:solidFill>
+                <a:srgbClr val="541764"/>
+              </a:solidFill>
+              <a:latin typeface="Segoe UI Light" panose="020B0502040204020203" pitchFamily="34" charset="0"/>
+              <a:cs typeface="Segoe UI Light" panose="020B0502040204020203" pitchFamily="34" charset="0"/>
+            </a:endParaRPr>
+          </a:p>
+          <a:p>
+            <a:pPr marL="457200" indent="-457200">
+              <a:buFontTx/>
+              <a:buChar char="-"/>
+            </a:pPr>
+            <a:r>
+              <a:rPr lang="en-GB" sz="3200" dirty="0">
+                <a:solidFill>
+                  <a:srgbClr val="541764"/>
+                </a:solidFill>
+                <a:latin typeface="Segoe UI Light" panose="020B0502040204020203" pitchFamily="34" charset="0"/>
+                <a:cs typeface="Segoe UI Light" panose="020B0502040204020203" pitchFamily="34" charset="0"/>
+              </a:rPr>
+              <a:t>What’s Docker and why should I care</a:t>
+            </a:r>
+            <a:endParaRPr lang="it-IT" sz="3200" dirty="0">
+              <a:solidFill>
+                <a:srgbClr val="541764"/>
+              </a:solidFill>
+              <a:latin typeface="Segoe UI Light" panose="020B0502040204020203" pitchFamily="34" charset="0"/>
+              <a:cs typeface="Segoe UI Light" panose="020B0502040204020203" pitchFamily="34" charset="0"/>
+            </a:endParaRPr>
+          </a:p>
+          <a:p>
+            <a:pPr marL="457200" indent="-457200">
+              <a:buFontTx/>
+              <a:buChar char="-"/>
+            </a:pPr>
+            <a:r>
+              <a:rPr lang="it-IT" sz="3200" dirty="0">
+                <a:solidFill>
+                  <a:srgbClr val="541764"/>
+                </a:solidFill>
+                <a:latin typeface="Segoe UI Light" panose="020B0502040204020203" pitchFamily="34" charset="0"/>
+                <a:cs typeface="Segoe UI Light" panose="020B0502040204020203" pitchFamily="34" charset="0"/>
+              </a:rPr>
+              <a:t>ASP.NET Core </a:t>
+            </a:r>
+            <a:r>
+              <a:rPr lang="en-GB" sz="3200" dirty="0">
+                <a:solidFill>
+                  <a:srgbClr val="541764"/>
+                </a:solidFill>
+                <a:latin typeface="Segoe UI Light" panose="020B0502040204020203" pitchFamily="34" charset="0"/>
+                <a:cs typeface="Segoe UI Light" panose="020B0502040204020203" pitchFamily="34" charset="0"/>
+              </a:rPr>
+              <a:t>&amp; Docker</a:t>
+            </a:r>
+          </a:p>
+          <a:p>
+            <a:pPr marL="457200" indent="-457200">
+              <a:buFontTx/>
+              <a:buChar char="-"/>
+            </a:pPr>
+            <a:r>
+              <a:rPr lang="en-GB" sz="3200" dirty="0">
+                <a:solidFill>
+                  <a:srgbClr val="541764"/>
+                </a:solidFill>
+                <a:latin typeface="Segoe UI Light" panose="020B0502040204020203" pitchFamily="34" charset="0"/>
+                <a:cs typeface="Segoe UI Light" panose="020B0502040204020203" pitchFamily="34" charset="0"/>
+              </a:rPr>
+              <a:t>Let’s port a non-trivial project to Docker and AKS</a:t>
+            </a:r>
+          </a:p>
+        </p:txBody>
+      </p:sp>
+    </p:spTree>
+    <p:extLst>
+      <p:ext uri="{BB962C8B-B14F-4D97-AF65-F5344CB8AC3E}">
+        <p14:creationId xmlns:p14="http://schemas.microsoft.com/office/powerpoint/2010/main" val="2580006334"/>
+      </p:ext>
+    </p:extLst>
+  </p:cSld>
+  <p:clrMapOvr>
+    <a:masterClrMapping/>
+  </p:clrMapOvr>
+  <mc:AlternateContent xmlns:mc="http://schemas.openxmlformats.org/markup-compatibility/2006" xmlns:p14="http://schemas.microsoft.com/office/powerpoint/2010/main">
+    <mc:Choice Requires="p14">
+      <p:transition p14:dur="0"/>
+    </mc:Choice>
+    <mc:Fallback xmlns="">
+      <p:transition/>
+    </mc:Fallback>
+  </mc:AlternateContent>
+</p:sld>
+</file>
+
+<file path=ppt/slides/slide20.xml><?xml version="1.0" encoding="utf-8"?>
 <p:sld xmlns:a="http://schemas.openxmlformats.org/drawingml/2006/main" xmlns:r="http://schemas.openxmlformats.org/officeDocument/2006/relationships" xmlns:p="http://schemas.openxmlformats.org/presentationml/2006/main">
   <p:cSld>
     <p:spTree>
@@ -22805,469 +23463,7 @@
 </p:sld>
 </file>
 
-<file path=ppt/slides/slide2.xml><?xml version="1.0" encoding="utf-8"?>
-<p:sld xmlns:a="http://schemas.openxmlformats.org/drawingml/2006/main" xmlns:r="http://schemas.openxmlformats.org/officeDocument/2006/relationships" xmlns:p="http://schemas.openxmlformats.org/presentationml/2006/main">
-  <p:cSld>
-    <p:spTree>
-      <p:nvGrpSpPr>
-        <p:cNvPr id="1" name=""/>
-        <p:cNvGrpSpPr/>
-        <p:nvPr/>
-      </p:nvGrpSpPr>
-      <p:grpSpPr>
-        <a:xfrm>
-          <a:off x="0" y="0"/>
-          <a:ext cx="0" cy="0"/>
-          <a:chOff x="0" y="0"/>
-          <a:chExt cx="0" cy="0"/>
-        </a:xfrm>
-      </p:grpSpPr>
-      <p:sp>
-        <p:nvSpPr>
-          <p:cNvPr id="3" name="Title 1"/>
-          <p:cNvSpPr>
-            <a:spLocks noGrp="1"/>
-          </p:cNvSpPr>
-          <p:nvPr/>
-        </p:nvSpPr>
-        <p:spPr>
-          <a:xfrm>
-            <a:off x="535552" y="1064144"/>
-            <a:ext cx="3979297" cy="1355206"/>
-          </a:xfrm>
-          <a:prstGeom prst="rect">
-            <a:avLst/>
-          </a:prstGeom>
-          <a:noFill/>
-        </p:spPr>
-        <p:txBody>
-          <a:bodyPr vert="horz" wrap="square" lIns="146304" tIns="91440" rIns="146304" bIns="91440" rtlCol="0" anchor="t" anchorCtr="0">
-            <a:normAutofit/>
-          </a:bodyPr>
-          <a:lstStyle>
-            <a:lvl1pPr algn="l" defTabSz="914367" rtl="0" eaLnBrk="1" latinLnBrk="0" hangingPunct="1">
-              <a:lnSpc>
-                <a:spcPct val="90000"/>
-              </a:lnSpc>
-              <a:spcBef>
-                <a:spcPct val="0"/>
-              </a:spcBef>
-              <a:buNone/>
-              <a:defRPr lang="en-US" sz="5294" b="0" kern="1200" cap="none" spc="-98" baseline="0">
-                <a:ln w="3175">
-                  <a:noFill/>
-                </a:ln>
-                <a:gradFill>
-                  <a:gsLst>
-                    <a:gs pos="100000">
-                      <a:schemeClr val="tx2"/>
-                    </a:gs>
-                    <a:gs pos="0">
-                      <a:schemeClr val="tx2"/>
-                    </a:gs>
-                  </a:gsLst>
-                  <a:lin ang="5400000" scaled="0"/>
-                </a:gradFill>
-                <a:effectLst/>
-                <a:latin typeface="+mj-lt"/>
-                <a:ea typeface="+mn-ea"/>
-                <a:cs typeface="Segoe UI" pitchFamily="34" charset="0"/>
-              </a:defRPr>
-            </a:lvl1pPr>
-          </a:lstStyle>
-          <a:p>
-            <a:r>
-              <a:rPr lang="it-IT" sz="8000" b="1" dirty="0">
-                <a:solidFill>
-                  <a:srgbClr val="541764"/>
-                </a:solidFill>
-                <a:latin typeface="Segoe UI Light" panose="020B0502040204020203" pitchFamily="34" charset="0"/>
-                <a:cs typeface="Segoe UI Light" panose="020B0502040204020203" pitchFamily="34" charset="0"/>
-              </a:rPr>
-              <a:t>Agenda</a:t>
-            </a:r>
-            <a:endParaRPr lang="en-US" sz="8000" b="1" dirty="0">
-              <a:solidFill>
-                <a:srgbClr val="541764"/>
-              </a:solidFill>
-              <a:latin typeface="Segoe UI Light" panose="020B0502040204020203" pitchFamily="34" charset="0"/>
-              <a:cs typeface="Segoe UI Light" panose="020B0502040204020203" pitchFamily="34" charset="0"/>
-            </a:endParaRPr>
-          </a:p>
-        </p:txBody>
-      </p:sp>
-      <p:sp>
-        <p:nvSpPr>
-          <p:cNvPr id="4" name="Subtitle 2"/>
-          <p:cNvSpPr>
-            <a:spLocks noGrp="1"/>
-          </p:cNvSpPr>
-          <p:nvPr/>
-        </p:nvSpPr>
-        <p:spPr>
-          <a:xfrm>
-            <a:off x="1003835" y="2584720"/>
-            <a:ext cx="10184329" cy="2755765"/>
-          </a:xfrm>
-          <a:prstGeom prst="rect">
-            <a:avLst/>
-          </a:prstGeom>
-          <a:noFill/>
-        </p:spPr>
-        <p:txBody>
-          <a:bodyPr vert="horz" wrap="square" lIns="146304" tIns="109728" rIns="146304" bIns="109728" rtlCol="0">
-            <a:noAutofit/>
-          </a:bodyPr>
-          <a:lstStyle>
-            <a:lvl1pPr marL="0" marR="0" indent="0" algn="l" defTabSz="914367" rtl="0" eaLnBrk="1" fontAlgn="auto" latinLnBrk="0" hangingPunct="1">
-              <a:lnSpc>
-                <a:spcPct val="90000"/>
-              </a:lnSpc>
-              <a:spcBef>
-                <a:spcPts val="0"/>
-              </a:spcBef>
-              <a:spcAft>
-                <a:spcPts val="0"/>
-              </a:spcAft>
-              <a:buClrTx/>
-              <a:buSzPct val="90000"/>
-              <a:buFont typeface="Arial" pitchFamily="34" charset="0"/>
-              <a:buNone/>
-              <a:tabLst/>
-              <a:defRPr sz="3137" kern="1200" spc="0" baseline="0">
-                <a:gradFill>
-                  <a:gsLst>
-                    <a:gs pos="91000">
-                      <a:schemeClr val="tx1"/>
-                    </a:gs>
-                    <a:gs pos="0">
-                      <a:schemeClr val="tx1"/>
-                    </a:gs>
-                  </a:gsLst>
-                  <a:lin ang="5400000" scaled="0"/>
-                </a:gradFill>
-                <a:latin typeface="+mj-lt"/>
-                <a:ea typeface="+mn-ea"/>
-                <a:cs typeface="+mn-cs"/>
-              </a:defRPr>
-            </a:lvl1pPr>
-            <a:lvl2pPr marL="572691" marR="0" indent="-236546" algn="l" defTabSz="914367" rtl="0" eaLnBrk="1" fontAlgn="auto" latinLnBrk="0" hangingPunct="1">
-              <a:lnSpc>
-                <a:spcPct val="90000"/>
-              </a:lnSpc>
-              <a:spcBef>
-                <a:spcPct val="20000"/>
-              </a:spcBef>
-              <a:spcAft>
-                <a:spcPts val="0"/>
-              </a:spcAft>
-              <a:buClrTx/>
-              <a:buSzPct val="90000"/>
-              <a:buFont typeface="Arial" pitchFamily="34" charset="0"/>
-              <a:buChar char="•"/>
-              <a:tabLst/>
-              <a:defRPr sz="2353" kern="1200" spc="0" baseline="0">
-                <a:gradFill>
-                  <a:gsLst>
-                    <a:gs pos="1250">
-                      <a:schemeClr val="tx1"/>
-                    </a:gs>
-                    <a:gs pos="100000">
-                      <a:schemeClr val="tx1"/>
-                    </a:gs>
-                  </a:gsLst>
-                  <a:lin ang="5400000" scaled="0"/>
-                </a:gradFill>
-                <a:latin typeface="+mn-lt"/>
-                <a:ea typeface="+mn-ea"/>
-                <a:cs typeface="+mn-cs"/>
-              </a:defRPr>
-            </a:lvl2pPr>
-            <a:lvl3pPr marL="784338" marR="0" indent="-224097" algn="l" defTabSz="914367" rtl="0" eaLnBrk="1" fontAlgn="auto" latinLnBrk="0" hangingPunct="1">
-              <a:lnSpc>
-                <a:spcPct val="90000"/>
-              </a:lnSpc>
-              <a:spcBef>
-                <a:spcPct val="20000"/>
-              </a:spcBef>
-              <a:spcAft>
-                <a:spcPts val="0"/>
-              </a:spcAft>
-              <a:buClrTx/>
-              <a:buSzPct val="90000"/>
-              <a:buFont typeface="Arial" pitchFamily="34" charset="0"/>
-              <a:buChar char="•"/>
-              <a:tabLst/>
-              <a:defRPr sz="1961" kern="1200" spc="0" baseline="0">
-                <a:gradFill>
-                  <a:gsLst>
-                    <a:gs pos="1250">
-                      <a:schemeClr val="tx1"/>
-                    </a:gs>
-                    <a:gs pos="100000">
-                      <a:schemeClr val="tx1"/>
-                    </a:gs>
-                  </a:gsLst>
-                  <a:lin ang="5400000" scaled="0"/>
-                </a:gradFill>
-                <a:latin typeface="+mn-lt"/>
-                <a:ea typeface="+mn-ea"/>
-                <a:cs typeface="+mn-cs"/>
-              </a:defRPr>
-            </a:lvl3pPr>
-            <a:lvl4pPr marL="1008435" marR="0" indent="-224097" algn="l" defTabSz="914367" rtl="0" eaLnBrk="1" fontAlgn="auto" latinLnBrk="0" hangingPunct="1">
-              <a:lnSpc>
-                <a:spcPct val="90000"/>
-              </a:lnSpc>
-              <a:spcBef>
-                <a:spcPct val="20000"/>
-              </a:spcBef>
-              <a:spcAft>
-                <a:spcPts val="0"/>
-              </a:spcAft>
-              <a:buClrTx/>
-              <a:buSzPct val="90000"/>
-              <a:buFont typeface="Arial" pitchFamily="34" charset="0"/>
-              <a:buChar char="•"/>
-              <a:tabLst/>
-              <a:defRPr sz="1765" kern="1200" spc="0" baseline="0">
-                <a:gradFill>
-                  <a:gsLst>
-                    <a:gs pos="1250">
-                      <a:schemeClr val="tx1"/>
-                    </a:gs>
-                    <a:gs pos="100000">
-                      <a:schemeClr val="tx1"/>
-                    </a:gs>
-                  </a:gsLst>
-                  <a:lin ang="5400000" scaled="0"/>
-                </a:gradFill>
-                <a:latin typeface="+mn-lt"/>
-                <a:ea typeface="+mn-ea"/>
-                <a:cs typeface="+mn-cs"/>
-              </a:defRPr>
-            </a:lvl4pPr>
-            <a:lvl5pPr marL="1232531" marR="0" indent="-224097" algn="l" defTabSz="914367" rtl="0" eaLnBrk="1" fontAlgn="auto" latinLnBrk="0" hangingPunct="1">
-              <a:lnSpc>
-                <a:spcPct val="90000"/>
-              </a:lnSpc>
-              <a:spcBef>
-                <a:spcPct val="20000"/>
-              </a:spcBef>
-              <a:spcAft>
-                <a:spcPts val="0"/>
-              </a:spcAft>
-              <a:buClrTx/>
-              <a:buSzPct val="90000"/>
-              <a:buFont typeface="Arial" pitchFamily="34" charset="0"/>
-              <a:buChar char="•"/>
-              <a:tabLst/>
-              <a:defRPr sz="1765" kern="1200" spc="0" baseline="0">
-                <a:gradFill>
-                  <a:gsLst>
-                    <a:gs pos="1250">
-                      <a:schemeClr val="tx1"/>
-                    </a:gs>
-                    <a:gs pos="100000">
-                      <a:schemeClr val="tx1"/>
-                    </a:gs>
-                  </a:gsLst>
-                  <a:lin ang="5400000" scaled="0"/>
-                </a:gradFill>
-                <a:latin typeface="+mn-lt"/>
-                <a:ea typeface="+mn-ea"/>
-                <a:cs typeface="+mn-cs"/>
-              </a:defRPr>
-            </a:lvl5pPr>
-            <a:lvl6pPr marL="2514509" indent="-228592" algn="l" defTabSz="914367" rtl="0" eaLnBrk="1" latinLnBrk="0" hangingPunct="1">
-              <a:spcBef>
-                <a:spcPct val="20000"/>
-              </a:spcBef>
-              <a:buFont typeface="Arial" pitchFamily="34" charset="0"/>
-              <a:buChar char="•"/>
-              <a:defRPr sz="1961" kern="1200">
-                <a:solidFill>
-                  <a:schemeClr val="tx1"/>
-                </a:solidFill>
-                <a:latin typeface="+mn-lt"/>
-                <a:ea typeface="+mn-ea"/>
-                <a:cs typeface="+mn-cs"/>
-              </a:defRPr>
-            </a:lvl6pPr>
-            <a:lvl7pPr marL="2971693" indent="-228592" algn="l" defTabSz="914367" rtl="0" eaLnBrk="1" latinLnBrk="0" hangingPunct="1">
-              <a:spcBef>
-                <a:spcPct val="20000"/>
-              </a:spcBef>
-              <a:buFont typeface="Arial" pitchFamily="34" charset="0"/>
-              <a:buChar char="•"/>
-              <a:defRPr sz="1961" kern="1200">
-                <a:solidFill>
-                  <a:schemeClr val="tx1"/>
-                </a:solidFill>
-                <a:latin typeface="+mn-lt"/>
-                <a:ea typeface="+mn-ea"/>
-                <a:cs typeface="+mn-cs"/>
-              </a:defRPr>
-            </a:lvl7pPr>
-            <a:lvl8pPr marL="3428877" indent="-228592" algn="l" defTabSz="914367" rtl="0" eaLnBrk="1" latinLnBrk="0" hangingPunct="1">
-              <a:spcBef>
-                <a:spcPct val="20000"/>
-              </a:spcBef>
-              <a:buFont typeface="Arial" pitchFamily="34" charset="0"/>
-              <a:buChar char="•"/>
-              <a:defRPr sz="1961" kern="1200">
-                <a:solidFill>
-                  <a:schemeClr val="tx1"/>
-                </a:solidFill>
-                <a:latin typeface="+mn-lt"/>
-                <a:ea typeface="+mn-ea"/>
-                <a:cs typeface="+mn-cs"/>
-              </a:defRPr>
-            </a:lvl8pPr>
-            <a:lvl9pPr marL="3886061" indent="-228592" algn="l" defTabSz="914367" rtl="0" eaLnBrk="1" latinLnBrk="0" hangingPunct="1">
-              <a:spcBef>
-                <a:spcPct val="20000"/>
-              </a:spcBef>
-              <a:buFont typeface="Arial" pitchFamily="34" charset="0"/>
-              <a:buChar char="•"/>
-              <a:defRPr sz="1961" kern="1200">
-                <a:solidFill>
-                  <a:schemeClr val="tx1"/>
-                </a:solidFill>
-                <a:latin typeface="+mn-lt"/>
-                <a:ea typeface="+mn-ea"/>
-                <a:cs typeface="+mn-cs"/>
-              </a:defRPr>
-            </a:lvl9pPr>
-          </a:lstStyle>
-          <a:p>
-            <a:pPr marL="457200" indent="-457200">
-              <a:buFontTx/>
-              <a:buChar char="-"/>
-            </a:pPr>
-            <a:r>
-              <a:rPr lang="en-GB" sz="3200" dirty="0">
-                <a:solidFill>
-                  <a:srgbClr val="541764"/>
-                </a:solidFill>
-                <a:latin typeface="Segoe UI Light" panose="020B0502040204020203" pitchFamily="34" charset="0"/>
-                <a:cs typeface="Segoe UI Light" panose="020B0502040204020203" pitchFamily="34" charset="0"/>
-              </a:rPr>
-              <a:t>Principles of Microservices</a:t>
-            </a:r>
-          </a:p>
-          <a:p>
-            <a:pPr marL="457200" indent="-457200">
-              <a:buFontTx/>
-              <a:buChar char="-"/>
-            </a:pPr>
-            <a:r>
-              <a:rPr lang="en-GB" altLang="zh-CN" sz="3200" dirty="0">
-                <a:solidFill>
-                  <a:srgbClr val="541764"/>
-                </a:solidFill>
-                <a:latin typeface="Segoe UI Light" panose="020B0502040204020203" pitchFamily="34" charset="0"/>
-                <a:cs typeface="Segoe UI Light" panose="020B0502040204020203" pitchFamily="34" charset="0"/>
-              </a:rPr>
-              <a:t>.NET Core</a:t>
-            </a:r>
-            <a:endParaRPr lang="en-GB" sz="3200" dirty="0">
-              <a:solidFill>
-                <a:srgbClr val="541764"/>
-              </a:solidFill>
-              <a:latin typeface="Segoe UI Light" panose="020B0502040204020203" pitchFamily="34" charset="0"/>
-              <a:cs typeface="Segoe UI Light" panose="020B0502040204020203" pitchFamily="34" charset="0"/>
-            </a:endParaRPr>
-          </a:p>
-          <a:p>
-            <a:pPr marL="457200" indent="-457200">
-              <a:buFontTx/>
-              <a:buChar char="-"/>
-            </a:pPr>
-            <a:r>
-              <a:rPr lang="en-GB" sz="3200" dirty="0">
-                <a:solidFill>
-                  <a:srgbClr val="541764"/>
-                </a:solidFill>
-                <a:latin typeface="Segoe UI Light" panose="020B0502040204020203" pitchFamily="34" charset="0"/>
-                <a:cs typeface="Segoe UI Light" panose="020B0502040204020203" pitchFamily="34" charset="0"/>
-              </a:rPr>
-              <a:t>What’s Docker and why should I care</a:t>
-            </a:r>
-            <a:endParaRPr lang="it-IT" sz="3200" dirty="0">
-              <a:solidFill>
-                <a:srgbClr val="541764"/>
-              </a:solidFill>
-              <a:latin typeface="Segoe UI Light" panose="020B0502040204020203" pitchFamily="34" charset="0"/>
-              <a:cs typeface="Segoe UI Light" panose="020B0502040204020203" pitchFamily="34" charset="0"/>
-            </a:endParaRPr>
-          </a:p>
-          <a:p>
-            <a:pPr marL="457200" indent="-457200">
-              <a:buFontTx/>
-              <a:buChar char="-"/>
-            </a:pPr>
-            <a:r>
-              <a:rPr lang="it-IT" sz="3200" dirty="0">
-                <a:solidFill>
-                  <a:srgbClr val="541764"/>
-                </a:solidFill>
-                <a:latin typeface="Segoe UI Light" panose="020B0502040204020203" pitchFamily="34" charset="0"/>
-                <a:cs typeface="Segoe UI Light" panose="020B0502040204020203" pitchFamily="34" charset="0"/>
-              </a:rPr>
-              <a:t>ASP.NET Core </a:t>
-            </a:r>
-            <a:r>
-              <a:rPr lang="en-GB" sz="3200" dirty="0">
-                <a:solidFill>
-                  <a:srgbClr val="541764"/>
-                </a:solidFill>
-                <a:latin typeface="Segoe UI Light" panose="020B0502040204020203" pitchFamily="34" charset="0"/>
-                <a:cs typeface="Segoe UI Light" panose="020B0502040204020203" pitchFamily="34" charset="0"/>
-              </a:rPr>
-              <a:t>&amp; Docker</a:t>
-            </a:r>
-          </a:p>
-          <a:p>
-            <a:pPr marL="457200" indent="-457200">
-              <a:buFontTx/>
-              <a:buChar char="-"/>
-            </a:pPr>
-            <a:r>
-              <a:rPr lang="en-GB" sz="3200" dirty="0">
-                <a:solidFill>
-                  <a:srgbClr val="541764"/>
-                </a:solidFill>
-                <a:latin typeface="Segoe UI Light" panose="020B0502040204020203" pitchFamily="34" charset="0"/>
-                <a:cs typeface="Segoe UI Light" panose="020B0502040204020203" pitchFamily="34" charset="0"/>
-              </a:rPr>
-              <a:t>Let’s port a non-trivial project to Docker and AKS</a:t>
-            </a:r>
-          </a:p>
-        </p:txBody>
-      </p:sp>
-    </p:spTree>
-    <p:extLst>
-      <p:ext uri="{BB962C8B-B14F-4D97-AF65-F5344CB8AC3E}">
-        <p14:creationId xmlns:p14="http://schemas.microsoft.com/office/powerpoint/2010/main" val="2580006334"/>
-      </p:ext>
-    </p:extLst>
-  </p:cSld>
-  <p:clrMapOvr>
-    <a:masterClrMapping/>
-  </p:clrMapOvr>
-  <mc:AlternateContent xmlns:mc="http://schemas.openxmlformats.org/markup-compatibility/2006" xmlns:p14="http://schemas.microsoft.com/office/powerpoint/2010/main">
-    <mc:Choice Requires="p14">
-      <p:transition p14:dur="0"/>
-    </mc:Choice>
-    <mc:Fallback xmlns="">
-      <p:transition/>
-    </mc:Fallback>
-  </mc:AlternateContent>
-</p:sld>
-</file>
-
-<file path=ppt/slides/slide20.xml><?xml version="1.0" encoding="utf-8"?>
+<file path=ppt/slides/slide21.xml><?xml version="1.0" encoding="utf-8"?>
 <p:sld xmlns:a="http://schemas.openxmlformats.org/drawingml/2006/main" xmlns:r="http://schemas.openxmlformats.org/officeDocument/2006/relationships" xmlns:p="http://schemas.openxmlformats.org/presentationml/2006/main">
   <p:cSld>
     <p:spTree>
@@ -23475,7 +23671,7 @@
 </p:sld>
 </file>
 
-<file path=ppt/slides/slide21.xml><?xml version="1.0" encoding="utf-8"?>
+<file path=ppt/slides/slide22.xml><?xml version="1.0" encoding="utf-8"?>
 <p:sld xmlns:a="http://schemas.openxmlformats.org/drawingml/2006/main" xmlns:r="http://schemas.openxmlformats.org/officeDocument/2006/relationships" xmlns:p="http://schemas.openxmlformats.org/presentationml/2006/main">
   <p:cSld>
     <p:spTree>
@@ -24302,7 +24498,7 @@
 </p:sld>
 </file>
 
-<file path=ppt/slides/slide22.xml><?xml version="1.0" encoding="utf-8"?>
+<file path=ppt/slides/slide23.xml><?xml version="1.0" encoding="utf-8"?>
 <p:sld xmlns:a="http://schemas.openxmlformats.org/drawingml/2006/main" xmlns:r="http://schemas.openxmlformats.org/officeDocument/2006/relationships" xmlns:p="http://schemas.openxmlformats.org/presentationml/2006/main">
   <p:cSld>
     <p:spTree>
@@ -24507,7 +24703,7 @@
 </p:sld>
 </file>
 
-<file path=ppt/slides/slide23.xml><?xml version="1.0" encoding="utf-8"?>
+<file path=ppt/slides/slide24.xml><?xml version="1.0" encoding="utf-8"?>
 <p:sld xmlns:a="http://schemas.openxmlformats.org/drawingml/2006/main" xmlns:r="http://schemas.openxmlformats.org/officeDocument/2006/relationships" xmlns:p="http://schemas.openxmlformats.org/presentationml/2006/main">
   <p:cSld>
     <p:spTree>

--- a/dotnetcoredockerk8s.pptx
+++ b/dotnetcoredockerk8s.pptx
@@ -5,7 +5,7 @@
     <p:sldMasterId id="2147483660" r:id="rId1"/>
   </p:sldMasterIdLst>
   <p:notesMasterIdLst>
-    <p:notesMasterId r:id="rId26"/>
+    <p:notesMasterId r:id="rId25"/>
   </p:notesMasterIdLst>
   <p:sldIdLst>
     <p:sldId id="257" r:id="rId2"/>
@@ -19,19 +19,18 @@
     <p:sldId id="261" r:id="rId10"/>
     <p:sldId id="274" r:id="rId11"/>
     <p:sldId id="275" r:id="rId12"/>
-    <p:sldId id="321" r:id="rId13"/>
-    <p:sldId id="273" r:id="rId14"/>
-    <p:sldId id="276" r:id="rId15"/>
-    <p:sldId id="282" r:id="rId16"/>
-    <p:sldId id="284" r:id="rId17"/>
-    <p:sldId id="278" r:id="rId18"/>
-    <p:sldId id="308" r:id="rId19"/>
-    <p:sldId id="285" r:id="rId20"/>
-    <p:sldId id="283" r:id="rId21"/>
-    <p:sldId id="279" r:id="rId22"/>
-    <p:sldId id="281" r:id="rId23"/>
-    <p:sldId id="280" r:id="rId24"/>
-    <p:sldId id="271" r:id="rId25"/>
+    <p:sldId id="273" r:id="rId13"/>
+    <p:sldId id="276" r:id="rId14"/>
+    <p:sldId id="282" r:id="rId15"/>
+    <p:sldId id="284" r:id="rId16"/>
+    <p:sldId id="278" r:id="rId17"/>
+    <p:sldId id="308" r:id="rId18"/>
+    <p:sldId id="285" r:id="rId19"/>
+    <p:sldId id="283" r:id="rId20"/>
+    <p:sldId id="279" r:id="rId21"/>
+    <p:sldId id="281" r:id="rId22"/>
+    <p:sldId id="280" r:id="rId23"/>
+    <p:sldId id="271" r:id="rId24"/>
   </p:sldIdLst>
   <p:sldSz cx="12192000" cy="6858000"/>
   <p:notesSz cx="6858000" cy="9144000"/>
@@ -263,7 +262,7 @@
           <a:p>
             <a:fld id="{25A0F723-D203-40DC-991B-A58E274D6627}" type="datetimeFigureOut">
               <a:rPr lang="it-IT" smtClean="0"/>
-              <a:t>03/03/2019</a:t>
+              <a:t>05/03/2019</a:t>
             </a:fld>
             <a:endParaRPr lang="it-IT"/>
           </a:p>
@@ -634,94 +633,6 @@
       </p:grpSpPr>
       <p:sp>
         <p:nvSpPr>
-          <p:cNvPr id="2" name="幻灯片图像占位符 1"/>
-          <p:cNvSpPr>
-            <a:spLocks noGrp="1" noRot="1" noChangeAspect="1"/>
-          </p:cNvSpPr>
-          <p:nvPr>
-            <p:ph type="sldImg"/>
-          </p:nvPr>
-        </p:nvSpPr>
-        <p:spPr/>
-      </p:sp>
-      <p:sp>
-        <p:nvSpPr>
-          <p:cNvPr id="3" name="备注占位符 2"/>
-          <p:cNvSpPr>
-            <a:spLocks noGrp="1"/>
-          </p:cNvSpPr>
-          <p:nvPr>
-            <p:ph type="body" idx="1"/>
-          </p:nvPr>
-        </p:nvSpPr>
-        <p:spPr/>
-        <p:txBody>
-          <a:bodyPr/>
-          <a:lstStyle/>
-          <a:p>
-            <a:r>
-              <a:rPr lang="en-US" altLang="zh-CN" dirty="0"/>
-              <a:t>https://docs.microsoft.com/zh-cn/dotnet/standard/containerized-lifecycle-architecture/design-develop-containerized-apps/visual-studio-tools-for-docker</a:t>
-            </a:r>
-            <a:endParaRPr lang="zh-CN" altLang="en-US" dirty="0"/>
-          </a:p>
-        </p:txBody>
-      </p:sp>
-      <p:sp>
-        <p:nvSpPr>
-          <p:cNvPr id="4" name="灯片编号占位符 3"/>
-          <p:cNvSpPr>
-            <a:spLocks noGrp="1"/>
-          </p:cNvSpPr>
-          <p:nvPr>
-            <p:ph type="sldNum" sz="quarter" idx="5"/>
-          </p:nvPr>
-        </p:nvSpPr>
-        <p:spPr/>
-        <p:txBody>
-          <a:bodyPr/>
-          <a:lstStyle/>
-          <a:p>
-            <a:fld id="{7A3A8D60-CBF8-4442-AF5D-1F60FE5FB7A8}" type="slidenum">
-              <a:rPr lang="it-IT" smtClean="0"/>
-              <a:t>14</a:t>
-            </a:fld>
-            <a:endParaRPr lang="it-IT"/>
-          </a:p>
-        </p:txBody>
-      </p:sp>
-    </p:spTree>
-    <p:extLst>
-      <p:ext uri="{BB962C8B-B14F-4D97-AF65-F5344CB8AC3E}">
-        <p14:creationId xmlns:p14="http://schemas.microsoft.com/office/powerpoint/2010/main" val="2207910391"/>
-      </p:ext>
-    </p:extLst>
-  </p:cSld>
-  <p:clrMapOvr>
-    <a:masterClrMapping/>
-  </p:clrMapOvr>
-</p:notes>
-</file>
-
-<file path=ppt/notesSlides/notesSlide11.xml><?xml version="1.0" encoding="utf-8"?>
-<p:notes xmlns:a="http://schemas.openxmlformats.org/drawingml/2006/main" xmlns:r="http://schemas.openxmlformats.org/officeDocument/2006/relationships" xmlns:p="http://schemas.openxmlformats.org/presentationml/2006/main">
-  <p:cSld>
-    <p:spTree>
-      <p:nvGrpSpPr>
-        <p:cNvPr id="1" name=""/>
-        <p:cNvGrpSpPr/>
-        <p:nvPr/>
-      </p:nvGrpSpPr>
-      <p:grpSpPr>
-        <a:xfrm>
-          <a:off x="0" y="0"/>
-          <a:ext cx="0" cy="0"/>
-          <a:chOff x="0" y="0"/>
-          <a:chExt cx="0" cy="0"/>
-        </a:xfrm>
-      </p:grpSpPr>
-      <p:sp>
-        <p:nvSpPr>
           <p:cNvPr id="2" name="Slide Image Placeholder 1"/>
           <p:cNvSpPr>
             <a:spLocks noGrp="1" noRot="1" noChangeAspect="1"/>
@@ -895,7 +806,7 @@
           <a:p>
             <a:fld id="{4BDF79CD-0966-4EE4-BEF0-FA2E43C70310}" type="slidenum">
               <a:rPr lang="en-GB" smtClean="0"/>
-              <a:t>18</a:t>
+              <a:t>17</a:t>
             </a:fld>
             <a:endParaRPr lang="en-GB"/>
           </a:p>
@@ -914,7 +825,7 @@
 </p:notes>
 </file>
 
-<file path=ppt/notesSlides/notesSlide12.xml><?xml version="1.0" encoding="utf-8"?>
+<file path=ppt/notesSlides/notesSlide11.xml><?xml version="1.0" encoding="utf-8"?>
 <p:notes xmlns:a="http://schemas.openxmlformats.org/drawingml/2006/main" xmlns:r="http://schemas.openxmlformats.org/officeDocument/2006/relationships" xmlns:p="http://schemas.openxmlformats.org/presentationml/2006/main">
   <p:cSld>
     <p:spTree>
@@ -979,7 +890,7 @@
           <a:p>
             <a:fld id="{7A3A8D60-CBF8-4442-AF5D-1F60FE5FB7A8}" type="slidenum">
               <a:rPr lang="it-IT" smtClean="0"/>
-              <a:t>20</a:t>
+              <a:t>19</a:t>
             </a:fld>
             <a:endParaRPr lang="it-IT"/>
           </a:p>
@@ -1986,10 +1897,16 @@
           <a:lstStyle/>
           <a:p>
             <a:r>
+              <a:rPr lang="en-US" altLang="zh-CN" dirty="0"/>
+              <a:t>https://github.com/cradle77/DockerGettingStarted</a:t>
+            </a:r>
+          </a:p>
+          <a:p>
+            <a:r>
               <a:rPr lang="en-US" altLang="zh-CN"/>
-              <a:t>https://github.com/whmzsu/helm-doc-zh-cn </a:t>
-            </a:r>
-            <a:endParaRPr lang="zh-CN" altLang="en-US"/>
+              <a:t>https://github.com/NileshGule/AKS-learning-series</a:t>
+            </a:r>
+            <a:endParaRPr lang="zh-CN" altLang="en-US" dirty="0"/>
           </a:p>
         </p:txBody>
       </p:sp>
@@ -2019,7 +1936,7 @@
     </p:spTree>
     <p:extLst>
       <p:ext uri="{BB962C8B-B14F-4D97-AF65-F5344CB8AC3E}">
-        <p14:creationId xmlns:p14="http://schemas.microsoft.com/office/powerpoint/2010/main" val="3942822167"/>
+        <p14:creationId xmlns:p14="http://schemas.microsoft.com/office/powerpoint/2010/main" val="235706001"/>
       </p:ext>
     </p:extLst>
   </p:cSld>
@@ -2075,7 +1992,7 @@
           <a:p>
             <a:r>
               <a:rPr lang="en-US" altLang="zh-CN" dirty="0"/>
-              <a:t>https://github.com/cradle77/DockerGettingStarted</a:t>
+              <a:t>https://docs.microsoft.com/zh-cn/dotnet/standard/containerized-lifecycle-architecture/design-develop-containerized-apps/visual-studio-tools-for-docker</a:t>
             </a:r>
             <a:endParaRPr lang="zh-CN" altLang="en-US" dirty="0"/>
           </a:p>
@@ -2107,7 +2024,7 @@
     </p:spTree>
     <p:extLst>
       <p:ext uri="{BB962C8B-B14F-4D97-AF65-F5344CB8AC3E}">
-        <p14:creationId xmlns:p14="http://schemas.microsoft.com/office/powerpoint/2010/main" val="235706001"/>
+        <p14:creationId xmlns:p14="http://schemas.microsoft.com/office/powerpoint/2010/main" val="2207910391"/>
       </p:ext>
     </p:extLst>
   </p:cSld>
@@ -2230,7 +2147,7 @@
           <a:p>
             <a:fld id="{A57064AC-3FCB-4614-8842-A1085921C17E}" type="datetimeFigureOut">
               <a:rPr lang="it-IT" smtClean="0"/>
-              <a:t>03/03/2019</a:t>
+              <a:t>05/03/2019</a:t>
             </a:fld>
             <a:endParaRPr lang="it-IT"/>
           </a:p>
@@ -2597,7 +2514,7 @@
           <a:p>
             <a:fld id="{A57064AC-3FCB-4614-8842-A1085921C17E}" type="datetimeFigureOut">
               <a:rPr lang="it-IT" smtClean="0"/>
-              <a:t>03/03/2019</a:t>
+              <a:t>05/03/2019</a:t>
             </a:fld>
             <a:endParaRPr lang="it-IT"/>
           </a:p>
@@ -2779,7 +2696,7 @@
           <a:p>
             <a:fld id="{A57064AC-3FCB-4614-8842-A1085921C17E}" type="datetimeFigureOut">
               <a:rPr lang="it-IT" smtClean="0"/>
-              <a:t>03/03/2019</a:t>
+              <a:t>05/03/2019</a:t>
             </a:fld>
             <a:endParaRPr lang="it-IT"/>
           </a:p>
@@ -2971,7 +2888,7 @@
           <a:p>
             <a:fld id="{A57064AC-3FCB-4614-8842-A1085921C17E}" type="datetimeFigureOut">
               <a:rPr lang="it-IT" smtClean="0"/>
-              <a:t>03/03/2019</a:t>
+              <a:t>05/03/2019</a:t>
             </a:fld>
             <a:endParaRPr lang="it-IT"/>
           </a:p>
@@ -3358,7 +3275,7 @@
           <a:p>
             <a:fld id="{A57064AC-3FCB-4614-8842-A1085921C17E}" type="datetimeFigureOut">
               <a:rPr lang="it-IT" smtClean="0"/>
-              <a:t>03/03/2019</a:t>
+              <a:t>05/03/2019</a:t>
             </a:fld>
             <a:endParaRPr lang="it-IT"/>
           </a:p>
@@ -3638,7 +3555,7 @@
           <a:p>
             <a:fld id="{A57064AC-3FCB-4614-8842-A1085921C17E}" type="datetimeFigureOut">
               <a:rPr lang="it-IT" smtClean="0"/>
-              <a:t>03/03/2019</a:t>
+              <a:t>05/03/2019</a:t>
             </a:fld>
             <a:endParaRPr lang="it-IT"/>
           </a:p>
@@ -3999,7 +3916,7 @@
           <a:p>
             <a:fld id="{A57064AC-3FCB-4614-8842-A1085921C17E}" type="datetimeFigureOut">
               <a:rPr lang="it-IT" smtClean="0"/>
-              <a:t>03/03/2019</a:t>
+              <a:t>05/03/2019</a:t>
             </a:fld>
             <a:endParaRPr lang="it-IT"/>
           </a:p>
@@ -4448,7 +4365,7 @@
           <a:p>
             <a:fld id="{A57064AC-3FCB-4614-8842-A1085921C17E}" type="datetimeFigureOut">
               <a:rPr lang="it-IT" smtClean="0"/>
-              <a:t>03/03/2019</a:t>
+              <a:t>05/03/2019</a:t>
             </a:fld>
             <a:endParaRPr lang="it-IT"/>
           </a:p>
@@ -4578,7 +4495,7 @@
           <a:p>
             <a:fld id="{A57064AC-3FCB-4614-8842-A1085921C17E}" type="datetimeFigureOut">
               <a:rPr lang="it-IT" smtClean="0"/>
-              <a:t>03/03/2019</a:t>
+              <a:t>05/03/2019</a:t>
             </a:fld>
             <a:endParaRPr lang="it-IT"/>
           </a:p>
@@ -4693,7 +4610,7 @@
           <a:p>
             <a:fld id="{A57064AC-3FCB-4614-8842-A1085921C17E}" type="datetimeFigureOut">
               <a:rPr lang="it-IT" smtClean="0"/>
-              <a:t>03/03/2019</a:t>
+              <a:t>05/03/2019</a:t>
             </a:fld>
             <a:endParaRPr lang="it-IT"/>
           </a:p>
@@ -5007,7 +4924,7 @@
           <a:p>
             <a:fld id="{A57064AC-3FCB-4614-8842-A1085921C17E}" type="datetimeFigureOut">
               <a:rPr lang="it-IT" smtClean="0"/>
-              <a:t>03/03/2019</a:t>
+              <a:t>05/03/2019</a:t>
             </a:fld>
             <a:endParaRPr lang="it-IT"/>
           </a:p>
@@ -5395,7 +5312,7 @@
           <a:p>
             <a:fld id="{A57064AC-3FCB-4614-8842-A1085921C17E}" type="datetimeFigureOut">
               <a:rPr lang="it-IT" smtClean="0"/>
-              <a:t>03/03/2019</a:t>
+              <a:t>05/03/2019</a:t>
             </a:fld>
             <a:endParaRPr lang="it-IT"/>
           </a:p>
@@ -5742,7 +5659,7 @@
           <a:p>
             <a:fld id="{A57064AC-3FCB-4614-8842-A1085921C17E}" type="datetimeFigureOut">
               <a:rPr lang="it-IT" smtClean="0"/>
-              <a:t>03/03/2019</a:t>
+              <a:t>05/03/2019</a:t>
             </a:fld>
             <a:endParaRPr lang="it-IT"/>
           </a:p>
@@ -7878,113 +7795,6 @@
       </p:grpSpPr>
       <p:sp>
         <p:nvSpPr>
-          <p:cNvPr id="2" name="标题 1">
-            <a:extLst>
-              <a:ext uri="{FF2B5EF4-FFF2-40B4-BE49-F238E27FC236}">
-                <a16:creationId xmlns:a16="http://schemas.microsoft.com/office/drawing/2014/main" id="{2C4883FF-A8AC-41C9-87B0-DF204280C4D6}"/>
-              </a:ext>
-            </a:extLst>
-          </p:cNvPr>
-          <p:cNvSpPr>
-            <a:spLocks noGrp="1"/>
-          </p:cNvSpPr>
-          <p:nvPr>
-            <p:ph type="title"/>
-          </p:nvPr>
-        </p:nvSpPr>
-        <p:spPr>
-          <a:xfrm>
-            <a:off x="1524000" y="1143000"/>
-            <a:ext cx="9144000" cy="5325894"/>
-          </a:xfrm>
-        </p:spPr>
-        <p:txBody>
-          <a:bodyPr/>
-          <a:lstStyle/>
-          <a:p>
-            <a:endParaRPr lang="zh-CN" altLang="en-US" dirty="0"/>
-          </a:p>
-        </p:txBody>
-      </p:sp>
-      <p:sp>
-        <p:nvSpPr>
-          <p:cNvPr id="3" name="文本占位符 2">
-            <a:extLst>
-              <a:ext uri="{FF2B5EF4-FFF2-40B4-BE49-F238E27FC236}">
-                <a16:creationId xmlns:a16="http://schemas.microsoft.com/office/drawing/2014/main" id="{F472A562-D34D-4F16-A8EB-CC50E10C075A}"/>
-              </a:ext>
-            </a:extLst>
-          </p:cNvPr>
-          <p:cNvSpPr>
-            <a:spLocks noGrp="1"/>
-          </p:cNvSpPr>
-          <p:nvPr>
-            <p:ph type="body" idx="1"/>
-          </p:nvPr>
-        </p:nvSpPr>
-        <p:spPr>
-          <a:xfrm>
-            <a:off x="1524000" y="468550"/>
-            <a:ext cx="9144000" cy="1143000"/>
-          </a:xfrm>
-        </p:spPr>
-        <p:txBody>
-          <a:bodyPr/>
-          <a:lstStyle/>
-          <a:p>
-            <a:pPr algn="l"/>
-            <a:r>
-              <a:rPr lang="en-US" altLang="zh-CN" b="1" dirty="0"/>
-              <a:t>Visual Studio Tools for Kubernetes</a:t>
-            </a:r>
-            <a:endParaRPr lang="zh-CN" altLang="en-US" dirty="0"/>
-          </a:p>
-        </p:txBody>
-      </p:sp>
-    </p:spTree>
-    <p:extLst>
-      <p:ext uri="{BB962C8B-B14F-4D97-AF65-F5344CB8AC3E}">
-        <p14:creationId xmlns:p14="http://schemas.microsoft.com/office/powerpoint/2010/main" val="576649704"/>
-      </p:ext>
-    </p:extLst>
-  </p:cSld>
-  <p:clrMapOvr>
-    <a:masterClrMapping/>
-  </p:clrMapOvr>
-  <mc:AlternateContent xmlns:mc="http://schemas.openxmlformats.org/markup-compatibility/2006" xmlns:p14="http://schemas.microsoft.com/office/powerpoint/2010/main">
-    <mc:Choice Requires="p14">
-      <p:transition spd="med" p14:dur="700">
-        <p:fade/>
-      </p:transition>
-    </mc:Choice>
-    <mc:Fallback xmlns="">
-      <p:transition spd="med">
-        <p:fade/>
-      </p:transition>
-    </mc:Fallback>
-  </mc:AlternateContent>
-</p:sld>
-</file>
-
-<file path=ppt/slides/slide13.xml><?xml version="1.0" encoding="utf-8"?>
-<p:sld xmlns:a="http://schemas.openxmlformats.org/drawingml/2006/main" xmlns:r="http://schemas.openxmlformats.org/officeDocument/2006/relationships" xmlns:p="http://schemas.openxmlformats.org/presentationml/2006/main">
-  <p:cSld>
-    <p:spTree>
-      <p:nvGrpSpPr>
-        <p:cNvPr id="1" name=""/>
-        <p:cNvGrpSpPr/>
-        <p:nvPr/>
-      </p:nvGrpSpPr>
-      <p:grpSpPr>
-        <a:xfrm>
-          <a:off x="0" y="0"/>
-          <a:ext cx="0" cy="0"/>
-          <a:chOff x="0" y="0"/>
-          <a:chExt cx="0" cy="0"/>
-        </a:xfrm>
-      </p:grpSpPr>
-      <p:sp>
-        <p:nvSpPr>
           <p:cNvPr id="3" name="Title 1"/>
           <p:cNvSpPr>
             <a:spLocks noGrp="1"/>
@@ -8312,6 +8122,41 @@
           </a:p>
         </p:txBody>
       </p:sp>
+      <p:sp>
+        <p:nvSpPr>
+          <p:cNvPr id="2" name="矩形 1">
+            <a:extLst>
+              <a:ext uri="{FF2B5EF4-FFF2-40B4-BE49-F238E27FC236}">
+                <a16:creationId xmlns:a16="http://schemas.microsoft.com/office/drawing/2014/main" id="{E1F66095-95DA-45B9-9C77-F49C35C4656B}"/>
+              </a:ext>
+            </a:extLst>
+          </p:cNvPr>
+          <p:cNvSpPr/>
+          <p:nvPr/>
+        </p:nvSpPr>
+        <p:spPr>
+          <a:xfrm>
+            <a:off x="3375497" y="2830749"/>
+            <a:ext cx="5700409" cy="369332"/>
+          </a:xfrm>
+          <a:prstGeom prst="rect">
+            <a:avLst/>
+          </a:prstGeom>
+        </p:spPr>
+        <p:txBody>
+          <a:bodyPr wrap="square">
+            <a:spAutoFit/>
+          </a:bodyPr>
+          <a:lstStyle/>
+          <a:p>
+            <a:r>
+              <a:rPr lang="en-US" altLang="zh-CN" dirty="0"/>
+              <a:t>https://github.com/NileshGule/AKS-learning-series</a:t>
+            </a:r>
+            <a:endParaRPr lang="zh-CN" altLang="en-US" dirty="0"/>
+          </a:p>
+        </p:txBody>
+      </p:sp>
     </p:spTree>
     <p:extLst>
       <p:ext uri="{BB962C8B-B14F-4D97-AF65-F5344CB8AC3E}">
@@ -8333,7 +8178,7 @@
 </p:sld>
 </file>
 
-<file path=ppt/slides/slide14.xml><?xml version="1.0" encoding="utf-8"?>
+<file path=ppt/slides/slide13.xml><?xml version="1.0" encoding="utf-8"?>
 <p:sld xmlns:a="http://schemas.openxmlformats.org/drawingml/2006/main" xmlns:r="http://schemas.openxmlformats.org/officeDocument/2006/relationships" xmlns:p="http://schemas.openxmlformats.org/presentationml/2006/main">
   <p:cSld>
     <p:spTree>
@@ -9164,6 +9009,36 @@
           </a:extLst>
         </p:spPr>
       </p:pic>
+      <p:pic>
+        <p:nvPicPr>
+          <p:cNvPr id="5" name="图片 4">
+            <a:extLst>
+              <a:ext uri="{FF2B5EF4-FFF2-40B4-BE49-F238E27FC236}">
+                <a16:creationId xmlns:a16="http://schemas.microsoft.com/office/drawing/2014/main" id="{CC655593-4F6C-4251-ABA9-E351AD764A6B}"/>
+              </a:ext>
+            </a:extLst>
+          </p:cNvPr>
+          <p:cNvPicPr>
+            <a:picLocks noChangeAspect="1"/>
+          </p:cNvPicPr>
+          <p:nvPr/>
+        </p:nvPicPr>
+        <p:blipFill>
+          <a:blip r:embed="rId8"/>
+          <a:stretch>
+            <a:fillRect/>
+          </a:stretch>
+        </p:blipFill>
+        <p:spPr>
+          <a:xfrm>
+            <a:off x="0" y="1170662"/>
+            <a:ext cx="12192000" cy="6011547"/>
+          </a:xfrm>
+          <a:prstGeom prst="rect">
+            <a:avLst/>
+          </a:prstGeom>
+        </p:spPr>
+      </p:pic>
     </p:spTree>
     <p:extLst>
       <p:ext uri="{BB962C8B-B14F-4D97-AF65-F5344CB8AC3E}">
@@ -9185,7 +9060,7 @@
 </p:sld>
 </file>
 
-<file path=ppt/slides/slide15.xml><?xml version="1.0" encoding="utf-8"?>
+<file path=ppt/slides/slide14.xml><?xml version="1.0" encoding="utf-8"?>
 <p:sld xmlns:a="http://schemas.openxmlformats.org/drawingml/2006/main" xmlns:r="http://schemas.openxmlformats.org/officeDocument/2006/relationships" xmlns:p="http://schemas.openxmlformats.org/presentationml/2006/main">
   <p:cSld>
     <p:spTree>
@@ -14877,7 +14752,7 @@
 </p:sld>
 </file>
 
-<file path=ppt/slides/slide16.xml><?xml version="1.0" encoding="utf-8"?>
+<file path=ppt/slides/slide15.xml><?xml version="1.0" encoding="utf-8"?>
 <p:sld xmlns:a="http://schemas.openxmlformats.org/drawingml/2006/main" xmlns:r="http://schemas.openxmlformats.org/officeDocument/2006/relationships" xmlns:p="http://schemas.openxmlformats.org/presentationml/2006/main">
   <p:cSld>
     <p:spTree>
@@ -17237,7 +17112,7 @@
 </p:sld>
 </file>
 
-<file path=ppt/slides/slide17.xml><?xml version="1.0" encoding="utf-8"?>
+<file path=ppt/slides/slide16.xml><?xml version="1.0" encoding="utf-8"?>
 <p:sld xmlns:a="http://schemas.openxmlformats.org/drawingml/2006/main" xmlns:r="http://schemas.openxmlformats.org/officeDocument/2006/relationships" xmlns:p="http://schemas.openxmlformats.org/presentationml/2006/main">
   <p:cSld>
     <p:spTree>
@@ -18546,7 +18421,7 @@
 </p:sld>
 </file>
 
-<file path=ppt/slides/slide18.xml><?xml version="1.0" encoding="utf-8"?>
+<file path=ppt/slides/slide17.xml><?xml version="1.0" encoding="utf-8"?>
 <p:sld xmlns:a="http://schemas.openxmlformats.org/drawingml/2006/main" xmlns:r="http://schemas.openxmlformats.org/officeDocument/2006/relationships" xmlns:p="http://schemas.openxmlformats.org/presentationml/2006/main">
   <p:cSld>
     <p:spTree>
@@ -18874,7 +18749,7 @@
 </p:sld>
 </file>
 
-<file path=ppt/slides/slide19.xml><?xml version="1.0" encoding="utf-8"?>
+<file path=ppt/slides/slide18.xml><?xml version="1.0" encoding="utf-8"?>
 <p:sld xmlns:a="http://schemas.openxmlformats.org/drawingml/2006/main" xmlns:r="http://schemas.openxmlformats.org/officeDocument/2006/relationships" xmlns:p="http://schemas.openxmlformats.org/presentationml/2006/main">
   <p:cSld>
     <p:spTree>
@@ -20101,469 +19976,7 @@
 </p:sld>
 </file>
 
-<file path=ppt/slides/slide2.xml><?xml version="1.0" encoding="utf-8"?>
-<p:sld xmlns:a="http://schemas.openxmlformats.org/drawingml/2006/main" xmlns:r="http://schemas.openxmlformats.org/officeDocument/2006/relationships" xmlns:p="http://schemas.openxmlformats.org/presentationml/2006/main">
-  <p:cSld>
-    <p:spTree>
-      <p:nvGrpSpPr>
-        <p:cNvPr id="1" name=""/>
-        <p:cNvGrpSpPr/>
-        <p:nvPr/>
-      </p:nvGrpSpPr>
-      <p:grpSpPr>
-        <a:xfrm>
-          <a:off x="0" y="0"/>
-          <a:ext cx="0" cy="0"/>
-          <a:chOff x="0" y="0"/>
-          <a:chExt cx="0" cy="0"/>
-        </a:xfrm>
-      </p:grpSpPr>
-      <p:sp>
-        <p:nvSpPr>
-          <p:cNvPr id="3" name="Title 1"/>
-          <p:cNvSpPr>
-            <a:spLocks noGrp="1"/>
-          </p:cNvSpPr>
-          <p:nvPr/>
-        </p:nvSpPr>
-        <p:spPr>
-          <a:xfrm>
-            <a:off x="535552" y="1064144"/>
-            <a:ext cx="3979297" cy="1355206"/>
-          </a:xfrm>
-          <a:prstGeom prst="rect">
-            <a:avLst/>
-          </a:prstGeom>
-          <a:noFill/>
-        </p:spPr>
-        <p:txBody>
-          <a:bodyPr vert="horz" wrap="square" lIns="146304" tIns="91440" rIns="146304" bIns="91440" rtlCol="0" anchor="t" anchorCtr="0">
-            <a:normAutofit/>
-          </a:bodyPr>
-          <a:lstStyle>
-            <a:lvl1pPr algn="l" defTabSz="914367" rtl="0" eaLnBrk="1" latinLnBrk="0" hangingPunct="1">
-              <a:lnSpc>
-                <a:spcPct val="90000"/>
-              </a:lnSpc>
-              <a:spcBef>
-                <a:spcPct val="0"/>
-              </a:spcBef>
-              <a:buNone/>
-              <a:defRPr lang="en-US" sz="5294" b="0" kern="1200" cap="none" spc="-98" baseline="0">
-                <a:ln w="3175">
-                  <a:noFill/>
-                </a:ln>
-                <a:gradFill>
-                  <a:gsLst>
-                    <a:gs pos="100000">
-                      <a:schemeClr val="tx2"/>
-                    </a:gs>
-                    <a:gs pos="0">
-                      <a:schemeClr val="tx2"/>
-                    </a:gs>
-                  </a:gsLst>
-                  <a:lin ang="5400000" scaled="0"/>
-                </a:gradFill>
-                <a:effectLst/>
-                <a:latin typeface="+mj-lt"/>
-                <a:ea typeface="+mn-ea"/>
-                <a:cs typeface="Segoe UI" pitchFamily="34" charset="0"/>
-              </a:defRPr>
-            </a:lvl1pPr>
-          </a:lstStyle>
-          <a:p>
-            <a:r>
-              <a:rPr lang="it-IT" sz="8000" b="1" dirty="0">
-                <a:solidFill>
-                  <a:srgbClr val="541764"/>
-                </a:solidFill>
-                <a:latin typeface="Segoe UI Light" panose="020B0502040204020203" pitchFamily="34" charset="0"/>
-                <a:cs typeface="Segoe UI Light" panose="020B0502040204020203" pitchFamily="34" charset="0"/>
-              </a:rPr>
-              <a:t>Agenda</a:t>
-            </a:r>
-            <a:endParaRPr lang="en-US" sz="8000" b="1" dirty="0">
-              <a:solidFill>
-                <a:srgbClr val="541764"/>
-              </a:solidFill>
-              <a:latin typeface="Segoe UI Light" panose="020B0502040204020203" pitchFamily="34" charset="0"/>
-              <a:cs typeface="Segoe UI Light" panose="020B0502040204020203" pitchFamily="34" charset="0"/>
-            </a:endParaRPr>
-          </a:p>
-        </p:txBody>
-      </p:sp>
-      <p:sp>
-        <p:nvSpPr>
-          <p:cNvPr id="4" name="Subtitle 2"/>
-          <p:cNvSpPr>
-            <a:spLocks noGrp="1"/>
-          </p:cNvSpPr>
-          <p:nvPr/>
-        </p:nvSpPr>
-        <p:spPr>
-          <a:xfrm>
-            <a:off x="1003835" y="2584720"/>
-            <a:ext cx="10184329" cy="2755765"/>
-          </a:xfrm>
-          <a:prstGeom prst="rect">
-            <a:avLst/>
-          </a:prstGeom>
-          <a:noFill/>
-        </p:spPr>
-        <p:txBody>
-          <a:bodyPr vert="horz" wrap="square" lIns="146304" tIns="109728" rIns="146304" bIns="109728" rtlCol="0">
-            <a:noAutofit/>
-          </a:bodyPr>
-          <a:lstStyle>
-            <a:lvl1pPr marL="0" marR="0" indent="0" algn="l" defTabSz="914367" rtl="0" eaLnBrk="1" fontAlgn="auto" latinLnBrk="0" hangingPunct="1">
-              <a:lnSpc>
-                <a:spcPct val="90000"/>
-              </a:lnSpc>
-              <a:spcBef>
-                <a:spcPts val="0"/>
-              </a:spcBef>
-              <a:spcAft>
-                <a:spcPts val="0"/>
-              </a:spcAft>
-              <a:buClrTx/>
-              <a:buSzPct val="90000"/>
-              <a:buFont typeface="Arial" pitchFamily="34" charset="0"/>
-              <a:buNone/>
-              <a:tabLst/>
-              <a:defRPr sz="3137" kern="1200" spc="0" baseline="0">
-                <a:gradFill>
-                  <a:gsLst>
-                    <a:gs pos="91000">
-                      <a:schemeClr val="tx1"/>
-                    </a:gs>
-                    <a:gs pos="0">
-                      <a:schemeClr val="tx1"/>
-                    </a:gs>
-                  </a:gsLst>
-                  <a:lin ang="5400000" scaled="0"/>
-                </a:gradFill>
-                <a:latin typeface="+mj-lt"/>
-                <a:ea typeface="+mn-ea"/>
-                <a:cs typeface="+mn-cs"/>
-              </a:defRPr>
-            </a:lvl1pPr>
-            <a:lvl2pPr marL="572691" marR="0" indent="-236546" algn="l" defTabSz="914367" rtl="0" eaLnBrk="1" fontAlgn="auto" latinLnBrk="0" hangingPunct="1">
-              <a:lnSpc>
-                <a:spcPct val="90000"/>
-              </a:lnSpc>
-              <a:spcBef>
-                <a:spcPct val="20000"/>
-              </a:spcBef>
-              <a:spcAft>
-                <a:spcPts val="0"/>
-              </a:spcAft>
-              <a:buClrTx/>
-              <a:buSzPct val="90000"/>
-              <a:buFont typeface="Arial" pitchFamily="34" charset="0"/>
-              <a:buChar char="•"/>
-              <a:tabLst/>
-              <a:defRPr sz="2353" kern="1200" spc="0" baseline="0">
-                <a:gradFill>
-                  <a:gsLst>
-                    <a:gs pos="1250">
-                      <a:schemeClr val="tx1"/>
-                    </a:gs>
-                    <a:gs pos="100000">
-                      <a:schemeClr val="tx1"/>
-                    </a:gs>
-                  </a:gsLst>
-                  <a:lin ang="5400000" scaled="0"/>
-                </a:gradFill>
-                <a:latin typeface="+mn-lt"/>
-                <a:ea typeface="+mn-ea"/>
-                <a:cs typeface="+mn-cs"/>
-              </a:defRPr>
-            </a:lvl2pPr>
-            <a:lvl3pPr marL="784338" marR="0" indent="-224097" algn="l" defTabSz="914367" rtl="0" eaLnBrk="1" fontAlgn="auto" latinLnBrk="0" hangingPunct="1">
-              <a:lnSpc>
-                <a:spcPct val="90000"/>
-              </a:lnSpc>
-              <a:spcBef>
-                <a:spcPct val="20000"/>
-              </a:spcBef>
-              <a:spcAft>
-                <a:spcPts val="0"/>
-              </a:spcAft>
-              <a:buClrTx/>
-              <a:buSzPct val="90000"/>
-              <a:buFont typeface="Arial" pitchFamily="34" charset="0"/>
-              <a:buChar char="•"/>
-              <a:tabLst/>
-              <a:defRPr sz="1961" kern="1200" spc="0" baseline="0">
-                <a:gradFill>
-                  <a:gsLst>
-                    <a:gs pos="1250">
-                      <a:schemeClr val="tx1"/>
-                    </a:gs>
-                    <a:gs pos="100000">
-                      <a:schemeClr val="tx1"/>
-                    </a:gs>
-                  </a:gsLst>
-                  <a:lin ang="5400000" scaled="0"/>
-                </a:gradFill>
-                <a:latin typeface="+mn-lt"/>
-                <a:ea typeface="+mn-ea"/>
-                <a:cs typeface="+mn-cs"/>
-              </a:defRPr>
-            </a:lvl3pPr>
-            <a:lvl4pPr marL="1008435" marR="0" indent="-224097" algn="l" defTabSz="914367" rtl="0" eaLnBrk="1" fontAlgn="auto" latinLnBrk="0" hangingPunct="1">
-              <a:lnSpc>
-                <a:spcPct val="90000"/>
-              </a:lnSpc>
-              <a:spcBef>
-                <a:spcPct val="20000"/>
-              </a:spcBef>
-              <a:spcAft>
-                <a:spcPts val="0"/>
-              </a:spcAft>
-              <a:buClrTx/>
-              <a:buSzPct val="90000"/>
-              <a:buFont typeface="Arial" pitchFamily="34" charset="0"/>
-              <a:buChar char="•"/>
-              <a:tabLst/>
-              <a:defRPr sz="1765" kern="1200" spc="0" baseline="0">
-                <a:gradFill>
-                  <a:gsLst>
-                    <a:gs pos="1250">
-                      <a:schemeClr val="tx1"/>
-                    </a:gs>
-                    <a:gs pos="100000">
-                      <a:schemeClr val="tx1"/>
-                    </a:gs>
-                  </a:gsLst>
-                  <a:lin ang="5400000" scaled="0"/>
-                </a:gradFill>
-                <a:latin typeface="+mn-lt"/>
-                <a:ea typeface="+mn-ea"/>
-                <a:cs typeface="+mn-cs"/>
-              </a:defRPr>
-            </a:lvl4pPr>
-            <a:lvl5pPr marL="1232531" marR="0" indent="-224097" algn="l" defTabSz="914367" rtl="0" eaLnBrk="1" fontAlgn="auto" latinLnBrk="0" hangingPunct="1">
-              <a:lnSpc>
-                <a:spcPct val="90000"/>
-              </a:lnSpc>
-              <a:spcBef>
-                <a:spcPct val="20000"/>
-              </a:spcBef>
-              <a:spcAft>
-                <a:spcPts val="0"/>
-              </a:spcAft>
-              <a:buClrTx/>
-              <a:buSzPct val="90000"/>
-              <a:buFont typeface="Arial" pitchFamily="34" charset="0"/>
-              <a:buChar char="•"/>
-              <a:tabLst/>
-              <a:defRPr sz="1765" kern="1200" spc="0" baseline="0">
-                <a:gradFill>
-                  <a:gsLst>
-                    <a:gs pos="1250">
-                      <a:schemeClr val="tx1"/>
-                    </a:gs>
-                    <a:gs pos="100000">
-                      <a:schemeClr val="tx1"/>
-                    </a:gs>
-                  </a:gsLst>
-                  <a:lin ang="5400000" scaled="0"/>
-                </a:gradFill>
-                <a:latin typeface="+mn-lt"/>
-                <a:ea typeface="+mn-ea"/>
-                <a:cs typeface="+mn-cs"/>
-              </a:defRPr>
-            </a:lvl5pPr>
-            <a:lvl6pPr marL="2514509" indent="-228592" algn="l" defTabSz="914367" rtl="0" eaLnBrk="1" latinLnBrk="0" hangingPunct="1">
-              <a:spcBef>
-                <a:spcPct val="20000"/>
-              </a:spcBef>
-              <a:buFont typeface="Arial" pitchFamily="34" charset="0"/>
-              <a:buChar char="•"/>
-              <a:defRPr sz="1961" kern="1200">
-                <a:solidFill>
-                  <a:schemeClr val="tx1"/>
-                </a:solidFill>
-                <a:latin typeface="+mn-lt"/>
-                <a:ea typeface="+mn-ea"/>
-                <a:cs typeface="+mn-cs"/>
-              </a:defRPr>
-            </a:lvl6pPr>
-            <a:lvl7pPr marL="2971693" indent="-228592" algn="l" defTabSz="914367" rtl="0" eaLnBrk="1" latinLnBrk="0" hangingPunct="1">
-              <a:spcBef>
-                <a:spcPct val="20000"/>
-              </a:spcBef>
-              <a:buFont typeface="Arial" pitchFamily="34" charset="0"/>
-              <a:buChar char="•"/>
-              <a:defRPr sz="1961" kern="1200">
-                <a:solidFill>
-                  <a:schemeClr val="tx1"/>
-                </a:solidFill>
-                <a:latin typeface="+mn-lt"/>
-                <a:ea typeface="+mn-ea"/>
-                <a:cs typeface="+mn-cs"/>
-              </a:defRPr>
-            </a:lvl7pPr>
-            <a:lvl8pPr marL="3428877" indent="-228592" algn="l" defTabSz="914367" rtl="0" eaLnBrk="1" latinLnBrk="0" hangingPunct="1">
-              <a:spcBef>
-                <a:spcPct val="20000"/>
-              </a:spcBef>
-              <a:buFont typeface="Arial" pitchFamily="34" charset="0"/>
-              <a:buChar char="•"/>
-              <a:defRPr sz="1961" kern="1200">
-                <a:solidFill>
-                  <a:schemeClr val="tx1"/>
-                </a:solidFill>
-                <a:latin typeface="+mn-lt"/>
-                <a:ea typeface="+mn-ea"/>
-                <a:cs typeface="+mn-cs"/>
-              </a:defRPr>
-            </a:lvl8pPr>
-            <a:lvl9pPr marL="3886061" indent="-228592" algn="l" defTabSz="914367" rtl="0" eaLnBrk="1" latinLnBrk="0" hangingPunct="1">
-              <a:spcBef>
-                <a:spcPct val="20000"/>
-              </a:spcBef>
-              <a:buFont typeface="Arial" pitchFamily="34" charset="0"/>
-              <a:buChar char="•"/>
-              <a:defRPr sz="1961" kern="1200">
-                <a:solidFill>
-                  <a:schemeClr val="tx1"/>
-                </a:solidFill>
-                <a:latin typeface="+mn-lt"/>
-                <a:ea typeface="+mn-ea"/>
-                <a:cs typeface="+mn-cs"/>
-              </a:defRPr>
-            </a:lvl9pPr>
-          </a:lstStyle>
-          <a:p>
-            <a:pPr marL="457200" indent="-457200">
-              <a:buFontTx/>
-              <a:buChar char="-"/>
-            </a:pPr>
-            <a:r>
-              <a:rPr lang="en-GB" sz="3200" dirty="0">
-                <a:solidFill>
-                  <a:srgbClr val="541764"/>
-                </a:solidFill>
-                <a:latin typeface="Segoe UI Light" panose="020B0502040204020203" pitchFamily="34" charset="0"/>
-                <a:cs typeface="Segoe UI Light" panose="020B0502040204020203" pitchFamily="34" charset="0"/>
-              </a:rPr>
-              <a:t>Principles of Microservices</a:t>
-            </a:r>
-          </a:p>
-          <a:p>
-            <a:pPr marL="457200" indent="-457200">
-              <a:buFontTx/>
-              <a:buChar char="-"/>
-            </a:pPr>
-            <a:r>
-              <a:rPr lang="en-GB" altLang="zh-CN" sz="3200" dirty="0">
-                <a:solidFill>
-                  <a:srgbClr val="541764"/>
-                </a:solidFill>
-                <a:latin typeface="Segoe UI Light" panose="020B0502040204020203" pitchFamily="34" charset="0"/>
-                <a:cs typeface="Segoe UI Light" panose="020B0502040204020203" pitchFamily="34" charset="0"/>
-              </a:rPr>
-              <a:t>.NET Core</a:t>
-            </a:r>
-            <a:endParaRPr lang="en-GB" sz="3200" dirty="0">
-              <a:solidFill>
-                <a:srgbClr val="541764"/>
-              </a:solidFill>
-              <a:latin typeface="Segoe UI Light" panose="020B0502040204020203" pitchFamily="34" charset="0"/>
-              <a:cs typeface="Segoe UI Light" panose="020B0502040204020203" pitchFamily="34" charset="0"/>
-            </a:endParaRPr>
-          </a:p>
-          <a:p>
-            <a:pPr marL="457200" indent="-457200">
-              <a:buFontTx/>
-              <a:buChar char="-"/>
-            </a:pPr>
-            <a:r>
-              <a:rPr lang="en-GB" sz="3200" dirty="0">
-                <a:solidFill>
-                  <a:srgbClr val="541764"/>
-                </a:solidFill>
-                <a:latin typeface="Segoe UI Light" panose="020B0502040204020203" pitchFamily="34" charset="0"/>
-                <a:cs typeface="Segoe UI Light" panose="020B0502040204020203" pitchFamily="34" charset="0"/>
-              </a:rPr>
-              <a:t>What’s Docker and why should I care</a:t>
-            </a:r>
-            <a:endParaRPr lang="it-IT" sz="3200" dirty="0">
-              <a:solidFill>
-                <a:srgbClr val="541764"/>
-              </a:solidFill>
-              <a:latin typeface="Segoe UI Light" panose="020B0502040204020203" pitchFamily="34" charset="0"/>
-              <a:cs typeface="Segoe UI Light" panose="020B0502040204020203" pitchFamily="34" charset="0"/>
-            </a:endParaRPr>
-          </a:p>
-          <a:p>
-            <a:pPr marL="457200" indent="-457200">
-              <a:buFontTx/>
-              <a:buChar char="-"/>
-            </a:pPr>
-            <a:r>
-              <a:rPr lang="it-IT" sz="3200" dirty="0">
-                <a:solidFill>
-                  <a:srgbClr val="541764"/>
-                </a:solidFill>
-                <a:latin typeface="Segoe UI Light" panose="020B0502040204020203" pitchFamily="34" charset="0"/>
-                <a:cs typeface="Segoe UI Light" panose="020B0502040204020203" pitchFamily="34" charset="0"/>
-              </a:rPr>
-              <a:t>ASP.NET Core </a:t>
-            </a:r>
-            <a:r>
-              <a:rPr lang="en-GB" sz="3200" dirty="0">
-                <a:solidFill>
-                  <a:srgbClr val="541764"/>
-                </a:solidFill>
-                <a:latin typeface="Segoe UI Light" panose="020B0502040204020203" pitchFamily="34" charset="0"/>
-                <a:cs typeface="Segoe UI Light" panose="020B0502040204020203" pitchFamily="34" charset="0"/>
-              </a:rPr>
-              <a:t>&amp; Docker</a:t>
-            </a:r>
-          </a:p>
-          <a:p>
-            <a:pPr marL="457200" indent="-457200">
-              <a:buFontTx/>
-              <a:buChar char="-"/>
-            </a:pPr>
-            <a:r>
-              <a:rPr lang="en-GB" sz="3200" dirty="0">
-                <a:solidFill>
-                  <a:srgbClr val="541764"/>
-                </a:solidFill>
-                <a:latin typeface="Segoe UI Light" panose="020B0502040204020203" pitchFamily="34" charset="0"/>
-                <a:cs typeface="Segoe UI Light" panose="020B0502040204020203" pitchFamily="34" charset="0"/>
-              </a:rPr>
-              <a:t>Let’s port a non-trivial project to Docker and AKS</a:t>
-            </a:r>
-          </a:p>
-        </p:txBody>
-      </p:sp>
-    </p:spTree>
-    <p:extLst>
-      <p:ext uri="{BB962C8B-B14F-4D97-AF65-F5344CB8AC3E}">
-        <p14:creationId xmlns:p14="http://schemas.microsoft.com/office/powerpoint/2010/main" val="2580006334"/>
-      </p:ext>
-    </p:extLst>
-  </p:cSld>
-  <p:clrMapOvr>
-    <a:masterClrMapping/>
-  </p:clrMapOvr>
-  <mc:AlternateContent xmlns:mc="http://schemas.openxmlformats.org/markup-compatibility/2006" xmlns:p14="http://schemas.microsoft.com/office/powerpoint/2010/main">
-    <mc:Choice Requires="p14">
-      <p:transition p14:dur="0"/>
-    </mc:Choice>
-    <mc:Fallback xmlns="">
-      <p:transition/>
-    </mc:Fallback>
-  </mc:AlternateContent>
-</p:sld>
-</file>
-
-<file path=ppt/slides/slide20.xml><?xml version="1.0" encoding="utf-8"?>
+<file path=ppt/slides/slide19.xml><?xml version="1.0" encoding="utf-8"?>
 <p:sld xmlns:a="http://schemas.openxmlformats.org/drawingml/2006/main" xmlns:r="http://schemas.openxmlformats.org/officeDocument/2006/relationships" xmlns:p="http://schemas.openxmlformats.org/presentationml/2006/main">
   <p:cSld>
     <p:spTree>
@@ -23463,7 +22876,469 @@
 </p:sld>
 </file>
 
-<file path=ppt/slides/slide21.xml><?xml version="1.0" encoding="utf-8"?>
+<file path=ppt/slides/slide2.xml><?xml version="1.0" encoding="utf-8"?>
+<p:sld xmlns:a="http://schemas.openxmlformats.org/drawingml/2006/main" xmlns:r="http://schemas.openxmlformats.org/officeDocument/2006/relationships" xmlns:p="http://schemas.openxmlformats.org/presentationml/2006/main">
+  <p:cSld>
+    <p:spTree>
+      <p:nvGrpSpPr>
+        <p:cNvPr id="1" name=""/>
+        <p:cNvGrpSpPr/>
+        <p:nvPr/>
+      </p:nvGrpSpPr>
+      <p:grpSpPr>
+        <a:xfrm>
+          <a:off x="0" y="0"/>
+          <a:ext cx="0" cy="0"/>
+          <a:chOff x="0" y="0"/>
+          <a:chExt cx="0" cy="0"/>
+        </a:xfrm>
+      </p:grpSpPr>
+      <p:sp>
+        <p:nvSpPr>
+          <p:cNvPr id="3" name="Title 1"/>
+          <p:cNvSpPr>
+            <a:spLocks noGrp="1"/>
+          </p:cNvSpPr>
+          <p:nvPr/>
+        </p:nvSpPr>
+        <p:spPr>
+          <a:xfrm>
+            <a:off x="535552" y="1064144"/>
+            <a:ext cx="3979297" cy="1355206"/>
+          </a:xfrm>
+          <a:prstGeom prst="rect">
+            <a:avLst/>
+          </a:prstGeom>
+          <a:noFill/>
+        </p:spPr>
+        <p:txBody>
+          <a:bodyPr vert="horz" wrap="square" lIns="146304" tIns="91440" rIns="146304" bIns="91440" rtlCol="0" anchor="t" anchorCtr="0">
+            <a:normAutofit/>
+          </a:bodyPr>
+          <a:lstStyle>
+            <a:lvl1pPr algn="l" defTabSz="914367" rtl="0" eaLnBrk="1" latinLnBrk="0" hangingPunct="1">
+              <a:lnSpc>
+                <a:spcPct val="90000"/>
+              </a:lnSpc>
+              <a:spcBef>
+                <a:spcPct val="0"/>
+              </a:spcBef>
+              <a:buNone/>
+              <a:defRPr lang="en-US" sz="5294" b="0" kern="1200" cap="none" spc="-98" baseline="0">
+                <a:ln w="3175">
+                  <a:noFill/>
+                </a:ln>
+                <a:gradFill>
+                  <a:gsLst>
+                    <a:gs pos="100000">
+                      <a:schemeClr val="tx2"/>
+                    </a:gs>
+                    <a:gs pos="0">
+                      <a:schemeClr val="tx2"/>
+                    </a:gs>
+                  </a:gsLst>
+                  <a:lin ang="5400000" scaled="0"/>
+                </a:gradFill>
+                <a:effectLst/>
+                <a:latin typeface="+mj-lt"/>
+                <a:ea typeface="+mn-ea"/>
+                <a:cs typeface="Segoe UI" pitchFamily="34" charset="0"/>
+              </a:defRPr>
+            </a:lvl1pPr>
+          </a:lstStyle>
+          <a:p>
+            <a:r>
+              <a:rPr lang="it-IT" sz="8000" b="1" dirty="0">
+                <a:solidFill>
+                  <a:srgbClr val="541764"/>
+                </a:solidFill>
+                <a:latin typeface="Segoe UI Light" panose="020B0502040204020203" pitchFamily="34" charset="0"/>
+                <a:cs typeface="Segoe UI Light" panose="020B0502040204020203" pitchFamily="34" charset="0"/>
+              </a:rPr>
+              <a:t>Agenda</a:t>
+            </a:r>
+            <a:endParaRPr lang="en-US" sz="8000" b="1" dirty="0">
+              <a:solidFill>
+                <a:srgbClr val="541764"/>
+              </a:solidFill>
+              <a:latin typeface="Segoe UI Light" panose="020B0502040204020203" pitchFamily="34" charset="0"/>
+              <a:cs typeface="Segoe UI Light" panose="020B0502040204020203" pitchFamily="34" charset="0"/>
+            </a:endParaRPr>
+          </a:p>
+        </p:txBody>
+      </p:sp>
+      <p:sp>
+        <p:nvSpPr>
+          <p:cNvPr id="4" name="Subtitle 2"/>
+          <p:cNvSpPr>
+            <a:spLocks noGrp="1"/>
+          </p:cNvSpPr>
+          <p:nvPr/>
+        </p:nvSpPr>
+        <p:spPr>
+          <a:xfrm>
+            <a:off x="1003835" y="2584720"/>
+            <a:ext cx="10184329" cy="2755765"/>
+          </a:xfrm>
+          <a:prstGeom prst="rect">
+            <a:avLst/>
+          </a:prstGeom>
+          <a:noFill/>
+        </p:spPr>
+        <p:txBody>
+          <a:bodyPr vert="horz" wrap="square" lIns="146304" tIns="109728" rIns="146304" bIns="109728" rtlCol="0">
+            <a:noAutofit/>
+          </a:bodyPr>
+          <a:lstStyle>
+            <a:lvl1pPr marL="0" marR="0" indent="0" algn="l" defTabSz="914367" rtl="0" eaLnBrk="1" fontAlgn="auto" latinLnBrk="0" hangingPunct="1">
+              <a:lnSpc>
+                <a:spcPct val="90000"/>
+              </a:lnSpc>
+              <a:spcBef>
+                <a:spcPts val="0"/>
+              </a:spcBef>
+              <a:spcAft>
+                <a:spcPts val="0"/>
+              </a:spcAft>
+              <a:buClrTx/>
+              <a:buSzPct val="90000"/>
+              <a:buFont typeface="Arial" pitchFamily="34" charset="0"/>
+              <a:buNone/>
+              <a:tabLst/>
+              <a:defRPr sz="3137" kern="1200" spc="0" baseline="0">
+                <a:gradFill>
+                  <a:gsLst>
+                    <a:gs pos="91000">
+                      <a:schemeClr val="tx1"/>
+                    </a:gs>
+                    <a:gs pos="0">
+                      <a:schemeClr val="tx1"/>
+                    </a:gs>
+                  </a:gsLst>
+                  <a:lin ang="5400000" scaled="0"/>
+                </a:gradFill>
+                <a:latin typeface="+mj-lt"/>
+                <a:ea typeface="+mn-ea"/>
+                <a:cs typeface="+mn-cs"/>
+              </a:defRPr>
+            </a:lvl1pPr>
+            <a:lvl2pPr marL="572691" marR="0" indent="-236546" algn="l" defTabSz="914367" rtl="0" eaLnBrk="1" fontAlgn="auto" latinLnBrk="0" hangingPunct="1">
+              <a:lnSpc>
+                <a:spcPct val="90000"/>
+              </a:lnSpc>
+              <a:spcBef>
+                <a:spcPct val="20000"/>
+              </a:spcBef>
+              <a:spcAft>
+                <a:spcPts val="0"/>
+              </a:spcAft>
+              <a:buClrTx/>
+              <a:buSzPct val="90000"/>
+              <a:buFont typeface="Arial" pitchFamily="34" charset="0"/>
+              <a:buChar char="•"/>
+              <a:tabLst/>
+              <a:defRPr sz="2353" kern="1200" spc="0" baseline="0">
+                <a:gradFill>
+                  <a:gsLst>
+                    <a:gs pos="1250">
+                      <a:schemeClr val="tx1"/>
+                    </a:gs>
+                    <a:gs pos="100000">
+                      <a:schemeClr val="tx1"/>
+                    </a:gs>
+                  </a:gsLst>
+                  <a:lin ang="5400000" scaled="0"/>
+                </a:gradFill>
+                <a:latin typeface="+mn-lt"/>
+                <a:ea typeface="+mn-ea"/>
+                <a:cs typeface="+mn-cs"/>
+              </a:defRPr>
+            </a:lvl2pPr>
+            <a:lvl3pPr marL="784338" marR="0" indent="-224097" algn="l" defTabSz="914367" rtl="0" eaLnBrk="1" fontAlgn="auto" latinLnBrk="0" hangingPunct="1">
+              <a:lnSpc>
+                <a:spcPct val="90000"/>
+              </a:lnSpc>
+              <a:spcBef>
+                <a:spcPct val="20000"/>
+              </a:spcBef>
+              <a:spcAft>
+                <a:spcPts val="0"/>
+              </a:spcAft>
+              <a:buClrTx/>
+              <a:buSzPct val="90000"/>
+              <a:buFont typeface="Arial" pitchFamily="34" charset="0"/>
+              <a:buChar char="•"/>
+              <a:tabLst/>
+              <a:defRPr sz="1961" kern="1200" spc="0" baseline="0">
+                <a:gradFill>
+                  <a:gsLst>
+                    <a:gs pos="1250">
+                      <a:schemeClr val="tx1"/>
+                    </a:gs>
+                    <a:gs pos="100000">
+                      <a:schemeClr val="tx1"/>
+                    </a:gs>
+                  </a:gsLst>
+                  <a:lin ang="5400000" scaled="0"/>
+                </a:gradFill>
+                <a:latin typeface="+mn-lt"/>
+                <a:ea typeface="+mn-ea"/>
+                <a:cs typeface="+mn-cs"/>
+              </a:defRPr>
+            </a:lvl3pPr>
+            <a:lvl4pPr marL="1008435" marR="0" indent="-224097" algn="l" defTabSz="914367" rtl="0" eaLnBrk="1" fontAlgn="auto" latinLnBrk="0" hangingPunct="1">
+              <a:lnSpc>
+                <a:spcPct val="90000"/>
+              </a:lnSpc>
+              <a:spcBef>
+                <a:spcPct val="20000"/>
+              </a:spcBef>
+              <a:spcAft>
+                <a:spcPts val="0"/>
+              </a:spcAft>
+              <a:buClrTx/>
+              <a:buSzPct val="90000"/>
+              <a:buFont typeface="Arial" pitchFamily="34" charset="0"/>
+              <a:buChar char="•"/>
+              <a:tabLst/>
+              <a:defRPr sz="1765" kern="1200" spc="0" baseline="0">
+                <a:gradFill>
+                  <a:gsLst>
+                    <a:gs pos="1250">
+                      <a:schemeClr val="tx1"/>
+                    </a:gs>
+                    <a:gs pos="100000">
+                      <a:schemeClr val="tx1"/>
+                    </a:gs>
+                  </a:gsLst>
+                  <a:lin ang="5400000" scaled="0"/>
+                </a:gradFill>
+                <a:latin typeface="+mn-lt"/>
+                <a:ea typeface="+mn-ea"/>
+                <a:cs typeface="+mn-cs"/>
+              </a:defRPr>
+            </a:lvl4pPr>
+            <a:lvl5pPr marL="1232531" marR="0" indent="-224097" algn="l" defTabSz="914367" rtl="0" eaLnBrk="1" fontAlgn="auto" latinLnBrk="0" hangingPunct="1">
+              <a:lnSpc>
+                <a:spcPct val="90000"/>
+              </a:lnSpc>
+              <a:spcBef>
+                <a:spcPct val="20000"/>
+              </a:spcBef>
+              <a:spcAft>
+                <a:spcPts val="0"/>
+              </a:spcAft>
+              <a:buClrTx/>
+              <a:buSzPct val="90000"/>
+              <a:buFont typeface="Arial" pitchFamily="34" charset="0"/>
+              <a:buChar char="•"/>
+              <a:tabLst/>
+              <a:defRPr sz="1765" kern="1200" spc="0" baseline="0">
+                <a:gradFill>
+                  <a:gsLst>
+                    <a:gs pos="1250">
+                      <a:schemeClr val="tx1"/>
+                    </a:gs>
+                    <a:gs pos="100000">
+                      <a:schemeClr val="tx1"/>
+                    </a:gs>
+                  </a:gsLst>
+                  <a:lin ang="5400000" scaled="0"/>
+                </a:gradFill>
+                <a:latin typeface="+mn-lt"/>
+                <a:ea typeface="+mn-ea"/>
+                <a:cs typeface="+mn-cs"/>
+              </a:defRPr>
+            </a:lvl5pPr>
+            <a:lvl6pPr marL="2514509" indent="-228592" algn="l" defTabSz="914367" rtl="0" eaLnBrk="1" latinLnBrk="0" hangingPunct="1">
+              <a:spcBef>
+                <a:spcPct val="20000"/>
+              </a:spcBef>
+              <a:buFont typeface="Arial" pitchFamily="34" charset="0"/>
+              <a:buChar char="•"/>
+              <a:defRPr sz="1961" kern="1200">
+                <a:solidFill>
+                  <a:schemeClr val="tx1"/>
+                </a:solidFill>
+                <a:latin typeface="+mn-lt"/>
+                <a:ea typeface="+mn-ea"/>
+                <a:cs typeface="+mn-cs"/>
+              </a:defRPr>
+            </a:lvl6pPr>
+            <a:lvl7pPr marL="2971693" indent="-228592" algn="l" defTabSz="914367" rtl="0" eaLnBrk="1" latinLnBrk="0" hangingPunct="1">
+              <a:spcBef>
+                <a:spcPct val="20000"/>
+              </a:spcBef>
+              <a:buFont typeface="Arial" pitchFamily="34" charset="0"/>
+              <a:buChar char="•"/>
+              <a:defRPr sz="1961" kern="1200">
+                <a:solidFill>
+                  <a:schemeClr val="tx1"/>
+                </a:solidFill>
+                <a:latin typeface="+mn-lt"/>
+                <a:ea typeface="+mn-ea"/>
+                <a:cs typeface="+mn-cs"/>
+              </a:defRPr>
+            </a:lvl7pPr>
+            <a:lvl8pPr marL="3428877" indent="-228592" algn="l" defTabSz="914367" rtl="0" eaLnBrk="1" latinLnBrk="0" hangingPunct="1">
+              <a:spcBef>
+                <a:spcPct val="20000"/>
+              </a:spcBef>
+              <a:buFont typeface="Arial" pitchFamily="34" charset="0"/>
+              <a:buChar char="•"/>
+              <a:defRPr sz="1961" kern="1200">
+                <a:solidFill>
+                  <a:schemeClr val="tx1"/>
+                </a:solidFill>
+                <a:latin typeface="+mn-lt"/>
+                <a:ea typeface="+mn-ea"/>
+                <a:cs typeface="+mn-cs"/>
+              </a:defRPr>
+            </a:lvl8pPr>
+            <a:lvl9pPr marL="3886061" indent="-228592" algn="l" defTabSz="914367" rtl="0" eaLnBrk="1" latinLnBrk="0" hangingPunct="1">
+              <a:spcBef>
+                <a:spcPct val="20000"/>
+              </a:spcBef>
+              <a:buFont typeface="Arial" pitchFamily="34" charset="0"/>
+              <a:buChar char="•"/>
+              <a:defRPr sz="1961" kern="1200">
+                <a:solidFill>
+                  <a:schemeClr val="tx1"/>
+                </a:solidFill>
+                <a:latin typeface="+mn-lt"/>
+                <a:ea typeface="+mn-ea"/>
+                <a:cs typeface="+mn-cs"/>
+              </a:defRPr>
+            </a:lvl9pPr>
+          </a:lstStyle>
+          <a:p>
+            <a:pPr marL="457200" indent="-457200">
+              <a:buFontTx/>
+              <a:buChar char="-"/>
+            </a:pPr>
+            <a:r>
+              <a:rPr lang="en-GB" sz="3200" dirty="0">
+                <a:solidFill>
+                  <a:srgbClr val="541764"/>
+                </a:solidFill>
+                <a:latin typeface="Segoe UI Light" panose="020B0502040204020203" pitchFamily="34" charset="0"/>
+                <a:cs typeface="Segoe UI Light" panose="020B0502040204020203" pitchFamily="34" charset="0"/>
+              </a:rPr>
+              <a:t>Principles of Microservices</a:t>
+            </a:r>
+          </a:p>
+          <a:p>
+            <a:pPr marL="457200" indent="-457200">
+              <a:buFontTx/>
+              <a:buChar char="-"/>
+            </a:pPr>
+            <a:r>
+              <a:rPr lang="en-GB" altLang="zh-CN" sz="3200" dirty="0">
+                <a:solidFill>
+                  <a:srgbClr val="541764"/>
+                </a:solidFill>
+                <a:latin typeface="Segoe UI Light" panose="020B0502040204020203" pitchFamily="34" charset="0"/>
+                <a:cs typeface="Segoe UI Light" panose="020B0502040204020203" pitchFamily="34" charset="0"/>
+              </a:rPr>
+              <a:t>.NET Core</a:t>
+            </a:r>
+            <a:endParaRPr lang="en-GB" sz="3200" dirty="0">
+              <a:solidFill>
+                <a:srgbClr val="541764"/>
+              </a:solidFill>
+              <a:latin typeface="Segoe UI Light" panose="020B0502040204020203" pitchFamily="34" charset="0"/>
+              <a:cs typeface="Segoe UI Light" panose="020B0502040204020203" pitchFamily="34" charset="0"/>
+            </a:endParaRPr>
+          </a:p>
+          <a:p>
+            <a:pPr marL="457200" indent="-457200">
+              <a:buFontTx/>
+              <a:buChar char="-"/>
+            </a:pPr>
+            <a:r>
+              <a:rPr lang="en-GB" sz="3200" dirty="0">
+                <a:solidFill>
+                  <a:srgbClr val="541764"/>
+                </a:solidFill>
+                <a:latin typeface="Segoe UI Light" panose="020B0502040204020203" pitchFamily="34" charset="0"/>
+                <a:cs typeface="Segoe UI Light" panose="020B0502040204020203" pitchFamily="34" charset="0"/>
+              </a:rPr>
+              <a:t>What’s Docker and why should I care</a:t>
+            </a:r>
+            <a:endParaRPr lang="it-IT" sz="3200" dirty="0">
+              <a:solidFill>
+                <a:srgbClr val="541764"/>
+              </a:solidFill>
+              <a:latin typeface="Segoe UI Light" panose="020B0502040204020203" pitchFamily="34" charset="0"/>
+              <a:cs typeface="Segoe UI Light" panose="020B0502040204020203" pitchFamily="34" charset="0"/>
+            </a:endParaRPr>
+          </a:p>
+          <a:p>
+            <a:pPr marL="457200" indent="-457200">
+              <a:buFontTx/>
+              <a:buChar char="-"/>
+            </a:pPr>
+            <a:r>
+              <a:rPr lang="it-IT" sz="3200" dirty="0">
+                <a:solidFill>
+                  <a:srgbClr val="541764"/>
+                </a:solidFill>
+                <a:latin typeface="Segoe UI Light" panose="020B0502040204020203" pitchFamily="34" charset="0"/>
+                <a:cs typeface="Segoe UI Light" panose="020B0502040204020203" pitchFamily="34" charset="0"/>
+              </a:rPr>
+              <a:t>ASP.NET Core </a:t>
+            </a:r>
+            <a:r>
+              <a:rPr lang="en-GB" sz="3200" dirty="0">
+                <a:solidFill>
+                  <a:srgbClr val="541764"/>
+                </a:solidFill>
+                <a:latin typeface="Segoe UI Light" panose="020B0502040204020203" pitchFamily="34" charset="0"/>
+                <a:cs typeface="Segoe UI Light" panose="020B0502040204020203" pitchFamily="34" charset="0"/>
+              </a:rPr>
+              <a:t>&amp; Docker</a:t>
+            </a:r>
+          </a:p>
+          <a:p>
+            <a:pPr marL="457200" indent="-457200">
+              <a:buFontTx/>
+              <a:buChar char="-"/>
+            </a:pPr>
+            <a:r>
+              <a:rPr lang="en-GB" sz="3200" dirty="0">
+                <a:solidFill>
+                  <a:srgbClr val="541764"/>
+                </a:solidFill>
+                <a:latin typeface="Segoe UI Light" panose="020B0502040204020203" pitchFamily="34" charset="0"/>
+                <a:cs typeface="Segoe UI Light" panose="020B0502040204020203" pitchFamily="34" charset="0"/>
+              </a:rPr>
+              <a:t>Let’s port a non-trivial project to Docker and AKS</a:t>
+            </a:r>
+          </a:p>
+        </p:txBody>
+      </p:sp>
+    </p:spTree>
+    <p:extLst>
+      <p:ext uri="{BB962C8B-B14F-4D97-AF65-F5344CB8AC3E}">
+        <p14:creationId xmlns:p14="http://schemas.microsoft.com/office/powerpoint/2010/main" val="2580006334"/>
+      </p:ext>
+    </p:extLst>
+  </p:cSld>
+  <p:clrMapOvr>
+    <a:masterClrMapping/>
+  </p:clrMapOvr>
+  <mc:AlternateContent xmlns:mc="http://schemas.openxmlformats.org/markup-compatibility/2006" xmlns:p14="http://schemas.microsoft.com/office/powerpoint/2010/main">
+    <mc:Choice Requires="p14">
+      <p:transition p14:dur="0"/>
+    </mc:Choice>
+    <mc:Fallback xmlns="">
+      <p:transition/>
+    </mc:Fallback>
+  </mc:AlternateContent>
+</p:sld>
+</file>
+
+<file path=ppt/slides/slide20.xml><?xml version="1.0" encoding="utf-8"?>
 <p:sld xmlns:a="http://schemas.openxmlformats.org/drawingml/2006/main" xmlns:r="http://schemas.openxmlformats.org/officeDocument/2006/relationships" xmlns:p="http://schemas.openxmlformats.org/presentationml/2006/main">
   <p:cSld>
     <p:spTree>
@@ -23671,7 +23546,7 @@
 </p:sld>
 </file>
 
-<file path=ppt/slides/slide22.xml><?xml version="1.0" encoding="utf-8"?>
+<file path=ppt/slides/slide21.xml><?xml version="1.0" encoding="utf-8"?>
 <p:sld xmlns:a="http://schemas.openxmlformats.org/drawingml/2006/main" xmlns:r="http://schemas.openxmlformats.org/officeDocument/2006/relationships" xmlns:p="http://schemas.openxmlformats.org/presentationml/2006/main">
   <p:cSld>
     <p:spTree>
@@ -24498,7 +24373,7 @@
 </p:sld>
 </file>
 
-<file path=ppt/slides/slide23.xml><?xml version="1.0" encoding="utf-8"?>
+<file path=ppt/slides/slide22.xml><?xml version="1.0" encoding="utf-8"?>
 <p:sld xmlns:a="http://schemas.openxmlformats.org/drawingml/2006/main" xmlns:r="http://schemas.openxmlformats.org/officeDocument/2006/relationships" xmlns:p="http://schemas.openxmlformats.org/presentationml/2006/main">
   <p:cSld>
     <p:spTree>
@@ -24703,7 +24578,7 @@
 </p:sld>
 </file>
 
-<file path=ppt/slides/slide24.xml><?xml version="1.0" encoding="utf-8"?>
+<file path=ppt/slides/slide23.xml><?xml version="1.0" encoding="utf-8"?>
 <p:sld xmlns:a="http://schemas.openxmlformats.org/drawingml/2006/main" xmlns:r="http://schemas.openxmlformats.org/officeDocument/2006/relationships" xmlns:p="http://schemas.openxmlformats.org/presentationml/2006/main">
   <p:cSld>
     <p:spTree>

--- a/dotnetcoredockerk8s.pptx
+++ b/dotnetcoredockerk8s.pptx
@@ -267,7 +267,7 @@
           <a:p>
             <a:fld id="{25A0F723-D203-40DC-991B-A58E274D6627}" type="datetimeFigureOut">
               <a:rPr lang="it-IT" smtClean="0"/>
-              <a:t>09/03/2019</a:t>
+              <a:t>09/04/2019</a:t>
             </a:fld>
             <a:endParaRPr lang="it-IT"/>
           </a:p>
@@ -2326,7 +2326,7 @@
           <a:p>
             <a:fld id="{A57064AC-3FCB-4614-8842-A1085921C17E}" type="datetimeFigureOut">
               <a:rPr lang="it-IT" smtClean="0"/>
-              <a:t>09/03/2019</a:t>
+              <a:t>09/04/2019</a:t>
             </a:fld>
             <a:endParaRPr lang="it-IT"/>
           </a:p>
@@ -2693,7 +2693,7 @@
           <a:p>
             <a:fld id="{A57064AC-3FCB-4614-8842-A1085921C17E}" type="datetimeFigureOut">
               <a:rPr lang="it-IT" smtClean="0"/>
-              <a:t>09/03/2019</a:t>
+              <a:t>09/04/2019</a:t>
             </a:fld>
             <a:endParaRPr lang="it-IT"/>
           </a:p>
@@ -2875,7 +2875,7 @@
           <a:p>
             <a:fld id="{A57064AC-3FCB-4614-8842-A1085921C17E}" type="datetimeFigureOut">
               <a:rPr lang="it-IT" smtClean="0"/>
-              <a:t>09/03/2019</a:t>
+              <a:t>09/04/2019</a:t>
             </a:fld>
             <a:endParaRPr lang="it-IT"/>
           </a:p>
@@ -3067,7 +3067,7 @@
           <a:p>
             <a:fld id="{A57064AC-3FCB-4614-8842-A1085921C17E}" type="datetimeFigureOut">
               <a:rPr lang="it-IT" smtClean="0"/>
-              <a:t>09/03/2019</a:t>
+              <a:t>09/04/2019</a:t>
             </a:fld>
             <a:endParaRPr lang="it-IT"/>
           </a:p>
@@ -3454,7 +3454,7 @@
           <a:p>
             <a:fld id="{A57064AC-3FCB-4614-8842-A1085921C17E}" type="datetimeFigureOut">
               <a:rPr lang="it-IT" smtClean="0"/>
-              <a:t>09/03/2019</a:t>
+              <a:t>09/04/2019</a:t>
             </a:fld>
             <a:endParaRPr lang="it-IT"/>
           </a:p>
@@ -3734,7 +3734,7 @@
           <a:p>
             <a:fld id="{A57064AC-3FCB-4614-8842-A1085921C17E}" type="datetimeFigureOut">
               <a:rPr lang="it-IT" smtClean="0"/>
-              <a:t>09/03/2019</a:t>
+              <a:t>09/04/2019</a:t>
             </a:fld>
             <a:endParaRPr lang="it-IT"/>
           </a:p>
@@ -4095,7 +4095,7 @@
           <a:p>
             <a:fld id="{A57064AC-3FCB-4614-8842-A1085921C17E}" type="datetimeFigureOut">
               <a:rPr lang="it-IT" smtClean="0"/>
-              <a:t>09/03/2019</a:t>
+              <a:t>09/04/2019</a:t>
             </a:fld>
             <a:endParaRPr lang="it-IT"/>
           </a:p>
@@ -4544,7 +4544,7 @@
           <a:p>
             <a:fld id="{A57064AC-3FCB-4614-8842-A1085921C17E}" type="datetimeFigureOut">
               <a:rPr lang="it-IT" smtClean="0"/>
-              <a:t>09/03/2019</a:t>
+              <a:t>09/04/2019</a:t>
             </a:fld>
             <a:endParaRPr lang="it-IT"/>
           </a:p>
@@ -4674,7 +4674,7 @@
           <a:p>
             <a:fld id="{A57064AC-3FCB-4614-8842-A1085921C17E}" type="datetimeFigureOut">
               <a:rPr lang="it-IT" smtClean="0"/>
-              <a:t>09/03/2019</a:t>
+              <a:t>09/04/2019</a:t>
             </a:fld>
             <a:endParaRPr lang="it-IT"/>
           </a:p>
@@ -4789,7 +4789,7 @@
           <a:p>
             <a:fld id="{A57064AC-3FCB-4614-8842-A1085921C17E}" type="datetimeFigureOut">
               <a:rPr lang="it-IT" smtClean="0"/>
-              <a:t>09/03/2019</a:t>
+              <a:t>09/04/2019</a:t>
             </a:fld>
             <a:endParaRPr lang="it-IT"/>
           </a:p>
@@ -5103,7 +5103,7 @@
           <a:p>
             <a:fld id="{A57064AC-3FCB-4614-8842-A1085921C17E}" type="datetimeFigureOut">
               <a:rPr lang="it-IT" smtClean="0"/>
-              <a:t>09/03/2019</a:t>
+              <a:t>09/04/2019</a:t>
             </a:fld>
             <a:endParaRPr lang="it-IT"/>
           </a:p>
@@ -5491,7 +5491,7 @@
           <a:p>
             <a:fld id="{A57064AC-3FCB-4614-8842-A1085921C17E}" type="datetimeFigureOut">
               <a:rPr lang="it-IT" smtClean="0"/>
-              <a:t>09/03/2019</a:t>
+              <a:t>09/04/2019</a:t>
             </a:fld>
             <a:endParaRPr lang="it-IT"/>
           </a:p>
@@ -5838,7 +5838,7 @@
           <a:p>
             <a:fld id="{A57064AC-3FCB-4614-8842-A1085921C17E}" type="datetimeFigureOut">
               <a:rPr lang="it-IT" smtClean="0"/>
-              <a:t>09/03/2019</a:t>
+              <a:t>09/04/2019</a:t>
             </a:fld>
             <a:endParaRPr lang="it-IT"/>
           </a:p>
@@ -6509,8 +6509,8 @@
         </p:nvSpPr>
         <p:spPr>
           <a:xfrm>
-            <a:off x="736888" y="3806248"/>
-            <a:ext cx="6765360" cy="1319426"/>
+            <a:off x="736888" y="3222379"/>
+            <a:ext cx="6765360" cy="2322744"/>
           </a:xfrm>
           <a:prstGeom prst="rect">
             <a:avLst/>
@@ -6773,16 +6773,6 @@
           </a:p>
           <a:p>
             <a:r>
-              <a:rPr lang="en-GB" sz="2000" dirty="0">
-                <a:solidFill>
-                  <a:srgbClr val="541764"/>
-                </a:solidFill>
-                <a:latin typeface="Segoe UI Light" panose="020B0502040204020203" pitchFamily="34" charset="0"/>
-                <a:cs typeface="Segoe UI Light" panose="020B0502040204020203" pitchFamily="34" charset="0"/>
-              </a:rPr>
-              <a:t>Visual Studio and Development Technologies</a:t>
-            </a:r>
-            <a:r>
               <a:rPr lang="en-US" sz="2000" dirty="0">
                 <a:solidFill>
                   <a:srgbClr val="541764"/>
@@ -6790,8 +6780,25 @@
                 <a:latin typeface="Segoe UI Light" panose="020B0502040204020203" pitchFamily="34" charset="0"/>
                 <a:cs typeface="Segoe UI Light" panose="020B0502040204020203" pitchFamily="34" charset="0"/>
               </a:rPr>
-              <a:t> MVP</a:t>
-            </a:r>
+              <a:t>MVP </a:t>
+            </a:r>
+            <a:r>
+              <a:rPr lang="en-US" altLang="zh-CN" sz="2000" dirty="0">
+                <a:solidFill>
+                  <a:srgbClr val="541764"/>
+                </a:solidFill>
+                <a:latin typeface="Segoe UI Light" panose="020B0502040204020203" pitchFamily="34" charset="0"/>
+                <a:cs typeface="Segoe UI Light" panose="020B0502040204020203" pitchFamily="34" charset="0"/>
+              </a:rPr>
+              <a:t>/ TVP</a:t>
+            </a:r>
+            <a:endParaRPr lang="en-US" sz="2000" dirty="0">
+              <a:solidFill>
+                <a:srgbClr val="541764"/>
+              </a:solidFill>
+              <a:latin typeface="Segoe UI Light" panose="020B0502040204020203" pitchFamily="34" charset="0"/>
+              <a:cs typeface="Segoe UI Light" panose="020B0502040204020203" pitchFamily="34" charset="0"/>
+            </a:endParaRPr>
           </a:p>
           <a:p>
             <a:r>
@@ -6814,45 +6821,6 @@
           </a:p>
         </p:txBody>
       </p:sp>
-      <p:pic>
-        <p:nvPicPr>
-          <p:cNvPr id="4" name="Picture 3" descr="cid:image001.png@01CF7417.94D0DEA0">
-            <a:extLst>
-              <a:ext uri="{FF2B5EF4-FFF2-40B4-BE49-F238E27FC236}">
-                <a16:creationId xmlns:a16="http://schemas.microsoft.com/office/drawing/2014/main" id="{2BA709C3-23BE-4FEC-A720-402389A0E657}"/>
-              </a:ext>
-            </a:extLst>
-          </p:cNvPr>
-          <p:cNvPicPr/>
-          <p:nvPr/>
-        </p:nvPicPr>
-        <p:blipFill>
-          <a:blip r:embed="rId3">
-            <a:extLst>
-              <a:ext uri="{28A0092B-C50C-407E-A947-70E740481C1C}">
-                <a14:useLocalDpi xmlns:a14="http://schemas.microsoft.com/office/drawing/2010/main" val="0"/>
-              </a:ext>
-            </a:extLst>
-          </a:blip>
-          <a:srcRect/>
-          <a:stretch>
-            <a:fillRect/>
-          </a:stretch>
-        </p:blipFill>
-        <p:spPr bwMode="auto">
-          <a:xfrm>
-            <a:off x="2074480" y="3396673"/>
-            <a:ext cx="527050" cy="819150"/>
-          </a:xfrm>
-          <a:prstGeom prst="rect">
-            <a:avLst/>
-          </a:prstGeom>
-          <a:noFill/>
-          <a:ln>
-            <a:noFill/>
-          </a:ln>
-        </p:spPr>
-      </p:pic>
       <p:pic>
         <p:nvPicPr>
           <p:cNvPr id="2" name="图片 1">
@@ -6868,7 +6836,7 @@
           <p:nvPr/>
         </p:nvPicPr>
         <p:blipFill>
-          <a:blip r:embed="rId4"/>
+          <a:blip r:embed="rId3"/>
           <a:stretch>
             <a:fillRect/>
           </a:stretch>

--- a/dotnetcoredockerk8s.pptx
+++ b/dotnetcoredockerk8s.pptx
@@ -24,14 +24,14 @@
     <p:sldId id="298" r:id="rId15"/>
     <p:sldId id="322" r:id="rId16"/>
     <p:sldId id="300" r:id="rId17"/>
-    <p:sldId id="273" r:id="rId18"/>
-    <p:sldId id="276" r:id="rId19"/>
-    <p:sldId id="282" r:id="rId20"/>
-    <p:sldId id="284" r:id="rId21"/>
-    <p:sldId id="278" r:id="rId22"/>
-    <p:sldId id="308" r:id="rId23"/>
-    <p:sldId id="285" r:id="rId24"/>
-    <p:sldId id="283" r:id="rId25"/>
+    <p:sldId id="276" r:id="rId18"/>
+    <p:sldId id="282" r:id="rId19"/>
+    <p:sldId id="284" r:id="rId20"/>
+    <p:sldId id="278" r:id="rId21"/>
+    <p:sldId id="308" r:id="rId22"/>
+    <p:sldId id="285" r:id="rId23"/>
+    <p:sldId id="283" r:id="rId24"/>
+    <p:sldId id="273" r:id="rId25"/>
     <p:sldId id="279" r:id="rId26"/>
     <p:sldId id="281" r:id="rId27"/>
     <p:sldId id="280" r:id="rId28"/>
@@ -154,6 +154,13 @@
       </p:ext>
     </p:extLst>
   </p:cmAuthor>
+  <p:cmAuthor id="2" name="张善友" initials="张善友" lastIdx="1" clrIdx="1">
+    <p:extLst>
+      <p:ext uri="{19B8F6BF-5375-455C-9EA6-DF929625EA0E}">
+        <p15:presenceInfo xmlns:p15="http://schemas.microsoft.com/office/powerpoint/2012/main" userId="张善友" providerId="None"/>
+      </p:ext>
+    </p:extLst>
+  </p:cmAuthor>
 </p:cmAuthorLst>
 </file>
 
@@ -267,7 +274,7 @@
           <a:p>
             <a:fld id="{25A0F723-D203-40DC-991B-A58E274D6627}" type="datetimeFigureOut">
               <a:rPr lang="it-IT" smtClean="0"/>
-              <a:t>09/04/2019</a:t>
+              <a:t>12/04/2019</a:t>
             </a:fld>
             <a:endParaRPr lang="it-IT"/>
           </a:p>
@@ -665,13 +672,7 @@
           <a:p>
             <a:r>
               <a:rPr lang="en-US" altLang="zh-CN" dirty="0"/>
-              <a:t>https://github.com/cradle77/DockerGettingStarted</a:t>
-            </a:r>
-          </a:p>
-          <a:p>
-            <a:r>
-              <a:rPr lang="en-US" altLang="zh-CN" dirty="0"/>
-              <a:t>https://github.com/NileshGule/AKS-learning-series</a:t>
+              <a:t>https://docs.microsoft.com/zh-cn/dotnet/standard/containerized-lifecycle-architecture/design-develop-containerized-apps/visual-studio-tools-for-docker</a:t>
             </a:r>
             <a:endParaRPr lang="zh-CN" altLang="en-US" dirty="0"/>
           </a:p>
@@ -703,7 +704,7 @@
     </p:spTree>
     <p:extLst>
       <p:ext uri="{BB962C8B-B14F-4D97-AF65-F5344CB8AC3E}">
-        <p14:creationId xmlns:p14="http://schemas.microsoft.com/office/powerpoint/2010/main" val="235706001"/>
+        <p14:creationId xmlns:p14="http://schemas.microsoft.com/office/powerpoint/2010/main" val="2207910391"/>
       </p:ext>
     </p:extLst>
   </p:cSld>
@@ -714,6 +715,217 @@
 </file>
 
 <file path=ppt/notesSlides/notesSlide11.xml><?xml version="1.0" encoding="utf-8"?>
+<p:notes xmlns:a="http://schemas.openxmlformats.org/drawingml/2006/main" xmlns:r="http://schemas.openxmlformats.org/officeDocument/2006/relationships" xmlns:p="http://schemas.openxmlformats.org/presentationml/2006/main">
+  <p:cSld>
+    <p:spTree>
+      <p:nvGrpSpPr>
+        <p:cNvPr id="1" name=""/>
+        <p:cNvGrpSpPr/>
+        <p:nvPr/>
+      </p:nvGrpSpPr>
+      <p:grpSpPr>
+        <a:xfrm>
+          <a:off x="0" y="0"/>
+          <a:ext cx="0" cy="0"/>
+          <a:chOff x="0" y="0"/>
+          <a:chExt cx="0" cy="0"/>
+        </a:xfrm>
+      </p:grpSpPr>
+      <p:sp>
+        <p:nvSpPr>
+          <p:cNvPr id="2" name="Slide Image Placeholder 1"/>
+          <p:cNvSpPr>
+            <a:spLocks noGrp="1" noRot="1" noChangeAspect="1"/>
+          </p:cNvSpPr>
+          <p:nvPr>
+            <p:ph type="sldImg"/>
+          </p:nvPr>
+        </p:nvSpPr>
+        <p:spPr/>
+      </p:sp>
+      <p:sp>
+        <p:nvSpPr>
+          <p:cNvPr id="3" name="Notes Placeholder 2"/>
+          <p:cNvSpPr>
+            <a:spLocks noGrp="1"/>
+          </p:cNvSpPr>
+          <p:nvPr>
+            <p:ph type="body" idx="1"/>
+          </p:nvPr>
+        </p:nvSpPr>
+        <p:spPr/>
+        <p:txBody>
+          <a:bodyPr/>
+          <a:lstStyle/>
+          <a:p>
+            <a:pPr marL="171450" indent="-171450">
+              <a:buFont typeface="Arial" panose="020B0604020202020204" pitchFamily="34" charset="0"/>
+              <a:buChar char="•"/>
+            </a:pPr>
+            <a:r>
+              <a:rPr lang="en-US" sz="1200" dirty="0">
+                <a:effectLst/>
+              </a:rPr>
+              <a:t>Automatic </a:t>
+            </a:r>
+            <a:r>
+              <a:rPr lang="en-US" sz="1200" dirty="0" err="1">
+                <a:effectLst/>
+              </a:rPr>
+              <a:t>binpacking</a:t>
+            </a:r>
+            <a:endParaRPr lang="en-US" sz="1200" dirty="0">
+              <a:effectLst/>
+            </a:endParaRPr>
+          </a:p>
+          <a:p>
+            <a:pPr marL="171450" indent="-171450">
+              <a:buFont typeface="Arial" panose="020B0604020202020204" pitchFamily="34" charset="0"/>
+              <a:buChar char="•"/>
+            </a:pPr>
+            <a:r>
+              <a:rPr lang="en-US" sz="1200" dirty="0">
+                <a:effectLst/>
+              </a:rPr>
+              <a:t>Self-healing</a:t>
+            </a:r>
+          </a:p>
+          <a:p>
+            <a:pPr marL="171450" indent="-171450">
+              <a:buFont typeface="Arial" panose="020B0604020202020204" pitchFamily="34" charset="0"/>
+              <a:buChar char="•"/>
+            </a:pPr>
+            <a:r>
+              <a:rPr lang="en-US" sz="1200" dirty="0">
+                <a:effectLst/>
+              </a:rPr>
+              <a:t>Horizontal scaling</a:t>
+            </a:r>
+          </a:p>
+          <a:p>
+            <a:pPr marL="171450" indent="-171450">
+              <a:buFont typeface="Arial" panose="020B0604020202020204" pitchFamily="34" charset="0"/>
+              <a:buChar char="•"/>
+            </a:pPr>
+            <a:r>
+              <a:rPr lang="en-US" sz="1200" dirty="0">
+                <a:effectLst/>
+              </a:rPr>
+              <a:t>Service discovery and load balancing</a:t>
+            </a:r>
+          </a:p>
+          <a:p>
+            <a:pPr marL="171450" indent="-171450">
+              <a:buFont typeface="Arial" panose="020B0604020202020204" pitchFamily="34" charset="0"/>
+              <a:buChar char="•"/>
+            </a:pPr>
+            <a:r>
+              <a:rPr lang="en-US" sz="1200" dirty="0">
+                <a:effectLst/>
+              </a:rPr>
+              <a:t>Automated rollouts and rollbacks</a:t>
+            </a:r>
+          </a:p>
+          <a:p>
+            <a:pPr marL="171450" indent="-171450">
+              <a:buFont typeface="Arial" panose="020B0604020202020204" pitchFamily="34" charset="0"/>
+              <a:buChar char="•"/>
+            </a:pPr>
+            <a:r>
+              <a:rPr lang="en-US" sz="1200" dirty="0">
+                <a:effectLst/>
+              </a:rPr>
+              <a:t>Secret and configuration management</a:t>
+            </a:r>
+          </a:p>
+          <a:p>
+            <a:pPr marL="171450" indent="-171450">
+              <a:buFont typeface="Arial" panose="020B0604020202020204" pitchFamily="34" charset="0"/>
+              <a:buChar char="•"/>
+            </a:pPr>
+            <a:r>
+              <a:rPr lang="en-US" sz="1200" dirty="0">
+                <a:effectLst/>
+              </a:rPr>
+              <a:t>Storage orchestration</a:t>
+            </a:r>
+          </a:p>
+          <a:p>
+            <a:pPr marL="171450" indent="-171450">
+              <a:buFont typeface="Arial" panose="020B0604020202020204" pitchFamily="34" charset="0"/>
+              <a:buChar char="•"/>
+            </a:pPr>
+            <a:r>
+              <a:rPr lang="en-US" sz="1200" dirty="0">
+                <a:effectLst/>
+              </a:rPr>
+              <a:t>Batch execution</a:t>
+            </a:r>
+          </a:p>
+          <a:p>
+            <a:endParaRPr lang="en-GB" dirty="0"/>
+          </a:p>
+        </p:txBody>
+      </p:sp>
+      <p:sp>
+        <p:nvSpPr>
+          <p:cNvPr id="4" name="Header Placeholder 3"/>
+          <p:cNvSpPr>
+            <a:spLocks noGrp="1"/>
+          </p:cNvSpPr>
+          <p:nvPr>
+            <p:ph type="hdr" sz="quarter" idx="10"/>
+          </p:nvPr>
+        </p:nvSpPr>
+        <p:spPr/>
+        <p:txBody>
+          <a:bodyPr/>
+          <a:lstStyle/>
+          <a:p>
+            <a:r>
+              <a:rPr lang="en-GB"/>
+              <a:t>Microsoft and Container - Marcus Robinson @techdiction</a:t>
+            </a:r>
+          </a:p>
+        </p:txBody>
+      </p:sp>
+      <p:sp>
+        <p:nvSpPr>
+          <p:cNvPr id="5" name="Slide Number Placeholder 4"/>
+          <p:cNvSpPr>
+            <a:spLocks noGrp="1"/>
+          </p:cNvSpPr>
+          <p:nvPr>
+            <p:ph type="sldNum" sz="quarter" idx="11"/>
+          </p:nvPr>
+        </p:nvSpPr>
+        <p:spPr/>
+        <p:txBody>
+          <a:bodyPr/>
+          <a:lstStyle/>
+          <a:p>
+            <a:fld id="{4BDF79CD-0966-4EE4-BEF0-FA2E43C70310}" type="slidenum">
+              <a:rPr lang="en-GB" smtClean="0"/>
+              <a:t>21</a:t>
+            </a:fld>
+            <a:endParaRPr lang="en-GB"/>
+          </a:p>
+        </p:txBody>
+      </p:sp>
+    </p:spTree>
+    <p:extLst>
+      <p:ext uri="{BB962C8B-B14F-4D97-AF65-F5344CB8AC3E}">
+        <p14:creationId xmlns:p14="http://schemas.microsoft.com/office/powerpoint/2010/main" val="3301043435"/>
+      </p:ext>
+    </p:extLst>
+  </p:cSld>
+  <p:clrMapOvr>
+    <a:masterClrMapping/>
+  </p:clrMapOvr>
+</p:notes>
+</file>
+
+<file path=ppt/notesSlides/notesSlide12.xml><?xml version="1.0" encoding="utf-8"?>
 <p:notes xmlns:a="http://schemas.openxmlformats.org/drawingml/2006/main" xmlns:r="http://schemas.openxmlformats.org/officeDocument/2006/relationships" xmlns:p="http://schemas.openxmlformats.org/presentationml/2006/main">
   <p:cSld>
     <p:spTree>
@@ -757,10 +969,6 @@
           <a:bodyPr/>
           <a:lstStyle/>
           <a:p>
-            <a:r>
-              <a:rPr lang="en-US" altLang="zh-CN" dirty="0"/>
-              <a:t>https://docs.microsoft.com/zh-cn/dotnet/standard/containerized-lifecycle-architecture/design-develop-containerized-apps/visual-studio-tools-for-docker</a:t>
-            </a:r>
             <a:endParaRPr lang="zh-CN" altLang="en-US" dirty="0"/>
           </a:p>
         </p:txBody>
@@ -782,7 +990,7 @@
           <a:p>
             <a:fld id="{7A3A8D60-CBF8-4442-AF5D-1F60FE5FB7A8}" type="slidenum">
               <a:rPr lang="it-IT" smtClean="0"/>
-              <a:t>18</a:t>
+              <a:t>23</a:t>
             </a:fld>
             <a:endParaRPr lang="it-IT"/>
           </a:p>
@@ -791,218 +999,7 @@
     </p:spTree>
     <p:extLst>
       <p:ext uri="{BB962C8B-B14F-4D97-AF65-F5344CB8AC3E}">
-        <p14:creationId xmlns:p14="http://schemas.microsoft.com/office/powerpoint/2010/main" val="2207910391"/>
-      </p:ext>
-    </p:extLst>
-  </p:cSld>
-  <p:clrMapOvr>
-    <a:masterClrMapping/>
-  </p:clrMapOvr>
-</p:notes>
-</file>
-
-<file path=ppt/notesSlides/notesSlide12.xml><?xml version="1.0" encoding="utf-8"?>
-<p:notes xmlns:a="http://schemas.openxmlformats.org/drawingml/2006/main" xmlns:r="http://schemas.openxmlformats.org/officeDocument/2006/relationships" xmlns:p="http://schemas.openxmlformats.org/presentationml/2006/main">
-  <p:cSld>
-    <p:spTree>
-      <p:nvGrpSpPr>
-        <p:cNvPr id="1" name=""/>
-        <p:cNvGrpSpPr/>
-        <p:nvPr/>
-      </p:nvGrpSpPr>
-      <p:grpSpPr>
-        <a:xfrm>
-          <a:off x="0" y="0"/>
-          <a:ext cx="0" cy="0"/>
-          <a:chOff x="0" y="0"/>
-          <a:chExt cx="0" cy="0"/>
-        </a:xfrm>
-      </p:grpSpPr>
-      <p:sp>
-        <p:nvSpPr>
-          <p:cNvPr id="2" name="Slide Image Placeholder 1"/>
-          <p:cNvSpPr>
-            <a:spLocks noGrp="1" noRot="1" noChangeAspect="1"/>
-          </p:cNvSpPr>
-          <p:nvPr>
-            <p:ph type="sldImg"/>
-          </p:nvPr>
-        </p:nvSpPr>
-        <p:spPr/>
-      </p:sp>
-      <p:sp>
-        <p:nvSpPr>
-          <p:cNvPr id="3" name="Notes Placeholder 2"/>
-          <p:cNvSpPr>
-            <a:spLocks noGrp="1"/>
-          </p:cNvSpPr>
-          <p:nvPr>
-            <p:ph type="body" idx="1"/>
-          </p:nvPr>
-        </p:nvSpPr>
-        <p:spPr/>
-        <p:txBody>
-          <a:bodyPr/>
-          <a:lstStyle/>
-          <a:p>
-            <a:pPr marL="171450" indent="-171450">
-              <a:buFont typeface="Arial" panose="020B0604020202020204" pitchFamily="34" charset="0"/>
-              <a:buChar char="•"/>
-            </a:pPr>
-            <a:r>
-              <a:rPr lang="en-US" sz="1200" dirty="0">
-                <a:effectLst/>
-              </a:rPr>
-              <a:t>Automatic </a:t>
-            </a:r>
-            <a:r>
-              <a:rPr lang="en-US" sz="1200" dirty="0" err="1">
-                <a:effectLst/>
-              </a:rPr>
-              <a:t>binpacking</a:t>
-            </a:r>
-            <a:endParaRPr lang="en-US" sz="1200" dirty="0">
-              <a:effectLst/>
-            </a:endParaRPr>
-          </a:p>
-          <a:p>
-            <a:pPr marL="171450" indent="-171450">
-              <a:buFont typeface="Arial" panose="020B0604020202020204" pitchFamily="34" charset="0"/>
-              <a:buChar char="•"/>
-            </a:pPr>
-            <a:r>
-              <a:rPr lang="en-US" sz="1200" dirty="0">
-                <a:effectLst/>
-              </a:rPr>
-              <a:t>Self-healing</a:t>
-            </a:r>
-          </a:p>
-          <a:p>
-            <a:pPr marL="171450" indent="-171450">
-              <a:buFont typeface="Arial" panose="020B0604020202020204" pitchFamily="34" charset="0"/>
-              <a:buChar char="•"/>
-            </a:pPr>
-            <a:r>
-              <a:rPr lang="en-US" sz="1200" dirty="0">
-                <a:effectLst/>
-              </a:rPr>
-              <a:t>Horizontal scaling</a:t>
-            </a:r>
-          </a:p>
-          <a:p>
-            <a:pPr marL="171450" indent="-171450">
-              <a:buFont typeface="Arial" panose="020B0604020202020204" pitchFamily="34" charset="0"/>
-              <a:buChar char="•"/>
-            </a:pPr>
-            <a:r>
-              <a:rPr lang="en-US" sz="1200" dirty="0">
-                <a:effectLst/>
-              </a:rPr>
-              <a:t>Service discovery and load balancing</a:t>
-            </a:r>
-          </a:p>
-          <a:p>
-            <a:pPr marL="171450" indent="-171450">
-              <a:buFont typeface="Arial" panose="020B0604020202020204" pitchFamily="34" charset="0"/>
-              <a:buChar char="•"/>
-            </a:pPr>
-            <a:r>
-              <a:rPr lang="en-US" sz="1200" dirty="0">
-                <a:effectLst/>
-              </a:rPr>
-              <a:t>Automated rollouts and rollbacks</a:t>
-            </a:r>
-          </a:p>
-          <a:p>
-            <a:pPr marL="171450" indent="-171450">
-              <a:buFont typeface="Arial" panose="020B0604020202020204" pitchFamily="34" charset="0"/>
-              <a:buChar char="•"/>
-            </a:pPr>
-            <a:r>
-              <a:rPr lang="en-US" sz="1200" dirty="0">
-                <a:effectLst/>
-              </a:rPr>
-              <a:t>Secret and configuration management</a:t>
-            </a:r>
-          </a:p>
-          <a:p>
-            <a:pPr marL="171450" indent="-171450">
-              <a:buFont typeface="Arial" panose="020B0604020202020204" pitchFamily="34" charset="0"/>
-              <a:buChar char="•"/>
-            </a:pPr>
-            <a:r>
-              <a:rPr lang="en-US" sz="1200" dirty="0">
-                <a:effectLst/>
-              </a:rPr>
-              <a:t>Storage orchestration</a:t>
-            </a:r>
-          </a:p>
-          <a:p>
-            <a:pPr marL="171450" indent="-171450">
-              <a:buFont typeface="Arial" panose="020B0604020202020204" pitchFamily="34" charset="0"/>
-              <a:buChar char="•"/>
-            </a:pPr>
-            <a:r>
-              <a:rPr lang="en-US" sz="1200" dirty="0">
-                <a:effectLst/>
-              </a:rPr>
-              <a:t>Batch execution</a:t>
-            </a:r>
-          </a:p>
-          <a:p>
-            <a:endParaRPr lang="en-GB" dirty="0"/>
-          </a:p>
-        </p:txBody>
-      </p:sp>
-      <p:sp>
-        <p:nvSpPr>
-          <p:cNvPr id="4" name="Header Placeholder 3"/>
-          <p:cNvSpPr>
-            <a:spLocks noGrp="1"/>
-          </p:cNvSpPr>
-          <p:nvPr>
-            <p:ph type="hdr" sz="quarter" idx="10"/>
-          </p:nvPr>
-        </p:nvSpPr>
-        <p:spPr/>
-        <p:txBody>
-          <a:bodyPr/>
-          <a:lstStyle/>
-          <a:p>
-            <a:r>
-              <a:rPr lang="en-GB"/>
-              <a:t>Microsoft and Container - Marcus Robinson @techdiction</a:t>
-            </a:r>
-          </a:p>
-        </p:txBody>
-      </p:sp>
-      <p:sp>
-        <p:nvSpPr>
-          <p:cNvPr id="5" name="Slide Number Placeholder 4"/>
-          <p:cNvSpPr>
-            <a:spLocks noGrp="1"/>
-          </p:cNvSpPr>
-          <p:nvPr>
-            <p:ph type="sldNum" sz="quarter" idx="11"/>
-          </p:nvPr>
-        </p:nvSpPr>
-        <p:spPr/>
-        <p:txBody>
-          <a:bodyPr/>
-          <a:lstStyle/>
-          <a:p>
-            <a:fld id="{4BDF79CD-0966-4EE4-BEF0-FA2E43C70310}" type="slidenum">
-              <a:rPr lang="en-GB" smtClean="0"/>
-              <a:t>22</a:t>
-            </a:fld>
-            <a:endParaRPr lang="en-GB"/>
-          </a:p>
-        </p:txBody>
-      </p:sp>
-    </p:spTree>
-    <p:extLst>
-      <p:ext uri="{BB962C8B-B14F-4D97-AF65-F5344CB8AC3E}">
-        <p14:creationId xmlns:p14="http://schemas.microsoft.com/office/powerpoint/2010/main" val="3301043435"/>
+        <p14:creationId xmlns:p14="http://schemas.microsoft.com/office/powerpoint/2010/main" val="3763938222"/>
       </p:ext>
     </p:extLst>
   </p:cSld>
@@ -1056,6 +1053,16 @@
           <a:bodyPr/>
           <a:lstStyle/>
           <a:p>
+            <a:r>
+              <a:rPr lang="en-US" altLang="zh-CN" dirty="0"/>
+              <a:t>https://docs.microsoft.com/zh-cn/azure/architecture/reference-architectures/microservices/aks</a:t>
+            </a:r>
+          </a:p>
+          <a:p>
+            <a:r>
+              <a:rPr lang="en-US" altLang="zh-CN" dirty="0"/>
+              <a:t>https://github.com/mspnp/microservices-reference-implementation </a:t>
+            </a:r>
             <a:endParaRPr lang="zh-CN" altLang="en-US" dirty="0"/>
           </a:p>
         </p:txBody>
@@ -1086,7 +1093,91 @@
     </p:spTree>
     <p:extLst>
       <p:ext uri="{BB962C8B-B14F-4D97-AF65-F5344CB8AC3E}">
-        <p14:creationId xmlns:p14="http://schemas.microsoft.com/office/powerpoint/2010/main" val="3763938222"/>
+        <p14:creationId xmlns:p14="http://schemas.microsoft.com/office/powerpoint/2010/main" val="235706001"/>
+      </p:ext>
+    </p:extLst>
+  </p:cSld>
+  <p:clrMapOvr>
+    <a:masterClrMapping/>
+  </p:clrMapOvr>
+</p:notes>
+</file>
+
+<file path=ppt/notesSlides/notesSlide14.xml><?xml version="1.0" encoding="utf-8"?>
+<p:notes xmlns:a="http://schemas.openxmlformats.org/drawingml/2006/main" xmlns:r="http://schemas.openxmlformats.org/officeDocument/2006/relationships" xmlns:p="http://schemas.openxmlformats.org/presentationml/2006/main">
+  <p:cSld>
+    <p:spTree>
+      <p:nvGrpSpPr>
+        <p:cNvPr id="1" name=""/>
+        <p:cNvGrpSpPr/>
+        <p:nvPr/>
+      </p:nvGrpSpPr>
+      <p:grpSpPr>
+        <a:xfrm>
+          <a:off x="0" y="0"/>
+          <a:ext cx="0" cy="0"/>
+          <a:chOff x="0" y="0"/>
+          <a:chExt cx="0" cy="0"/>
+        </a:xfrm>
+      </p:grpSpPr>
+      <p:sp>
+        <p:nvSpPr>
+          <p:cNvPr id="2" name="幻灯片图像占位符 1"/>
+          <p:cNvSpPr>
+            <a:spLocks noGrp="1" noRot="1" noChangeAspect="1"/>
+          </p:cNvSpPr>
+          <p:nvPr>
+            <p:ph type="sldImg"/>
+          </p:nvPr>
+        </p:nvSpPr>
+        <p:spPr/>
+      </p:sp>
+      <p:sp>
+        <p:nvSpPr>
+          <p:cNvPr id="3" name="备注占位符 2"/>
+          <p:cNvSpPr>
+            <a:spLocks noGrp="1"/>
+          </p:cNvSpPr>
+          <p:nvPr>
+            <p:ph type="body" idx="1"/>
+          </p:nvPr>
+        </p:nvSpPr>
+        <p:spPr/>
+        <p:txBody>
+          <a:bodyPr/>
+          <a:lstStyle/>
+          <a:p>
+            <a:endParaRPr lang="zh-CN" altLang="en-US" dirty="0"/>
+          </a:p>
+        </p:txBody>
+      </p:sp>
+      <p:sp>
+        <p:nvSpPr>
+          <p:cNvPr id="4" name="灯片编号占位符 3"/>
+          <p:cNvSpPr>
+            <a:spLocks noGrp="1"/>
+          </p:cNvSpPr>
+          <p:nvPr>
+            <p:ph type="sldNum" sz="quarter" idx="5"/>
+          </p:nvPr>
+        </p:nvSpPr>
+        <p:spPr/>
+        <p:txBody>
+          <a:bodyPr/>
+          <a:lstStyle/>
+          <a:p>
+            <a:fld id="{7A3A8D60-CBF8-4442-AF5D-1F60FE5FB7A8}" type="slidenum">
+              <a:rPr lang="it-IT" smtClean="0"/>
+              <a:t>27</a:t>
+            </a:fld>
+            <a:endParaRPr lang="it-IT"/>
+          </a:p>
+        </p:txBody>
+      </p:sp>
+    </p:spTree>
+    <p:extLst>
+      <p:ext uri="{BB962C8B-B14F-4D97-AF65-F5344CB8AC3E}">
+        <p14:creationId xmlns:p14="http://schemas.microsoft.com/office/powerpoint/2010/main" val="4173303599"/>
       </p:ext>
     </p:extLst>
   </p:cSld>
@@ -2326,7 +2417,7 @@
           <a:p>
             <a:fld id="{A57064AC-3FCB-4614-8842-A1085921C17E}" type="datetimeFigureOut">
               <a:rPr lang="it-IT" smtClean="0"/>
-              <a:t>09/04/2019</a:t>
+              <a:t>12/04/2019</a:t>
             </a:fld>
             <a:endParaRPr lang="it-IT"/>
           </a:p>
@@ -2693,7 +2784,7 @@
           <a:p>
             <a:fld id="{A57064AC-3FCB-4614-8842-A1085921C17E}" type="datetimeFigureOut">
               <a:rPr lang="it-IT" smtClean="0"/>
-              <a:t>09/04/2019</a:t>
+              <a:t>12/04/2019</a:t>
             </a:fld>
             <a:endParaRPr lang="it-IT"/>
           </a:p>
@@ -2875,7 +2966,7 @@
           <a:p>
             <a:fld id="{A57064AC-3FCB-4614-8842-A1085921C17E}" type="datetimeFigureOut">
               <a:rPr lang="it-IT" smtClean="0"/>
-              <a:t>09/04/2019</a:t>
+              <a:t>12/04/2019</a:t>
             </a:fld>
             <a:endParaRPr lang="it-IT"/>
           </a:p>
@@ -3067,7 +3158,7 @@
           <a:p>
             <a:fld id="{A57064AC-3FCB-4614-8842-A1085921C17E}" type="datetimeFigureOut">
               <a:rPr lang="it-IT" smtClean="0"/>
-              <a:t>09/04/2019</a:t>
+              <a:t>12/04/2019</a:t>
             </a:fld>
             <a:endParaRPr lang="it-IT"/>
           </a:p>
@@ -3454,7 +3545,7 @@
           <a:p>
             <a:fld id="{A57064AC-3FCB-4614-8842-A1085921C17E}" type="datetimeFigureOut">
               <a:rPr lang="it-IT" smtClean="0"/>
-              <a:t>09/04/2019</a:t>
+              <a:t>12/04/2019</a:t>
             </a:fld>
             <a:endParaRPr lang="it-IT"/>
           </a:p>
@@ -3734,7 +3825,7 @@
           <a:p>
             <a:fld id="{A57064AC-3FCB-4614-8842-A1085921C17E}" type="datetimeFigureOut">
               <a:rPr lang="it-IT" smtClean="0"/>
-              <a:t>09/04/2019</a:t>
+              <a:t>12/04/2019</a:t>
             </a:fld>
             <a:endParaRPr lang="it-IT"/>
           </a:p>
@@ -4095,7 +4186,7 @@
           <a:p>
             <a:fld id="{A57064AC-3FCB-4614-8842-A1085921C17E}" type="datetimeFigureOut">
               <a:rPr lang="it-IT" smtClean="0"/>
-              <a:t>09/04/2019</a:t>
+              <a:t>12/04/2019</a:t>
             </a:fld>
             <a:endParaRPr lang="it-IT"/>
           </a:p>
@@ -4544,7 +4635,7 @@
           <a:p>
             <a:fld id="{A57064AC-3FCB-4614-8842-A1085921C17E}" type="datetimeFigureOut">
               <a:rPr lang="it-IT" smtClean="0"/>
-              <a:t>09/04/2019</a:t>
+              <a:t>12/04/2019</a:t>
             </a:fld>
             <a:endParaRPr lang="it-IT"/>
           </a:p>
@@ -4674,7 +4765,7 @@
           <a:p>
             <a:fld id="{A57064AC-3FCB-4614-8842-A1085921C17E}" type="datetimeFigureOut">
               <a:rPr lang="it-IT" smtClean="0"/>
-              <a:t>09/04/2019</a:t>
+              <a:t>12/04/2019</a:t>
             </a:fld>
             <a:endParaRPr lang="it-IT"/>
           </a:p>
@@ -4789,7 +4880,7 @@
           <a:p>
             <a:fld id="{A57064AC-3FCB-4614-8842-A1085921C17E}" type="datetimeFigureOut">
               <a:rPr lang="it-IT" smtClean="0"/>
-              <a:t>09/04/2019</a:t>
+              <a:t>12/04/2019</a:t>
             </a:fld>
             <a:endParaRPr lang="it-IT"/>
           </a:p>
@@ -5103,7 +5194,7 @@
           <a:p>
             <a:fld id="{A57064AC-3FCB-4614-8842-A1085921C17E}" type="datetimeFigureOut">
               <a:rPr lang="it-IT" smtClean="0"/>
-              <a:t>09/04/2019</a:t>
+              <a:t>12/04/2019</a:t>
             </a:fld>
             <a:endParaRPr lang="it-IT"/>
           </a:p>
@@ -5491,7 +5582,7 @@
           <a:p>
             <a:fld id="{A57064AC-3FCB-4614-8842-A1085921C17E}" type="datetimeFigureOut">
               <a:rPr lang="it-IT" smtClean="0"/>
-              <a:t>09/04/2019</a:t>
+              <a:t>12/04/2019</a:t>
             </a:fld>
             <a:endParaRPr lang="it-IT"/>
           </a:p>
@@ -5838,7 +5929,7 @@
           <a:p>
             <a:fld id="{A57064AC-3FCB-4614-8842-A1085921C17E}" type="datetimeFigureOut">
               <a:rPr lang="it-IT" smtClean="0"/>
-              <a:t>09/04/2019</a:t>
+              <a:t>12/04/2019</a:t>
             </a:fld>
             <a:endParaRPr lang="it-IT"/>
           </a:p>
@@ -25416,408 +25507,6 @@
       </p:grpSpPr>
       <p:sp>
         <p:nvSpPr>
-          <p:cNvPr id="3" name="Title 1"/>
-          <p:cNvSpPr>
-            <a:spLocks noGrp="1"/>
-          </p:cNvSpPr>
-          <p:nvPr/>
-        </p:nvSpPr>
-        <p:spPr>
-          <a:xfrm>
-            <a:off x="535552" y="1064144"/>
-            <a:ext cx="3979297" cy="1355206"/>
-          </a:xfrm>
-          <a:prstGeom prst="rect">
-            <a:avLst/>
-          </a:prstGeom>
-          <a:noFill/>
-        </p:spPr>
-        <p:txBody>
-          <a:bodyPr vert="horz" wrap="square" lIns="146304" tIns="91440" rIns="146304" bIns="91440" rtlCol="0" anchor="t" anchorCtr="0">
-            <a:normAutofit/>
-          </a:bodyPr>
-          <a:lstStyle>
-            <a:lvl1pPr algn="l" defTabSz="914367" rtl="0" eaLnBrk="1" latinLnBrk="0" hangingPunct="1">
-              <a:lnSpc>
-                <a:spcPct val="90000"/>
-              </a:lnSpc>
-              <a:spcBef>
-                <a:spcPct val="0"/>
-              </a:spcBef>
-              <a:buNone/>
-              <a:defRPr lang="en-US" sz="5294" b="0" kern="1200" cap="none" spc="-98" baseline="0">
-                <a:ln w="3175">
-                  <a:noFill/>
-                </a:ln>
-                <a:gradFill>
-                  <a:gsLst>
-                    <a:gs pos="100000">
-                      <a:schemeClr val="tx2"/>
-                    </a:gs>
-                    <a:gs pos="0">
-                      <a:schemeClr val="tx2"/>
-                    </a:gs>
-                  </a:gsLst>
-                  <a:lin ang="5400000" scaled="0"/>
-                </a:gradFill>
-                <a:effectLst/>
-                <a:latin typeface="+mj-lt"/>
-                <a:ea typeface="+mn-ea"/>
-                <a:cs typeface="Segoe UI" pitchFamily="34" charset="0"/>
-              </a:defRPr>
-            </a:lvl1pPr>
-          </a:lstStyle>
-          <a:p>
-            <a:r>
-              <a:rPr lang="it-IT" sz="8000" b="1" dirty="0">
-                <a:solidFill>
-                  <a:srgbClr val="541764"/>
-                </a:solidFill>
-                <a:latin typeface="Segoe UI Light" panose="020B0502040204020203" pitchFamily="34" charset="0"/>
-                <a:cs typeface="Segoe UI Light" panose="020B0502040204020203" pitchFamily="34" charset="0"/>
-              </a:rPr>
-              <a:t>Demo</a:t>
-            </a:r>
-            <a:endParaRPr lang="en-US" sz="8000" b="1" dirty="0">
-              <a:solidFill>
-                <a:srgbClr val="541764"/>
-              </a:solidFill>
-              <a:latin typeface="Segoe UI Light" panose="020B0502040204020203" pitchFamily="34" charset="0"/>
-              <a:cs typeface="Segoe UI Light" panose="020B0502040204020203" pitchFamily="34" charset="0"/>
-            </a:endParaRPr>
-          </a:p>
-        </p:txBody>
-      </p:sp>
-      <p:sp>
-        <p:nvSpPr>
-          <p:cNvPr id="4" name="Subtitle 2"/>
-          <p:cNvSpPr>
-            <a:spLocks noGrp="1"/>
-          </p:cNvSpPr>
-          <p:nvPr/>
-        </p:nvSpPr>
-        <p:spPr>
-          <a:xfrm>
-            <a:off x="535552" y="2419350"/>
-            <a:ext cx="6765360" cy="2225349"/>
-          </a:xfrm>
-          <a:prstGeom prst="rect">
-            <a:avLst/>
-          </a:prstGeom>
-          <a:noFill/>
-        </p:spPr>
-        <p:txBody>
-          <a:bodyPr vert="horz" wrap="square" lIns="146304" tIns="109728" rIns="146304" bIns="109728" rtlCol="0">
-            <a:noAutofit/>
-          </a:bodyPr>
-          <a:lstStyle>
-            <a:lvl1pPr marL="0" marR="0" indent="0" algn="l" defTabSz="914367" rtl="0" eaLnBrk="1" fontAlgn="auto" latinLnBrk="0" hangingPunct="1">
-              <a:lnSpc>
-                <a:spcPct val="90000"/>
-              </a:lnSpc>
-              <a:spcBef>
-                <a:spcPts val="0"/>
-              </a:spcBef>
-              <a:spcAft>
-                <a:spcPts val="0"/>
-              </a:spcAft>
-              <a:buClrTx/>
-              <a:buSzPct val="90000"/>
-              <a:buFont typeface="Arial" pitchFamily="34" charset="0"/>
-              <a:buNone/>
-              <a:tabLst/>
-              <a:defRPr sz="3137" kern="1200" spc="0" baseline="0">
-                <a:gradFill>
-                  <a:gsLst>
-                    <a:gs pos="91000">
-                      <a:schemeClr val="tx1"/>
-                    </a:gs>
-                    <a:gs pos="0">
-                      <a:schemeClr val="tx1"/>
-                    </a:gs>
-                  </a:gsLst>
-                  <a:lin ang="5400000" scaled="0"/>
-                </a:gradFill>
-                <a:latin typeface="+mj-lt"/>
-                <a:ea typeface="+mn-ea"/>
-                <a:cs typeface="+mn-cs"/>
-              </a:defRPr>
-            </a:lvl1pPr>
-            <a:lvl2pPr marL="572691" marR="0" indent="-236546" algn="l" defTabSz="914367" rtl="0" eaLnBrk="1" fontAlgn="auto" latinLnBrk="0" hangingPunct="1">
-              <a:lnSpc>
-                <a:spcPct val="90000"/>
-              </a:lnSpc>
-              <a:spcBef>
-                <a:spcPct val="20000"/>
-              </a:spcBef>
-              <a:spcAft>
-                <a:spcPts val="0"/>
-              </a:spcAft>
-              <a:buClrTx/>
-              <a:buSzPct val="90000"/>
-              <a:buFont typeface="Arial" pitchFamily="34" charset="0"/>
-              <a:buChar char="•"/>
-              <a:tabLst/>
-              <a:defRPr sz="2353" kern="1200" spc="0" baseline="0">
-                <a:gradFill>
-                  <a:gsLst>
-                    <a:gs pos="1250">
-                      <a:schemeClr val="tx1"/>
-                    </a:gs>
-                    <a:gs pos="100000">
-                      <a:schemeClr val="tx1"/>
-                    </a:gs>
-                  </a:gsLst>
-                  <a:lin ang="5400000" scaled="0"/>
-                </a:gradFill>
-                <a:latin typeface="+mn-lt"/>
-                <a:ea typeface="+mn-ea"/>
-                <a:cs typeface="+mn-cs"/>
-              </a:defRPr>
-            </a:lvl2pPr>
-            <a:lvl3pPr marL="784338" marR="0" indent="-224097" algn="l" defTabSz="914367" rtl="0" eaLnBrk="1" fontAlgn="auto" latinLnBrk="0" hangingPunct="1">
-              <a:lnSpc>
-                <a:spcPct val="90000"/>
-              </a:lnSpc>
-              <a:spcBef>
-                <a:spcPct val="20000"/>
-              </a:spcBef>
-              <a:spcAft>
-                <a:spcPts val="0"/>
-              </a:spcAft>
-              <a:buClrTx/>
-              <a:buSzPct val="90000"/>
-              <a:buFont typeface="Arial" pitchFamily="34" charset="0"/>
-              <a:buChar char="•"/>
-              <a:tabLst/>
-              <a:defRPr sz="1961" kern="1200" spc="0" baseline="0">
-                <a:gradFill>
-                  <a:gsLst>
-                    <a:gs pos="1250">
-                      <a:schemeClr val="tx1"/>
-                    </a:gs>
-                    <a:gs pos="100000">
-                      <a:schemeClr val="tx1"/>
-                    </a:gs>
-                  </a:gsLst>
-                  <a:lin ang="5400000" scaled="0"/>
-                </a:gradFill>
-                <a:latin typeface="+mn-lt"/>
-                <a:ea typeface="+mn-ea"/>
-                <a:cs typeface="+mn-cs"/>
-              </a:defRPr>
-            </a:lvl3pPr>
-            <a:lvl4pPr marL="1008435" marR="0" indent="-224097" algn="l" defTabSz="914367" rtl="0" eaLnBrk="1" fontAlgn="auto" latinLnBrk="0" hangingPunct="1">
-              <a:lnSpc>
-                <a:spcPct val="90000"/>
-              </a:lnSpc>
-              <a:spcBef>
-                <a:spcPct val="20000"/>
-              </a:spcBef>
-              <a:spcAft>
-                <a:spcPts val="0"/>
-              </a:spcAft>
-              <a:buClrTx/>
-              <a:buSzPct val="90000"/>
-              <a:buFont typeface="Arial" pitchFamily="34" charset="0"/>
-              <a:buChar char="•"/>
-              <a:tabLst/>
-              <a:defRPr sz="1765" kern="1200" spc="0" baseline="0">
-                <a:gradFill>
-                  <a:gsLst>
-                    <a:gs pos="1250">
-                      <a:schemeClr val="tx1"/>
-                    </a:gs>
-                    <a:gs pos="100000">
-                      <a:schemeClr val="tx1"/>
-                    </a:gs>
-                  </a:gsLst>
-                  <a:lin ang="5400000" scaled="0"/>
-                </a:gradFill>
-                <a:latin typeface="+mn-lt"/>
-                <a:ea typeface="+mn-ea"/>
-                <a:cs typeface="+mn-cs"/>
-              </a:defRPr>
-            </a:lvl4pPr>
-            <a:lvl5pPr marL="1232531" marR="0" indent="-224097" algn="l" defTabSz="914367" rtl="0" eaLnBrk="1" fontAlgn="auto" latinLnBrk="0" hangingPunct="1">
-              <a:lnSpc>
-                <a:spcPct val="90000"/>
-              </a:lnSpc>
-              <a:spcBef>
-                <a:spcPct val="20000"/>
-              </a:spcBef>
-              <a:spcAft>
-                <a:spcPts val="0"/>
-              </a:spcAft>
-              <a:buClrTx/>
-              <a:buSzPct val="90000"/>
-              <a:buFont typeface="Arial" pitchFamily="34" charset="0"/>
-              <a:buChar char="•"/>
-              <a:tabLst/>
-              <a:defRPr sz="1765" kern="1200" spc="0" baseline="0">
-                <a:gradFill>
-                  <a:gsLst>
-                    <a:gs pos="1250">
-                      <a:schemeClr val="tx1"/>
-                    </a:gs>
-                    <a:gs pos="100000">
-                      <a:schemeClr val="tx1"/>
-                    </a:gs>
-                  </a:gsLst>
-                  <a:lin ang="5400000" scaled="0"/>
-                </a:gradFill>
-                <a:latin typeface="+mn-lt"/>
-                <a:ea typeface="+mn-ea"/>
-                <a:cs typeface="+mn-cs"/>
-              </a:defRPr>
-            </a:lvl5pPr>
-            <a:lvl6pPr marL="2514509" indent="-228592" algn="l" defTabSz="914367" rtl="0" eaLnBrk="1" latinLnBrk="0" hangingPunct="1">
-              <a:spcBef>
-                <a:spcPct val="20000"/>
-              </a:spcBef>
-              <a:buFont typeface="Arial" pitchFamily="34" charset="0"/>
-              <a:buChar char="•"/>
-              <a:defRPr sz="1961" kern="1200">
-                <a:solidFill>
-                  <a:schemeClr val="tx1"/>
-                </a:solidFill>
-                <a:latin typeface="+mn-lt"/>
-                <a:ea typeface="+mn-ea"/>
-                <a:cs typeface="+mn-cs"/>
-              </a:defRPr>
-            </a:lvl6pPr>
-            <a:lvl7pPr marL="2971693" indent="-228592" algn="l" defTabSz="914367" rtl="0" eaLnBrk="1" latinLnBrk="0" hangingPunct="1">
-              <a:spcBef>
-                <a:spcPct val="20000"/>
-              </a:spcBef>
-              <a:buFont typeface="Arial" pitchFamily="34" charset="0"/>
-              <a:buChar char="•"/>
-              <a:defRPr sz="1961" kern="1200">
-                <a:solidFill>
-                  <a:schemeClr val="tx1"/>
-                </a:solidFill>
-                <a:latin typeface="+mn-lt"/>
-                <a:ea typeface="+mn-ea"/>
-                <a:cs typeface="+mn-cs"/>
-              </a:defRPr>
-            </a:lvl7pPr>
-            <a:lvl8pPr marL="3428877" indent="-228592" algn="l" defTabSz="914367" rtl="0" eaLnBrk="1" latinLnBrk="0" hangingPunct="1">
-              <a:spcBef>
-                <a:spcPct val="20000"/>
-              </a:spcBef>
-              <a:buFont typeface="Arial" pitchFamily="34" charset="0"/>
-              <a:buChar char="•"/>
-              <a:defRPr sz="1961" kern="1200">
-                <a:solidFill>
-                  <a:schemeClr val="tx1"/>
-                </a:solidFill>
-                <a:latin typeface="+mn-lt"/>
-                <a:ea typeface="+mn-ea"/>
-                <a:cs typeface="+mn-cs"/>
-              </a:defRPr>
-            </a:lvl8pPr>
-            <a:lvl9pPr marL="3886061" indent="-228592" algn="l" defTabSz="914367" rtl="0" eaLnBrk="1" latinLnBrk="0" hangingPunct="1">
-              <a:spcBef>
-                <a:spcPct val="20000"/>
-              </a:spcBef>
-              <a:buFont typeface="Arial" pitchFamily="34" charset="0"/>
-              <a:buChar char="•"/>
-              <a:defRPr sz="1961" kern="1200">
-                <a:solidFill>
-                  <a:schemeClr val="tx1"/>
-                </a:solidFill>
-                <a:latin typeface="+mn-lt"/>
-                <a:ea typeface="+mn-ea"/>
-                <a:cs typeface="+mn-cs"/>
-              </a:defRPr>
-            </a:lvl9pPr>
-          </a:lstStyle>
-          <a:p>
-            <a:endParaRPr lang="en-US" sz="3200" dirty="0">
-              <a:solidFill>
-                <a:srgbClr val="541764"/>
-              </a:solidFill>
-              <a:latin typeface="Segoe UI Light" panose="020B0502040204020203" pitchFamily="34" charset="0"/>
-              <a:cs typeface="Segoe UI Light" panose="020B0502040204020203" pitchFamily="34" charset="0"/>
-            </a:endParaRPr>
-          </a:p>
-        </p:txBody>
-      </p:sp>
-      <p:sp>
-        <p:nvSpPr>
-          <p:cNvPr id="2" name="矩形 1">
-            <a:extLst>
-              <a:ext uri="{FF2B5EF4-FFF2-40B4-BE49-F238E27FC236}">
-                <a16:creationId xmlns:a16="http://schemas.microsoft.com/office/drawing/2014/main" id="{E1F66095-95DA-45B9-9C77-F49C35C4656B}"/>
-              </a:ext>
-            </a:extLst>
-          </p:cNvPr>
-          <p:cNvSpPr/>
-          <p:nvPr/>
-        </p:nvSpPr>
-        <p:spPr>
-          <a:xfrm>
-            <a:off x="3375497" y="2830749"/>
-            <a:ext cx="5700409" cy="369332"/>
-          </a:xfrm>
-          <a:prstGeom prst="rect">
-            <a:avLst/>
-          </a:prstGeom>
-        </p:spPr>
-        <p:txBody>
-          <a:bodyPr wrap="square">
-            <a:spAutoFit/>
-          </a:bodyPr>
-          <a:lstStyle/>
-          <a:p>
-            <a:r>
-              <a:rPr lang="en-US" altLang="zh-CN" dirty="0"/>
-              <a:t>https://github.com/NileshGule/AKS-learning-series</a:t>
-            </a:r>
-            <a:endParaRPr lang="zh-CN" altLang="en-US" dirty="0"/>
-          </a:p>
-        </p:txBody>
-      </p:sp>
-    </p:spTree>
-    <p:extLst>
-      <p:ext uri="{BB962C8B-B14F-4D97-AF65-F5344CB8AC3E}">
-        <p14:creationId xmlns:p14="http://schemas.microsoft.com/office/powerpoint/2010/main" val="3157464790"/>
-      </p:ext>
-    </p:extLst>
-  </p:cSld>
-  <p:clrMapOvr>
-    <a:masterClrMapping/>
-  </p:clrMapOvr>
-  <mc:AlternateContent xmlns:mc="http://schemas.openxmlformats.org/markup-compatibility/2006" xmlns:p14="http://schemas.microsoft.com/office/powerpoint/2010/main">
-    <mc:Choice Requires="p14">
-      <p:transition p14:dur="0"/>
-    </mc:Choice>
-    <mc:Fallback xmlns="">
-      <p:transition/>
-    </mc:Fallback>
-  </mc:AlternateContent>
-</p:sld>
-</file>
-
-<file path=ppt/slides/slide18.xml><?xml version="1.0" encoding="utf-8"?>
-<p:sld xmlns:a="http://schemas.openxmlformats.org/drawingml/2006/main" xmlns:r="http://schemas.openxmlformats.org/officeDocument/2006/relationships" xmlns:p="http://schemas.openxmlformats.org/presentationml/2006/main">
-  <p:cSld>
-    <p:spTree>
-      <p:nvGrpSpPr>
-        <p:cNvPr id="1" name=""/>
-        <p:cNvGrpSpPr/>
-        <p:nvPr/>
-      </p:nvGrpSpPr>
-      <p:grpSpPr>
-        <a:xfrm>
-          <a:off x="0" y="0"/>
-          <a:ext cx="0" cy="0"/>
-          <a:chOff x="0" y="0"/>
-          <a:chExt cx="0" cy="0"/>
-        </a:xfrm>
-      </p:grpSpPr>
-      <p:sp>
-        <p:nvSpPr>
           <p:cNvPr id="8" name="Rectangle 7">
             <a:extLst>
               <a:ext uri="{FF2B5EF4-FFF2-40B4-BE49-F238E27FC236}">
@@ -26802,7 +26491,7 @@
 </p:sld>
 </file>
 
-<file path=ppt/slides/slide19.xml><?xml version="1.0" encoding="utf-8"?>
+<file path=ppt/slides/slide18.xml><?xml version="1.0" encoding="utf-8"?>
 <p:sld xmlns:a="http://schemas.openxmlformats.org/drawingml/2006/main" xmlns:r="http://schemas.openxmlformats.org/officeDocument/2006/relationships" xmlns:p="http://schemas.openxmlformats.org/presentationml/2006/main">
   <p:cSld>
     <p:spTree>
@@ -32494,469 +32183,7 @@
 </p:sld>
 </file>
 
-<file path=ppt/slides/slide2.xml><?xml version="1.0" encoding="utf-8"?>
-<p:sld xmlns:a="http://schemas.openxmlformats.org/drawingml/2006/main" xmlns:r="http://schemas.openxmlformats.org/officeDocument/2006/relationships" xmlns:p="http://schemas.openxmlformats.org/presentationml/2006/main">
-  <p:cSld>
-    <p:spTree>
-      <p:nvGrpSpPr>
-        <p:cNvPr id="1" name=""/>
-        <p:cNvGrpSpPr/>
-        <p:nvPr/>
-      </p:nvGrpSpPr>
-      <p:grpSpPr>
-        <a:xfrm>
-          <a:off x="0" y="0"/>
-          <a:ext cx="0" cy="0"/>
-          <a:chOff x="0" y="0"/>
-          <a:chExt cx="0" cy="0"/>
-        </a:xfrm>
-      </p:grpSpPr>
-      <p:sp>
-        <p:nvSpPr>
-          <p:cNvPr id="3" name="Title 1"/>
-          <p:cNvSpPr>
-            <a:spLocks noGrp="1"/>
-          </p:cNvSpPr>
-          <p:nvPr/>
-        </p:nvSpPr>
-        <p:spPr>
-          <a:xfrm>
-            <a:off x="535552" y="1064144"/>
-            <a:ext cx="3979297" cy="1355206"/>
-          </a:xfrm>
-          <a:prstGeom prst="rect">
-            <a:avLst/>
-          </a:prstGeom>
-          <a:noFill/>
-        </p:spPr>
-        <p:txBody>
-          <a:bodyPr vert="horz" wrap="square" lIns="146304" tIns="91440" rIns="146304" bIns="91440" rtlCol="0" anchor="t" anchorCtr="0">
-            <a:normAutofit/>
-          </a:bodyPr>
-          <a:lstStyle>
-            <a:lvl1pPr algn="l" defTabSz="914367" rtl="0" eaLnBrk="1" latinLnBrk="0" hangingPunct="1">
-              <a:lnSpc>
-                <a:spcPct val="90000"/>
-              </a:lnSpc>
-              <a:spcBef>
-                <a:spcPct val="0"/>
-              </a:spcBef>
-              <a:buNone/>
-              <a:defRPr lang="en-US" sz="5294" b="0" kern="1200" cap="none" spc="-98" baseline="0">
-                <a:ln w="3175">
-                  <a:noFill/>
-                </a:ln>
-                <a:gradFill>
-                  <a:gsLst>
-                    <a:gs pos="100000">
-                      <a:schemeClr val="tx2"/>
-                    </a:gs>
-                    <a:gs pos="0">
-                      <a:schemeClr val="tx2"/>
-                    </a:gs>
-                  </a:gsLst>
-                  <a:lin ang="5400000" scaled="0"/>
-                </a:gradFill>
-                <a:effectLst/>
-                <a:latin typeface="+mj-lt"/>
-                <a:ea typeface="+mn-ea"/>
-                <a:cs typeface="Segoe UI" pitchFamily="34" charset="0"/>
-              </a:defRPr>
-            </a:lvl1pPr>
-          </a:lstStyle>
-          <a:p>
-            <a:r>
-              <a:rPr lang="it-IT" sz="8000" b="1" dirty="0">
-                <a:solidFill>
-                  <a:srgbClr val="541764"/>
-                </a:solidFill>
-                <a:latin typeface="Segoe UI Light" panose="020B0502040204020203" pitchFamily="34" charset="0"/>
-                <a:cs typeface="Segoe UI Light" panose="020B0502040204020203" pitchFamily="34" charset="0"/>
-              </a:rPr>
-              <a:t>Agenda</a:t>
-            </a:r>
-            <a:endParaRPr lang="en-US" sz="8000" b="1" dirty="0">
-              <a:solidFill>
-                <a:srgbClr val="541764"/>
-              </a:solidFill>
-              <a:latin typeface="Segoe UI Light" panose="020B0502040204020203" pitchFamily="34" charset="0"/>
-              <a:cs typeface="Segoe UI Light" panose="020B0502040204020203" pitchFamily="34" charset="0"/>
-            </a:endParaRPr>
-          </a:p>
-        </p:txBody>
-      </p:sp>
-      <p:sp>
-        <p:nvSpPr>
-          <p:cNvPr id="4" name="Subtitle 2"/>
-          <p:cNvSpPr>
-            <a:spLocks noGrp="1"/>
-          </p:cNvSpPr>
-          <p:nvPr/>
-        </p:nvSpPr>
-        <p:spPr>
-          <a:xfrm>
-            <a:off x="1003835" y="2584720"/>
-            <a:ext cx="10184329" cy="2755765"/>
-          </a:xfrm>
-          <a:prstGeom prst="rect">
-            <a:avLst/>
-          </a:prstGeom>
-          <a:noFill/>
-        </p:spPr>
-        <p:txBody>
-          <a:bodyPr vert="horz" wrap="square" lIns="146304" tIns="109728" rIns="146304" bIns="109728" rtlCol="0">
-            <a:noAutofit/>
-          </a:bodyPr>
-          <a:lstStyle>
-            <a:lvl1pPr marL="0" marR="0" indent="0" algn="l" defTabSz="914367" rtl="0" eaLnBrk="1" fontAlgn="auto" latinLnBrk="0" hangingPunct="1">
-              <a:lnSpc>
-                <a:spcPct val="90000"/>
-              </a:lnSpc>
-              <a:spcBef>
-                <a:spcPts val="0"/>
-              </a:spcBef>
-              <a:spcAft>
-                <a:spcPts val="0"/>
-              </a:spcAft>
-              <a:buClrTx/>
-              <a:buSzPct val="90000"/>
-              <a:buFont typeface="Arial" pitchFamily="34" charset="0"/>
-              <a:buNone/>
-              <a:tabLst/>
-              <a:defRPr sz="3137" kern="1200" spc="0" baseline="0">
-                <a:gradFill>
-                  <a:gsLst>
-                    <a:gs pos="91000">
-                      <a:schemeClr val="tx1"/>
-                    </a:gs>
-                    <a:gs pos="0">
-                      <a:schemeClr val="tx1"/>
-                    </a:gs>
-                  </a:gsLst>
-                  <a:lin ang="5400000" scaled="0"/>
-                </a:gradFill>
-                <a:latin typeface="+mj-lt"/>
-                <a:ea typeface="+mn-ea"/>
-                <a:cs typeface="+mn-cs"/>
-              </a:defRPr>
-            </a:lvl1pPr>
-            <a:lvl2pPr marL="572691" marR="0" indent="-236546" algn="l" defTabSz="914367" rtl="0" eaLnBrk="1" fontAlgn="auto" latinLnBrk="0" hangingPunct="1">
-              <a:lnSpc>
-                <a:spcPct val="90000"/>
-              </a:lnSpc>
-              <a:spcBef>
-                <a:spcPct val="20000"/>
-              </a:spcBef>
-              <a:spcAft>
-                <a:spcPts val="0"/>
-              </a:spcAft>
-              <a:buClrTx/>
-              <a:buSzPct val="90000"/>
-              <a:buFont typeface="Arial" pitchFamily="34" charset="0"/>
-              <a:buChar char="•"/>
-              <a:tabLst/>
-              <a:defRPr sz="2353" kern="1200" spc="0" baseline="0">
-                <a:gradFill>
-                  <a:gsLst>
-                    <a:gs pos="1250">
-                      <a:schemeClr val="tx1"/>
-                    </a:gs>
-                    <a:gs pos="100000">
-                      <a:schemeClr val="tx1"/>
-                    </a:gs>
-                  </a:gsLst>
-                  <a:lin ang="5400000" scaled="0"/>
-                </a:gradFill>
-                <a:latin typeface="+mn-lt"/>
-                <a:ea typeface="+mn-ea"/>
-                <a:cs typeface="+mn-cs"/>
-              </a:defRPr>
-            </a:lvl2pPr>
-            <a:lvl3pPr marL="784338" marR="0" indent="-224097" algn="l" defTabSz="914367" rtl="0" eaLnBrk="1" fontAlgn="auto" latinLnBrk="0" hangingPunct="1">
-              <a:lnSpc>
-                <a:spcPct val="90000"/>
-              </a:lnSpc>
-              <a:spcBef>
-                <a:spcPct val="20000"/>
-              </a:spcBef>
-              <a:spcAft>
-                <a:spcPts val="0"/>
-              </a:spcAft>
-              <a:buClrTx/>
-              <a:buSzPct val="90000"/>
-              <a:buFont typeface="Arial" pitchFamily="34" charset="0"/>
-              <a:buChar char="•"/>
-              <a:tabLst/>
-              <a:defRPr sz="1961" kern="1200" spc="0" baseline="0">
-                <a:gradFill>
-                  <a:gsLst>
-                    <a:gs pos="1250">
-                      <a:schemeClr val="tx1"/>
-                    </a:gs>
-                    <a:gs pos="100000">
-                      <a:schemeClr val="tx1"/>
-                    </a:gs>
-                  </a:gsLst>
-                  <a:lin ang="5400000" scaled="0"/>
-                </a:gradFill>
-                <a:latin typeface="+mn-lt"/>
-                <a:ea typeface="+mn-ea"/>
-                <a:cs typeface="+mn-cs"/>
-              </a:defRPr>
-            </a:lvl3pPr>
-            <a:lvl4pPr marL="1008435" marR="0" indent="-224097" algn="l" defTabSz="914367" rtl="0" eaLnBrk="1" fontAlgn="auto" latinLnBrk="0" hangingPunct="1">
-              <a:lnSpc>
-                <a:spcPct val="90000"/>
-              </a:lnSpc>
-              <a:spcBef>
-                <a:spcPct val="20000"/>
-              </a:spcBef>
-              <a:spcAft>
-                <a:spcPts val="0"/>
-              </a:spcAft>
-              <a:buClrTx/>
-              <a:buSzPct val="90000"/>
-              <a:buFont typeface="Arial" pitchFamily="34" charset="0"/>
-              <a:buChar char="•"/>
-              <a:tabLst/>
-              <a:defRPr sz="1765" kern="1200" spc="0" baseline="0">
-                <a:gradFill>
-                  <a:gsLst>
-                    <a:gs pos="1250">
-                      <a:schemeClr val="tx1"/>
-                    </a:gs>
-                    <a:gs pos="100000">
-                      <a:schemeClr val="tx1"/>
-                    </a:gs>
-                  </a:gsLst>
-                  <a:lin ang="5400000" scaled="0"/>
-                </a:gradFill>
-                <a:latin typeface="+mn-lt"/>
-                <a:ea typeface="+mn-ea"/>
-                <a:cs typeface="+mn-cs"/>
-              </a:defRPr>
-            </a:lvl4pPr>
-            <a:lvl5pPr marL="1232531" marR="0" indent="-224097" algn="l" defTabSz="914367" rtl="0" eaLnBrk="1" fontAlgn="auto" latinLnBrk="0" hangingPunct="1">
-              <a:lnSpc>
-                <a:spcPct val="90000"/>
-              </a:lnSpc>
-              <a:spcBef>
-                <a:spcPct val="20000"/>
-              </a:spcBef>
-              <a:spcAft>
-                <a:spcPts val="0"/>
-              </a:spcAft>
-              <a:buClrTx/>
-              <a:buSzPct val="90000"/>
-              <a:buFont typeface="Arial" pitchFamily="34" charset="0"/>
-              <a:buChar char="•"/>
-              <a:tabLst/>
-              <a:defRPr sz="1765" kern="1200" spc="0" baseline="0">
-                <a:gradFill>
-                  <a:gsLst>
-                    <a:gs pos="1250">
-                      <a:schemeClr val="tx1"/>
-                    </a:gs>
-                    <a:gs pos="100000">
-                      <a:schemeClr val="tx1"/>
-                    </a:gs>
-                  </a:gsLst>
-                  <a:lin ang="5400000" scaled="0"/>
-                </a:gradFill>
-                <a:latin typeface="+mn-lt"/>
-                <a:ea typeface="+mn-ea"/>
-                <a:cs typeface="+mn-cs"/>
-              </a:defRPr>
-            </a:lvl5pPr>
-            <a:lvl6pPr marL="2514509" indent="-228592" algn="l" defTabSz="914367" rtl="0" eaLnBrk="1" latinLnBrk="0" hangingPunct="1">
-              <a:spcBef>
-                <a:spcPct val="20000"/>
-              </a:spcBef>
-              <a:buFont typeface="Arial" pitchFamily="34" charset="0"/>
-              <a:buChar char="•"/>
-              <a:defRPr sz="1961" kern="1200">
-                <a:solidFill>
-                  <a:schemeClr val="tx1"/>
-                </a:solidFill>
-                <a:latin typeface="+mn-lt"/>
-                <a:ea typeface="+mn-ea"/>
-                <a:cs typeface="+mn-cs"/>
-              </a:defRPr>
-            </a:lvl6pPr>
-            <a:lvl7pPr marL="2971693" indent="-228592" algn="l" defTabSz="914367" rtl="0" eaLnBrk="1" latinLnBrk="0" hangingPunct="1">
-              <a:spcBef>
-                <a:spcPct val="20000"/>
-              </a:spcBef>
-              <a:buFont typeface="Arial" pitchFamily="34" charset="0"/>
-              <a:buChar char="•"/>
-              <a:defRPr sz="1961" kern="1200">
-                <a:solidFill>
-                  <a:schemeClr val="tx1"/>
-                </a:solidFill>
-                <a:latin typeface="+mn-lt"/>
-                <a:ea typeface="+mn-ea"/>
-                <a:cs typeface="+mn-cs"/>
-              </a:defRPr>
-            </a:lvl7pPr>
-            <a:lvl8pPr marL="3428877" indent="-228592" algn="l" defTabSz="914367" rtl="0" eaLnBrk="1" latinLnBrk="0" hangingPunct="1">
-              <a:spcBef>
-                <a:spcPct val="20000"/>
-              </a:spcBef>
-              <a:buFont typeface="Arial" pitchFamily="34" charset="0"/>
-              <a:buChar char="•"/>
-              <a:defRPr sz="1961" kern="1200">
-                <a:solidFill>
-                  <a:schemeClr val="tx1"/>
-                </a:solidFill>
-                <a:latin typeface="+mn-lt"/>
-                <a:ea typeface="+mn-ea"/>
-                <a:cs typeface="+mn-cs"/>
-              </a:defRPr>
-            </a:lvl8pPr>
-            <a:lvl9pPr marL="3886061" indent="-228592" algn="l" defTabSz="914367" rtl="0" eaLnBrk="1" latinLnBrk="0" hangingPunct="1">
-              <a:spcBef>
-                <a:spcPct val="20000"/>
-              </a:spcBef>
-              <a:buFont typeface="Arial" pitchFamily="34" charset="0"/>
-              <a:buChar char="•"/>
-              <a:defRPr sz="1961" kern="1200">
-                <a:solidFill>
-                  <a:schemeClr val="tx1"/>
-                </a:solidFill>
-                <a:latin typeface="+mn-lt"/>
-                <a:ea typeface="+mn-ea"/>
-                <a:cs typeface="+mn-cs"/>
-              </a:defRPr>
-            </a:lvl9pPr>
-          </a:lstStyle>
-          <a:p>
-            <a:pPr marL="457200" indent="-457200">
-              <a:buFontTx/>
-              <a:buChar char="-"/>
-            </a:pPr>
-            <a:r>
-              <a:rPr lang="en-GB" sz="3200" dirty="0">
-                <a:solidFill>
-                  <a:srgbClr val="541764"/>
-                </a:solidFill>
-                <a:latin typeface="Segoe UI Light" panose="020B0502040204020203" pitchFamily="34" charset="0"/>
-                <a:cs typeface="Segoe UI Light" panose="020B0502040204020203" pitchFamily="34" charset="0"/>
-              </a:rPr>
-              <a:t>Principles of Microservices</a:t>
-            </a:r>
-          </a:p>
-          <a:p>
-            <a:pPr marL="457200" indent="-457200">
-              <a:buFontTx/>
-              <a:buChar char="-"/>
-            </a:pPr>
-            <a:r>
-              <a:rPr lang="en-GB" altLang="zh-CN" sz="3200" dirty="0">
-                <a:solidFill>
-                  <a:srgbClr val="541764"/>
-                </a:solidFill>
-                <a:latin typeface="Segoe UI Light" panose="020B0502040204020203" pitchFamily="34" charset="0"/>
-                <a:cs typeface="Segoe UI Light" panose="020B0502040204020203" pitchFamily="34" charset="0"/>
-              </a:rPr>
-              <a:t>.NET Core</a:t>
-            </a:r>
-            <a:endParaRPr lang="en-GB" sz="3200" dirty="0">
-              <a:solidFill>
-                <a:srgbClr val="541764"/>
-              </a:solidFill>
-              <a:latin typeface="Segoe UI Light" panose="020B0502040204020203" pitchFamily="34" charset="0"/>
-              <a:cs typeface="Segoe UI Light" panose="020B0502040204020203" pitchFamily="34" charset="0"/>
-            </a:endParaRPr>
-          </a:p>
-          <a:p>
-            <a:pPr marL="457200" indent="-457200">
-              <a:buFontTx/>
-              <a:buChar char="-"/>
-            </a:pPr>
-            <a:r>
-              <a:rPr lang="en-GB" sz="3200" dirty="0">
-                <a:solidFill>
-                  <a:srgbClr val="541764"/>
-                </a:solidFill>
-                <a:latin typeface="Segoe UI Light" panose="020B0502040204020203" pitchFamily="34" charset="0"/>
-                <a:cs typeface="Segoe UI Light" panose="020B0502040204020203" pitchFamily="34" charset="0"/>
-              </a:rPr>
-              <a:t>What’s Docker and why should I care</a:t>
-            </a:r>
-            <a:endParaRPr lang="it-IT" sz="3200" dirty="0">
-              <a:solidFill>
-                <a:srgbClr val="541764"/>
-              </a:solidFill>
-              <a:latin typeface="Segoe UI Light" panose="020B0502040204020203" pitchFamily="34" charset="0"/>
-              <a:cs typeface="Segoe UI Light" panose="020B0502040204020203" pitchFamily="34" charset="0"/>
-            </a:endParaRPr>
-          </a:p>
-          <a:p>
-            <a:pPr marL="457200" indent="-457200">
-              <a:buFontTx/>
-              <a:buChar char="-"/>
-            </a:pPr>
-            <a:r>
-              <a:rPr lang="it-IT" sz="3200" dirty="0">
-                <a:solidFill>
-                  <a:srgbClr val="541764"/>
-                </a:solidFill>
-                <a:latin typeface="Segoe UI Light" panose="020B0502040204020203" pitchFamily="34" charset="0"/>
-                <a:cs typeface="Segoe UI Light" panose="020B0502040204020203" pitchFamily="34" charset="0"/>
-              </a:rPr>
-              <a:t>ASP.NET Core </a:t>
-            </a:r>
-            <a:r>
-              <a:rPr lang="en-GB" sz="3200" dirty="0">
-                <a:solidFill>
-                  <a:srgbClr val="541764"/>
-                </a:solidFill>
-                <a:latin typeface="Segoe UI Light" panose="020B0502040204020203" pitchFamily="34" charset="0"/>
-                <a:cs typeface="Segoe UI Light" panose="020B0502040204020203" pitchFamily="34" charset="0"/>
-              </a:rPr>
-              <a:t>&amp; Docker</a:t>
-            </a:r>
-          </a:p>
-          <a:p>
-            <a:pPr marL="457200" indent="-457200">
-              <a:buFontTx/>
-              <a:buChar char="-"/>
-            </a:pPr>
-            <a:r>
-              <a:rPr lang="en-GB" sz="3200" dirty="0">
-                <a:solidFill>
-                  <a:srgbClr val="541764"/>
-                </a:solidFill>
-                <a:latin typeface="Segoe UI Light" panose="020B0502040204020203" pitchFamily="34" charset="0"/>
-                <a:cs typeface="Segoe UI Light" panose="020B0502040204020203" pitchFamily="34" charset="0"/>
-              </a:rPr>
-              <a:t>Let’s port a non-trivial project to Docker and AKS</a:t>
-            </a:r>
-          </a:p>
-        </p:txBody>
-      </p:sp>
-    </p:spTree>
-    <p:extLst>
-      <p:ext uri="{BB962C8B-B14F-4D97-AF65-F5344CB8AC3E}">
-        <p14:creationId xmlns:p14="http://schemas.microsoft.com/office/powerpoint/2010/main" val="2580006334"/>
-      </p:ext>
-    </p:extLst>
-  </p:cSld>
-  <p:clrMapOvr>
-    <a:masterClrMapping/>
-  </p:clrMapOvr>
-  <mc:AlternateContent xmlns:mc="http://schemas.openxmlformats.org/markup-compatibility/2006" xmlns:p14="http://schemas.microsoft.com/office/powerpoint/2010/main">
-    <mc:Choice Requires="p14">
-      <p:transition p14:dur="0"/>
-    </mc:Choice>
-    <mc:Fallback xmlns="">
-      <p:transition/>
-    </mc:Fallback>
-  </mc:AlternateContent>
-</p:sld>
-</file>
-
-<file path=ppt/slides/slide20.xml><?xml version="1.0" encoding="utf-8"?>
+<file path=ppt/slides/slide19.xml><?xml version="1.0" encoding="utf-8"?>
 <p:sld xmlns:a="http://schemas.openxmlformats.org/drawingml/2006/main" xmlns:r="http://schemas.openxmlformats.org/officeDocument/2006/relationships" xmlns:p="http://schemas.openxmlformats.org/presentationml/2006/main">
   <p:cSld>
     <p:spTree>
@@ -35316,7 +34543,469 @@
 </p:sld>
 </file>
 
-<file path=ppt/slides/slide21.xml><?xml version="1.0" encoding="utf-8"?>
+<file path=ppt/slides/slide2.xml><?xml version="1.0" encoding="utf-8"?>
+<p:sld xmlns:a="http://schemas.openxmlformats.org/drawingml/2006/main" xmlns:r="http://schemas.openxmlformats.org/officeDocument/2006/relationships" xmlns:p="http://schemas.openxmlformats.org/presentationml/2006/main">
+  <p:cSld>
+    <p:spTree>
+      <p:nvGrpSpPr>
+        <p:cNvPr id="1" name=""/>
+        <p:cNvGrpSpPr/>
+        <p:nvPr/>
+      </p:nvGrpSpPr>
+      <p:grpSpPr>
+        <a:xfrm>
+          <a:off x="0" y="0"/>
+          <a:ext cx="0" cy="0"/>
+          <a:chOff x="0" y="0"/>
+          <a:chExt cx="0" cy="0"/>
+        </a:xfrm>
+      </p:grpSpPr>
+      <p:sp>
+        <p:nvSpPr>
+          <p:cNvPr id="3" name="Title 1"/>
+          <p:cNvSpPr>
+            <a:spLocks noGrp="1"/>
+          </p:cNvSpPr>
+          <p:nvPr/>
+        </p:nvSpPr>
+        <p:spPr>
+          <a:xfrm>
+            <a:off x="535552" y="1064144"/>
+            <a:ext cx="3979297" cy="1355206"/>
+          </a:xfrm>
+          <a:prstGeom prst="rect">
+            <a:avLst/>
+          </a:prstGeom>
+          <a:noFill/>
+        </p:spPr>
+        <p:txBody>
+          <a:bodyPr vert="horz" wrap="square" lIns="146304" tIns="91440" rIns="146304" bIns="91440" rtlCol="0" anchor="t" anchorCtr="0">
+            <a:normAutofit/>
+          </a:bodyPr>
+          <a:lstStyle>
+            <a:lvl1pPr algn="l" defTabSz="914367" rtl="0" eaLnBrk="1" latinLnBrk="0" hangingPunct="1">
+              <a:lnSpc>
+                <a:spcPct val="90000"/>
+              </a:lnSpc>
+              <a:spcBef>
+                <a:spcPct val="0"/>
+              </a:spcBef>
+              <a:buNone/>
+              <a:defRPr lang="en-US" sz="5294" b="0" kern="1200" cap="none" spc="-98" baseline="0">
+                <a:ln w="3175">
+                  <a:noFill/>
+                </a:ln>
+                <a:gradFill>
+                  <a:gsLst>
+                    <a:gs pos="100000">
+                      <a:schemeClr val="tx2"/>
+                    </a:gs>
+                    <a:gs pos="0">
+                      <a:schemeClr val="tx2"/>
+                    </a:gs>
+                  </a:gsLst>
+                  <a:lin ang="5400000" scaled="0"/>
+                </a:gradFill>
+                <a:effectLst/>
+                <a:latin typeface="+mj-lt"/>
+                <a:ea typeface="+mn-ea"/>
+                <a:cs typeface="Segoe UI" pitchFamily="34" charset="0"/>
+              </a:defRPr>
+            </a:lvl1pPr>
+          </a:lstStyle>
+          <a:p>
+            <a:r>
+              <a:rPr lang="it-IT" sz="8000" b="1" dirty="0">
+                <a:solidFill>
+                  <a:srgbClr val="541764"/>
+                </a:solidFill>
+                <a:latin typeface="Segoe UI Light" panose="020B0502040204020203" pitchFamily="34" charset="0"/>
+                <a:cs typeface="Segoe UI Light" panose="020B0502040204020203" pitchFamily="34" charset="0"/>
+              </a:rPr>
+              <a:t>Agenda</a:t>
+            </a:r>
+            <a:endParaRPr lang="en-US" sz="8000" b="1" dirty="0">
+              <a:solidFill>
+                <a:srgbClr val="541764"/>
+              </a:solidFill>
+              <a:latin typeface="Segoe UI Light" panose="020B0502040204020203" pitchFamily="34" charset="0"/>
+              <a:cs typeface="Segoe UI Light" panose="020B0502040204020203" pitchFamily="34" charset="0"/>
+            </a:endParaRPr>
+          </a:p>
+        </p:txBody>
+      </p:sp>
+      <p:sp>
+        <p:nvSpPr>
+          <p:cNvPr id="4" name="Subtitle 2"/>
+          <p:cNvSpPr>
+            <a:spLocks noGrp="1"/>
+          </p:cNvSpPr>
+          <p:nvPr/>
+        </p:nvSpPr>
+        <p:spPr>
+          <a:xfrm>
+            <a:off x="1003835" y="2584720"/>
+            <a:ext cx="10184329" cy="2755765"/>
+          </a:xfrm>
+          <a:prstGeom prst="rect">
+            <a:avLst/>
+          </a:prstGeom>
+          <a:noFill/>
+        </p:spPr>
+        <p:txBody>
+          <a:bodyPr vert="horz" wrap="square" lIns="146304" tIns="109728" rIns="146304" bIns="109728" rtlCol="0">
+            <a:noAutofit/>
+          </a:bodyPr>
+          <a:lstStyle>
+            <a:lvl1pPr marL="0" marR="0" indent="0" algn="l" defTabSz="914367" rtl="0" eaLnBrk="1" fontAlgn="auto" latinLnBrk="0" hangingPunct="1">
+              <a:lnSpc>
+                <a:spcPct val="90000"/>
+              </a:lnSpc>
+              <a:spcBef>
+                <a:spcPts val="0"/>
+              </a:spcBef>
+              <a:spcAft>
+                <a:spcPts val="0"/>
+              </a:spcAft>
+              <a:buClrTx/>
+              <a:buSzPct val="90000"/>
+              <a:buFont typeface="Arial" pitchFamily="34" charset="0"/>
+              <a:buNone/>
+              <a:tabLst/>
+              <a:defRPr sz="3137" kern="1200" spc="0" baseline="0">
+                <a:gradFill>
+                  <a:gsLst>
+                    <a:gs pos="91000">
+                      <a:schemeClr val="tx1"/>
+                    </a:gs>
+                    <a:gs pos="0">
+                      <a:schemeClr val="tx1"/>
+                    </a:gs>
+                  </a:gsLst>
+                  <a:lin ang="5400000" scaled="0"/>
+                </a:gradFill>
+                <a:latin typeface="+mj-lt"/>
+                <a:ea typeface="+mn-ea"/>
+                <a:cs typeface="+mn-cs"/>
+              </a:defRPr>
+            </a:lvl1pPr>
+            <a:lvl2pPr marL="572691" marR="0" indent="-236546" algn="l" defTabSz="914367" rtl="0" eaLnBrk="1" fontAlgn="auto" latinLnBrk="0" hangingPunct="1">
+              <a:lnSpc>
+                <a:spcPct val="90000"/>
+              </a:lnSpc>
+              <a:spcBef>
+                <a:spcPct val="20000"/>
+              </a:spcBef>
+              <a:spcAft>
+                <a:spcPts val="0"/>
+              </a:spcAft>
+              <a:buClrTx/>
+              <a:buSzPct val="90000"/>
+              <a:buFont typeface="Arial" pitchFamily="34" charset="0"/>
+              <a:buChar char="•"/>
+              <a:tabLst/>
+              <a:defRPr sz="2353" kern="1200" spc="0" baseline="0">
+                <a:gradFill>
+                  <a:gsLst>
+                    <a:gs pos="1250">
+                      <a:schemeClr val="tx1"/>
+                    </a:gs>
+                    <a:gs pos="100000">
+                      <a:schemeClr val="tx1"/>
+                    </a:gs>
+                  </a:gsLst>
+                  <a:lin ang="5400000" scaled="0"/>
+                </a:gradFill>
+                <a:latin typeface="+mn-lt"/>
+                <a:ea typeface="+mn-ea"/>
+                <a:cs typeface="+mn-cs"/>
+              </a:defRPr>
+            </a:lvl2pPr>
+            <a:lvl3pPr marL="784338" marR="0" indent="-224097" algn="l" defTabSz="914367" rtl="0" eaLnBrk="1" fontAlgn="auto" latinLnBrk="0" hangingPunct="1">
+              <a:lnSpc>
+                <a:spcPct val="90000"/>
+              </a:lnSpc>
+              <a:spcBef>
+                <a:spcPct val="20000"/>
+              </a:spcBef>
+              <a:spcAft>
+                <a:spcPts val="0"/>
+              </a:spcAft>
+              <a:buClrTx/>
+              <a:buSzPct val="90000"/>
+              <a:buFont typeface="Arial" pitchFamily="34" charset="0"/>
+              <a:buChar char="•"/>
+              <a:tabLst/>
+              <a:defRPr sz="1961" kern="1200" spc="0" baseline="0">
+                <a:gradFill>
+                  <a:gsLst>
+                    <a:gs pos="1250">
+                      <a:schemeClr val="tx1"/>
+                    </a:gs>
+                    <a:gs pos="100000">
+                      <a:schemeClr val="tx1"/>
+                    </a:gs>
+                  </a:gsLst>
+                  <a:lin ang="5400000" scaled="0"/>
+                </a:gradFill>
+                <a:latin typeface="+mn-lt"/>
+                <a:ea typeface="+mn-ea"/>
+                <a:cs typeface="+mn-cs"/>
+              </a:defRPr>
+            </a:lvl3pPr>
+            <a:lvl4pPr marL="1008435" marR="0" indent="-224097" algn="l" defTabSz="914367" rtl="0" eaLnBrk="1" fontAlgn="auto" latinLnBrk="0" hangingPunct="1">
+              <a:lnSpc>
+                <a:spcPct val="90000"/>
+              </a:lnSpc>
+              <a:spcBef>
+                <a:spcPct val="20000"/>
+              </a:spcBef>
+              <a:spcAft>
+                <a:spcPts val="0"/>
+              </a:spcAft>
+              <a:buClrTx/>
+              <a:buSzPct val="90000"/>
+              <a:buFont typeface="Arial" pitchFamily="34" charset="0"/>
+              <a:buChar char="•"/>
+              <a:tabLst/>
+              <a:defRPr sz="1765" kern="1200" spc="0" baseline="0">
+                <a:gradFill>
+                  <a:gsLst>
+                    <a:gs pos="1250">
+                      <a:schemeClr val="tx1"/>
+                    </a:gs>
+                    <a:gs pos="100000">
+                      <a:schemeClr val="tx1"/>
+                    </a:gs>
+                  </a:gsLst>
+                  <a:lin ang="5400000" scaled="0"/>
+                </a:gradFill>
+                <a:latin typeface="+mn-lt"/>
+                <a:ea typeface="+mn-ea"/>
+                <a:cs typeface="+mn-cs"/>
+              </a:defRPr>
+            </a:lvl4pPr>
+            <a:lvl5pPr marL="1232531" marR="0" indent="-224097" algn="l" defTabSz="914367" rtl="0" eaLnBrk="1" fontAlgn="auto" latinLnBrk="0" hangingPunct="1">
+              <a:lnSpc>
+                <a:spcPct val="90000"/>
+              </a:lnSpc>
+              <a:spcBef>
+                <a:spcPct val="20000"/>
+              </a:spcBef>
+              <a:spcAft>
+                <a:spcPts val="0"/>
+              </a:spcAft>
+              <a:buClrTx/>
+              <a:buSzPct val="90000"/>
+              <a:buFont typeface="Arial" pitchFamily="34" charset="0"/>
+              <a:buChar char="•"/>
+              <a:tabLst/>
+              <a:defRPr sz="1765" kern="1200" spc="0" baseline="0">
+                <a:gradFill>
+                  <a:gsLst>
+                    <a:gs pos="1250">
+                      <a:schemeClr val="tx1"/>
+                    </a:gs>
+                    <a:gs pos="100000">
+                      <a:schemeClr val="tx1"/>
+                    </a:gs>
+                  </a:gsLst>
+                  <a:lin ang="5400000" scaled="0"/>
+                </a:gradFill>
+                <a:latin typeface="+mn-lt"/>
+                <a:ea typeface="+mn-ea"/>
+                <a:cs typeface="+mn-cs"/>
+              </a:defRPr>
+            </a:lvl5pPr>
+            <a:lvl6pPr marL="2514509" indent="-228592" algn="l" defTabSz="914367" rtl="0" eaLnBrk="1" latinLnBrk="0" hangingPunct="1">
+              <a:spcBef>
+                <a:spcPct val="20000"/>
+              </a:spcBef>
+              <a:buFont typeface="Arial" pitchFamily="34" charset="0"/>
+              <a:buChar char="•"/>
+              <a:defRPr sz="1961" kern="1200">
+                <a:solidFill>
+                  <a:schemeClr val="tx1"/>
+                </a:solidFill>
+                <a:latin typeface="+mn-lt"/>
+                <a:ea typeface="+mn-ea"/>
+                <a:cs typeface="+mn-cs"/>
+              </a:defRPr>
+            </a:lvl6pPr>
+            <a:lvl7pPr marL="2971693" indent="-228592" algn="l" defTabSz="914367" rtl="0" eaLnBrk="1" latinLnBrk="0" hangingPunct="1">
+              <a:spcBef>
+                <a:spcPct val="20000"/>
+              </a:spcBef>
+              <a:buFont typeface="Arial" pitchFamily="34" charset="0"/>
+              <a:buChar char="•"/>
+              <a:defRPr sz="1961" kern="1200">
+                <a:solidFill>
+                  <a:schemeClr val="tx1"/>
+                </a:solidFill>
+                <a:latin typeface="+mn-lt"/>
+                <a:ea typeface="+mn-ea"/>
+                <a:cs typeface="+mn-cs"/>
+              </a:defRPr>
+            </a:lvl7pPr>
+            <a:lvl8pPr marL="3428877" indent="-228592" algn="l" defTabSz="914367" rtl="0" eaLnBrk="1" latinLnBrk="0" hangingPunct="1">
+              <a:spcBef>
+                <a:spcPct val="20000"/>
+              </a:spcBef>
+              <a:buFont typeface="Arial" pitchFamily="34" charset="0"/>
+              <a:buChar char="•"/>
+              <a:defRPr sz="1961" kern="1200">
+                <a:solidFill>
+                  <a:schemeClr val="tx1"/>
+                </a:solidFill>
+                <a:latin typeface="+mn-lt"/>
+                <a:ea typeface="+mn-ea"/>
+                <a:cs typeface="+mn-cs"/>
+              </a:defRPr>
+            </a:lvl8pPr>
+            <a:lvl9pPr marL="3886061" indent="-228592" algn="l" defTabSz="914367" rtl="0" eaLnBrk="1" latinLnBrk="0" hangingPunct="1">
+              <a:spcBef>
+                <a:spcPct val="20000"/>
+              </a:spcBef>
+              <a:buFont typeface="Arial" pitchFamily="34" charset="0"/>
+              <a:buChar char="•"/>
+              <a:defRPr sz="1961" kern="1200">
+                <a:solidFill>
+                  <a:schemeClr val="tx1"/>
+                </a:solidFill>
+                <a:latin typeface="+mn-lt"/>
+                <a:ea typeface="+mn-ea"/>
+                <a:cs typeface="+mn-cs"/>
+              </a:defRPr>
+            </a:lvl9pPr>
+          </a:lstStyle>
+          <a:p>
+            <a:pPr marL="457200" indent="-457200">
+              <a:buFontTx/>
+              <a:buChar char="-"/>
+            </a:pPr>
+            <a:r>
+              <a:rPr lang="en-GB" sz="3200" dirty="0">
+                <a:solidFill>
+                  <a:srgbClr val="541764"/>
+                </a:solidFill>
+                <a:latin typeface="Segoe UI Light" panose="020B0502040204020203" pitchFamily="34" charset="0"/>
+                <a:cs typeface="Segoe UI Light" panose="020B0502040204020203" pitchFamily="34" charset="0"/>
+              </a:rPr>
+              <a:t>Principles of Microservices</a:t>
+            </a:r>
+          </a:p>
+          <a:p>
+            <a:pPr marL="457200" indent="-457200">
+              <a:buFontTx/>
+              <a:buChar char="-"/>
+            </a:pPr>
+            <a:r>
+              <a:rPr lang="en-GB" altLang="zh-CN" sz="3200" dirty="0">
+                <a:solidFill>
+                  <a:srgbClr val="541764"/>
+                </a:solidFill>
+                <a:latin typeface="Segoe UI Light" panose="020B0502040204020203" pitchFamily="34" charset="0"/>
+                <a:cs typeface="Segoe UI Light" panose="020B0502040204020203" pitchFamily="34" charset="0"/>
+              </a:rPr>
+              <a:t>.NET Core</a:t>
+            </a:r>
+            <a:endParaRPr lang="en-GB" sz="3200" dirty="0">
+              <a:solidFill>
+                <a:srgbClr val="541764"/>
+              </a:solidFill>
+              <a:latin typeface="Segoe UI Light" panose="020B0502040204020203" pitchFamily="34" charset="0"/>
+              <a:cs typeface="Segoe UI Light" panose="020B0502040204020203" pitchFamily="34" charset="0"/>
+            </a:endParaRPr>
+          </a:p>
+          <a:p>
+            <a:pPr marL="457200" indent="-457200">
+              <a:buFontTx/>
+              <a:buChar char="-"/>
+            </a:pPr>
+            <a:r>
+              <a:rPr lang="en-GB" sz="3200" dirty="0">
+                <a:solidFill>
+                  <a:srgbClr val="541764"/>
+                </a:solidFill>
+                <a:latin typeface="Segoe UI Light" panose="020B0502040204020203" pitchFamily="34" charset="0"/>
+                <a:cs typeface="Segoe UI Light" panose="020B0502040204020203" pitchFamily="34" charset="0"/>
+              </a:rPr>
+              <a:t>What’s Docker and why should I care</a:t>
+            </a:r>
+            <a:endParaRPr lang="it-IT" sz="3200" dirty="0">
+              <a:solidFill>
+                <a:srgbClr val="541764"/>
+              </a:solidFill>
+              <a:latin typeface="Segoe UI Light" panose="020B0502040204020203" pitchFamily="34" charset="0"/>
+              <a:cs typeface="Segoe UI Light" panose="020B0502040204020203" pitchFamily="34" charset="0"/>
+            </a:endParaRPr>
+          </a:p>
+          <a:p>
+            <a:pPr marL="457200" indent="-457200">
+              <a:buFontTx/>
+              <a:buChar char="-"/>
+            </a:pPr>
+            <a:r>
+              <a:rPr lang="it-IT" sz="3200" dirty="0">
+                <a:solidFill>
+                  <a:srgbClr val="541764"/>
+                </a:solidFill>
+                <a:latin typeface="Segoe UI Light" panose="020B0502040204020203" pitchFamily="34" charset="0"/>
+                <a:cs typeface="Segoe UI Light" panose="020B0502040204020203" pitchFamily="34" charset="0"/>
+              </a:rPr>
+              <a:t>ASP.NET Core </a:t>
+            </a:r>
+            <a:r>
+              <a:rPr lang="en-GB" sz="3200" dirty="0">
+                <a:solidFill>
+                  <a:srgbClr val="541764"/>
+                </a:solidFill>
+                <a:latin typeface="Segoe UI Light" panose="020B0502040204020203" pitchFamily="34" charset="0"/>
+                <a:cs typeface="Segoe UI Light" panose="020B0502040204020203" pitchFamily="34" charset="0"/>
+              </a:rPr>
+              <a:t>&amp; Docker</a:t>
+            </a:r>
+          </a:p>
+          <a:p>
+            <a:pPr marL="457200" indent="-457200">
+              <a:buFontTx/>
+              <a:buChar char="-"/>
+            </a:pPr>
+            <a:r>
+              <a:rPr lang="en-GB" sz="3200" dirty="0">
+                <a:solidFill>
+                  <a:srgbClr val="541764"/>
+                </a:solidFill>
+                <a:latin typeface="Segoe UI Light" panose="020B0502040204020203" pitchFamily="34" charset="0"/>
+                <a:cs typeface="Segoe UI Light" panose="020B0502040204020203" pitchFamily="34" charset="0"/>
+              </a:rPr>
+              <a:t>Let’s port a non-trivial project to Docker and AKS</a:t>
+            </a:r>
+          </a:p>
+        </p:txBody>
+      </p:sp>
+    </p:spTree>
+    <p:extLst>
+      <p:ext uri="{BB962C8B-B14F-4D97-AF65-F5344CB8AC3E}">
+        <p14:creationId xmlns:p14="http://schemas.microsoft.com/office/powerpoint/2010/main" val="2580006334"/>
+      </p:ext>
+    </p:extLst>
+  </p:cSld>
+  <p:clrMapOvr>
+    <a:masterClrMapping/>
+  </p:clrMapOvr>
+  <mc:AlternateContent xmlns:mc="http://schemas.openxmlformats.org/markup-compatibility/2006" xmlns:p14="http://schemas.microsoft.com/office/powerpoint/2010/main">
+    <mc:Choice Requires="p14">
+      <p:transition p14:dur="0"/>
+    </mc:Choice>
+    <mc:Fallback xmlns="">
+      <p:transition/>
+    </mc:Fallback>
+  </mc:AlternateContent>
+</p:sld>
+</file>
+
+<file path=ppt/slides/slide20.xml><?xml version="1.0" encoding="utf-8"?>
 <p:sld xmlns:a="http://schemas.openxmlformats.org/drawingml/2006/main" xmlns:r="http://schemas.openxmlformats.org/officeDocument/2006/relationships" xmlns:p="http://schemas.openxmlformats.org/presentationml/2006/main">
   <p:cSld>
     <p:spTree>
@@ -36625,7 +36314,7 @@
 </p:sld>
 </file>
 
-<file path=ppt/slides/slide22.xml><?xml version="1.0" encoding="utf-8"?>
+<file path=ppt/slides/slide21.xml><?xml version="1.0" encoding="utf-8"?>
 <p:sld xmlns:a="http://schemas.openxmlformats.org/drawingml/2006/main" xmlns:r="http://schemas.openxmlformats.org/officeDocument/2006/relationships" xmlns:p="http://schemas.openxmlformats.org/presentationml/2006/main">
   <p:cSld>
     <p:spTree>
@@ -36953,7 +36642,7 @@
 </p:sld>
 </file>
 
-<file path=ppt/slides/slide23.xml><?xml version="1.0" encoding="utf-8"?>
+<file path=ppt/slides/slide22.xml><?xml version="1.0" encoding="utf-8"?>
 <p:sld xmlns:a="http://schemas.openxmlformats.org/drawingml/2006/main" xmlns:r="http://schemas.openxmlformats.org/officeDocument/2006/relationships" xmlns:p="http://schemas.openxmlformats.org/presentationml/2006/main">
   <p:cSld>
     <p:spTree>
@@ -38180,7 +37869,7 @@
 </p:sld>
 </file>
 
-<file path=ppt/slides/slide24.xml><?xml version="1.0" encoding="utf-8"?>
+<file path=ppt/slides/slide23.xml><?xml version="1.0" encoding="utf-8"?>
 <p:sld xmlns:a="http://schemas.openxmlformats.org/drawingml/2006/main" xmlns:r="http://schemas.openxmlformats.org/officeDocument/2006/relationships" xmlns:p="http://schemas.openxmlformats.org/presentationml/2006/main">
   <p:cSld>
     <p:spTree>
@@ -41080,6 +40769,403 @@
 </p:sld>
 </file>
 
+<file path=ppt/slides/slide24.xml><?xml version="1.0" encoding="utf-8"?>
+<p:sld xmlns:a="http://schemas.openxmlformats.org/drawingml/2006/main" xmlns:r="http://schemas.openxmlformats.org/officeDocument/2006/relationships" xmlns:p="http://schemas.openxmlformats.org/presentationml/2006/main">
+  <p:cSld>
+    <p:spTree>
+      <p:nvGrpSpPr>
+        <p:cNvPr id="1" name=""/>
+        <p:cNvGrpSpPr/>
+        <p:nvPr/>
+      </p:nvGrpSpPr>
+      <p:grpSpPr>
+        <a:xfrm>
+          <a:off x="0" y="0"/>
+          <a:ext cx="0" cy="0"/>
+          <a:chOff x="0" y="0"/>
+          <a:chExt cx="0" cy="0"/>
+        </a:xfrm>
+      </p:grpSpPr>
+      <p:sp>
+        <p:nvSpPr>
+          <p:cNvPr id="3" name="Title 1"/>
+          <p:cNvSpPr>
+            <a:spLocks noGrp="1"/>
+          </p:cNvSpPr>
+          <p:nvPr/>
+        </p:nvSpPr>
+        <p:spPr>
+          <a:xfrm>
+            <a:off x="755456" y="423491"/>
+            <a:ext cx="10506917" cy="787000"/>
+          </a:xfrm>
+          <a:prstGeom prst="rect">
+            <a:avLst/>
+          </a:prstGeom>
+          <a:noFill/>
+        </p:spPr>
+        <p:txBody>
+          <a:bodyPr vert="horz" wrap="square" lIns="146304" tIns="91440" rIns="146304" bIns="91440" rtlCol="0" anchor="t" anchorCtr="0">
+            <a:normAutofit fontScale="62500" lnSpcReduction="20000"/>
+          </a:bodyPr>
+          <a:lstStyle>
+            <a:lvl1pPr algn="l" defTabSz="914367" rtl="0" eaLnBrk="1" latinLnBrk="0" hangingPunct="1">
+              <a:lnSpc>
+                <a:spcPct val="90000"/>
+              </a:lnSpc>
+              <a:spcBef>
+                <a:spcPct val="0"/>
+              </a:spcBef>
+              <a:buNone/>
+              <a:defRPr lang="en-US" sz="5294" b="0" kern="1200" cap="none" spc="-98" baseline="0">
+                <a:ln w="3175">
+                  <a:noFill/>
+                </a:ln>
+                <a:gradFill>
+                  <a:gsLst>
+                    <a:gs pos="100000">
+                      <a:schemeClr val="tx2"/>
+                    </a:gs>
+                    <a:gs pos="0">
+                      <a:schemeClr val="tx2"/>
+                    </a:gs>
+                  </a:gsLst>
+                  <a:lin ang="5400000" scaled="0"/>
+                </a:gradFill>
+                <a:effectLst/>
+                <a:latin typeface="+mj-lt"/>
+                <a:ea typeface="+mn-ea"/>
+                <a:cs typeface="Segoe UI" pitchFamily="34" charset="0"/>
+              </a:defRPr>
+            </a:lvl1pPr>
+          </a:lstStyle>
+          <a:p>
+            <a:r>
+              <a:rPr lang="en-US" altLang="zh-CN" sz="8000" b="1" dirty="0">
+                <a:solidFill>
+                  <a:srgbClr val="541764"/>
+                </a:solidFill>
+                <a:latin typeface="Segoe UI Light" panose="020B0502040204020203" pitchFamily="34" charset="0"/>
+                <a:cs typeface="Segoe UI Light" panose="020B0502040204020203" pitchFamily="34" charset="0"/>
+              </a:rPr>
+              <a:t>Microservice architecture  on AKS</a:t>
+            </a:r>
+            <a:endParaRPr lang="en-US" sz="8000" b="1" dirty="0">
+              <a:solidFill>
+                <a:srgbClr val="541764"/>
+              </a:solidFill>
+              <a:latin typeface="Segoe UI Light" panose="020B0502040204020203" pitchFamily="34" charset="0"/>
+              <a:cs typeface="Segoe UI Light" panose="020B0502040204020203" pitchFamily="34" charset="0"/>
+            </a:endParaRPr>
+          </a:p>
+        </p:txBody>
+      </p:sp>
+      <p:sp>
+        <p:nvSpPr>
+          <p:cNvPr id="4" name="Subtitle 2"/>
+          <p:cNvSpPr>
+            <a:spLocks noGrp="1"/>
+          </p:cNvSpPr>
+          <p:nvPr/>
+        </p:nvSpPr>
+        <p:spPr>
+          <a:xfrm>
+            <a:off x="535552" y="2419350"/>
+            <a:ext cx="6765360" cy="2225349"/>
+          </a:xfrm>
+          <a:prstGeom prst="rect">
+            <a:avLst/>
+          </a:prstGeom>
+          <a:noFill/>
+        </p:spPr>
+        <p:txBody>
+          <a:bodyPr vert="horz" wrap="square" lIns="146304" tIns="109728" rIns="146304" bIns="109728" rtlCol="0">
+            <a:noAutofit/>
+          </a:bodyPr>
+          <a:lstStyle>
+            <a:lvl1pPr marL="0" marR="0" indent="0" algn="l" defTabSz="914367" rtl="0" eaLnBrk="1" fontAlgn="auto" latinLnBrk="0" hangingPunct="1">
+              <a:lnSpc>
+                <a:spcPct val="90000"/>
+              </a:lnSpc>
+              <a:spcBef>
+                <a:spcPts val="0"/>
+              </a:spcBef>
+              <a:spcAft>
+                <a:spcPts val="0"/>
+              </a:spcAft>
+              <a:buClrTx/>
+              <a:buSzPct val="90000"/>
+              <a:buFont typeface="Arial" pitchFamily="34" charset="0"/>
+              <a:buNone/>
+              <a:tabLst/>
+              <a:defRPr sz="3137" kern="1200" spc="0" baseline="0">
+                <a:gradFill>
+                  <a:gsLst>
+                    <a:gs pos="91000">
+                      <a:schemeClr val="tx1"/>
+                    </a:gs>
+                    <a:gs pos="0">
+                      <a:schemeClr val="tx1"/>
+                    </a:gs>
+                  </a:gsLst>
+                  <a:lin ang="5400000" scaled="0"/>
+                </a:gradFill>
+                <a:latin typeface="+mj-lt"/>
+                <a:ea typeface="+mn-ea"/>
+                <a:cs typeface="+mn-cs"/>
+              </a:defRPr>
+            </a:lvl1pPr>
+            <a:lvl2pPr marL="572691" marR="0" indent="-236546" algn="l" defTabSz="914367" rtl="0" eaLnBrk="1" fontAlgn="auto" latinLnBrk="0" hangingPunct="1">
+              <a:lnSpc>
+                <a:spcPct val="90000"/>
+              </a:lnSpc>
+              <a:spcBef>
+                <a:spcPct val="20000"/>
+              </a:spcBef>
+              <a:spcAft>
+                <a:spcPts val="0"/>
+              </a:spcAft>
+              <a:buClrTx/>
+              <a:buSzPct val="90000"/>
+              <a:buFont typeface="Arial" pitchFamily="34" charset="0"/>
+              <a:buChar char="•"/>
+              <a:tabLst/>
+              <a:defRPr sz="2353" kern="1200" spc="0" baseline="0">
+                <a:gradFill>
+                  <a:gsLst>
+                    <a:gs pos="1250">
+                      <a:schemeClr val="tx1"/>
+                    </a:gs>
+                    <a:gs pos="100000">
+                      <a:schemeClr val="tx1"/>
+                    </a:gs>
+                  </a:gsLst>
+                  <a:lin ang="5400000" scaled="0"/>
+                </a:gradFill>
+                <a:latin typeface="+mn-lt"/>
+                <a:ea typeface="+mn-ea"/>
+                <a:cs typeface="+mn-cs"/>
+              </a:defRPr>
+            </a:lvl2pPr>
+            <a:lvl3pPr marL="784338" marR="0" indent="-224097" algn="l" defTabSz="914367" rtl="0" eaLnBrk="1" fontAlgn="auto" latinLnBrk="0" hangingPunct="1">
+              <a:lnSpc>
+                <a:spcPct val="90000"/>
+              </a:lnSpc>
+              <a:spcBef>
+                <a:spcPct val="20000"/>
+              </a:spcBef>
+              <a:spcAft>
+                <a:spcPts val="0"/>
+              </a:spcAft>
+              <a:buClrTx/>
+              <a:buSzPct val="90000"/>
+              <a:buFont typeface="Arial" pitchFamily="34" charset="0"/>
+              <a:buChar char="•"/>
+              <a:tabLst/>
+              <a:defRPr sz="1961" kern="1200" spc="0" baseline="0">
+                <a:gradFill>
+                  <a:gsLst>
+                    <a:gs pos="1250">
+                      <a:schemeClr val="tx1"/>
+                    </a:gs>
+                    <a:gs pos="100000">
+                      <a:schemeClr val="tx1"/>
+                    </a:gs>
+                  </a:gsLst>
+                  <a:lin ang="5400000" scaled="0"/>
+                </a:gradFill>
+                <a:latin typeface="+mn-lt"/>
+                <a:ea typeface="+mn-ea"/>
+                <a:cs typeface="+mn-cs"/>
+              </a:defRPr>
+            </a:lvl3pPr>
+            <a:lvl4pPr marL="1008435" marR="0" indent="-224097" algn="l" defTabSz="914367" rtl="0" eaLnBrk="1" fontAlgn="auto" latinLnBrk="0" hangingPunct="1">
+              <a:lnSpc>
+                <a:spcPct val="90000"/>
+              </a:lnSpc>
+              <a:spcBef>
+                <a:spcPct val="20000"/>
+              </a:spcBef>
+              <a:spcAft>
+                <a:spcPts val="0"/>
+              </a:spcAft>
+              <a:buClrTx/>
+              <a:buSzPct val="90000"/>
+              <a:buFont typeface="Arial" pitchFamily="34" charset="0"/>
+              <a:buChar char="•"/>
+              <a:tabLst/>
+              <a:defRPr sz="1765" kern="1200" spc="0" baseline="0">
+                <a:gradFill>
+                  <a:gsLst>
+                    <a:gs pos="1250">
+                      <a:schemeClr val="tx1"/>
+                    </a:gs>
+                    <a:gs pos="100000">
+                      <a:schemeClr val="tx1"/>
+                    </a:gs>
+                  </a:gsLst>
+                  <a:lin ang="5400000" scaled="0"/>
+                </a:gradFill>
+                <a:latin typeface="+mn-lt"/>
+                <a:ea typeface="+mn-ea"/>
+                <a:cs typeface="+mn-cs"/>
+              </a:defRPr>
+            </a:lvl4pPr>
+            <a:lvl5pPr marL="1232531" marR="0" indent="-224097" algn="l" defTabSz="914367" rtl="0" eaLnBrk="1" fontAlgn="auto" latinLnBrk="0" hangingPunct="1">
+              <a:lnSpc>
+                <a:spcPct val="90000"/>
+              </a:lnSpc>
+              <a:spcBef>
+                <a:spcPct val="20000"/>
+              </a:spcBef>
+              <a:spcAft>
+                <a:spcPts val="0"/>
+              </a:spcAft>
+              <a:buClrTx/>
+              <a:buSzPct val="90000"/>
+              <a:buFont typeface="Arial" pitchFamily="34" charset="0"/>
+              <a:buChar char="•"/>
+              <a:tabLst/>
+              <a:defRPr sz="1765" kern="1200" spc="0" baseline="0">
+                <a:gradFill>
+                  <a:gsLst>
+                    <a:gs pos="1250">
+                      <a:schemeClr val="tx1"/>
+                    </a:gs>
+                    <a:gs pos="100000">
+                      <a:schemeClr val="tx1"/>
+                    </a:gs>
+                  </a:gsLst>
+                  <a:lin ang="5400000" scaled="0"/>
+                </a:gradFill>
+                <a:latin typeface="+mn-lt"/>
+                <a:ea typeface="+mn-ea"/>
+                <a:cs typeface="+mn-cs"/>
+              </a:defRPr>
+            </a:lvl5pPr>
+            <a:lvl6pPr marL="2514509" indent="-228592" algn="l" defTabSz="914367" rtl="0" eaLnBrk="1" latinLnBrk="0" hangingPunct="1">
+              <a:spcBef>
+                <a:spcPct val="20000"/>
+              </a:spcBef>
+              <a:buFont typeface="Arial" pitchFamily="34" charset="0"/>
+              <a:buChar char="•"/>
+              <a:defRPr sz="1961" kern="1200">
+                <a:solidFill>
+                  <a:schemeClr val="tx1"/>
+                </a:solidFill>
+                <a:latin typeface="+mn-lt"/>
+                <a:ea typeface="+mn-ea"/>
+                <a:cs typeface="+mn-cs"/>
+              </a:defRPr>
+            </a:lvl6pPr>
+            <a:lvl7pPr marL="2971693" indent="-228592" algn="l" defTabSz="914367" rtl="0" eaLnBrk="1" latinLnBrk="0" hangingPunct="1">
+              <a:spcBef>
+                <a:spcPct val="20000"/>
+              </a:spcBef>
+              <a:buFont typeface="Arial" pitchFamily="34" charset="0"/>
+              <a:buChar char="•"/>
+              <a:defRPr sz="1961" kern="1200">
+                <a:solidFill>
+                  <a:schemeClr val="tx1"/>
+                </a:solidFill>
+                <a:latin typeface="+mn-lt"/>
+                <a:ea typeface="+mn-ea"/>
+                <a:cs typeface="+mn-cs"/>
+              </a:defRPr>
+            </a:lvl7pPr>
+            <a:lvl8pPr marL="3428877" indent="-228592" algn="l" defTabSz="914367" rtl="0" eaLnBrk="1" latinLnBrk="0" hangingPunct="1">
+              <a:spcBef>
+                <a:spcPct val="20000"/>
+              </a:spcBef>
+              <a:buFont typeface="Arial" pitchFamily="34" charset="0"/>
+              <a:buChar char="•"/>
+              <a:defRPr sz="1961" kern="1200">
+                <a:solidFill>
+                  <a:schemeClr val="tx1"/>
+                </a:solidFill>
+                <a:latin typeface="+mn-lt"/>
+                <a:ea typeface="+mn-ea"/>
+                <a:cs typeface="+mn-cs"/>
+              </a:defRPr>
+            </a:lvl8pPr>
+            <a:lvl9pPr marL="3886061" indent="-228592" algn="l" defTabSz="914367" rtl="0" eaLnBrk="1" latinLnBrk="0" hangingPunct="1">
+              <a:spcBef>
+                <a:spcPct val="20000"/>
+              </a:spcBef>
+              <a:buFont typeface="Arial" pitchFamily="34" charset="0"/>
+              <a:buChar char="•"/>
+              <a:defRPr sz="1961" kern="1200">
+                <a:solidFill>
+                  <a:schemeClr val="tx1"/>
+                </a:solidFill>
+                <a:latin typeface="+mn-lt"/>
+                <a:ea typeface="+mn-ea"/>
+                <a:cs typeface="+mn-cs"/>
+              </a:defRPr>
+            </a:lvl9pPr>
+          </a:lstStyle>
+          <a:p>
+            <a:endParaRPr lang="en-US" sz="3200" dirty="0">
+              <a:solidFill>
+                <a:srgbClr val="541764"/>
+              </a:solidFill>
+              <a:latin typeface="Segoe UI Light" panose="020B0502040204020203" pitchFamily="34" charset="0"/>
+              <a:cs typeface="Segoe UI Light" panose="020B0502040204020203" pitchFamily="34" charset="0"/>
+            </a:endParaRPr>
+          </a:p>
+        </p:txBody>
+      </p:sp>
+      <p:pic>
+        <p:nvPicPr>
+          <p:cNvPr id="5" name="图片 4">
+            <a:extLst>
+              <a:ext uri="{FF2B5EF4-FFF2-40B4-BE49-F238E27FC236}">
+                <a16:creationId xmlns:a16="http://schemas.microsoft.com/office/drawing/2014/main" id="{08ECDFAD-6FDF-4C0B-B46D-4C2EA80FDC18}"/>
+              </a:ext>
+            </a:extLst>
+          </p:cNvPr>
+          <p:cNvPicPr>
+            <a:picLocks noChangeAspect="1"/>
+          </p:cNvPicPr>
+          <p:nvPr/>
+        </p:nvPicPr>
+        <p:blipFill>
+          <a:blip r:embed="rId3"/>
+          <a:stretch>
+            <a:fillRect/>
+          </a:stretch>
+        </p:blipFill>
+        <p:spPr>
+          <a:xfrm>
+            <a:off x="755456" y="1210491"/>
+            <a:ext cx="11009823" cy="5401310"/>
+          </a:xfrm>
+          <a:prstGeom prst="rect">
+            <a:avLst/>
+          </a:prstGeom>
+        </p:spPr>
+      </p:pic>
+    </p:spTree>
+    <p:extLst>
+      <p:ext uri="{BB962C8B-B14F-4D97-AF65-F5344CB8AC3E}">
+        <p14:creationId xmlns:p14="http://schemas.microsoft.com/office/powerpoint/2010/main" val="3157464790"/>
+      </p:ext>
+    </p:extLst>
+  </p:cSld>
+  <p:clrMapOvr>
+    <a:masterClrMapping/>
+  </p:clrMapOvr>
+  <mc:AlternateContent xmlns:mc="http://schemas.openxmlformats.org/markup-compatibility/2006" xmlns:p14="http://schemas.microsoft.com/office/powerpoint/2010/main">
+    <mc:Choice Requires="p14">
+      <p:transition p14:dur="0"/>
+    </mc:Choice>
+    <mc:Fallback xmlns="">
+      <p:transition/>
+    </mc:Fallback>
+  </mc:AlternateContent>
+</p:sld>
+</file>
+
 <file path=ppt/slides/slide25.xml><?xml version="1.0" encoding="utf-8"?>
 <p:sld xmlns:a="http://schemas.openxmlformats.org/drawingml/2006/main" xmlns:r="http://schemas.openxmlformats.org/officeDocument/2006/relationships" xmlns:p="http://schemas.openxmlformats.org/presentationml/2006/main">
   <p:cSld>
@@ -42253,7 +42339,7 @@
             <a:pPr lvl="1"/>
             <a:r>
               <a:rPr lang="it-IT" dirty="0">
-                <a:hlinkClick r:id="rId2"/>
+                <a:hlinkClick r:id="rId3"/>
               </a:rPr>
               <a:t>https://docs.microsoft.com/en-us/azure/aks/</a:t>
             </a:r>
@@ -42287,7 +42373,7 @@
             <a:pPr lvl="1"/>
             <a:r>
               <a:rPr lang="it-IT" dirty="0">
-                <a:hlinkClick r:id="rId3"/>
+                <a:hlinkClick r:id="rId4"/>
               </a:rPr>
               <a:t>https://docs.microsoft.com/en-us/azure/log-analytics/log-analytics-containers</a:t>
             </a:r>
